--- a/workshop/dapr_in_action.pptx
+++ b/workshop/dapr_in_action.pptx
@@ -25,24 +25,27 @@
     <p:sldId id="270" r:id="rId19"/>
     <p:sldId id="271" r:id="rId20"/>
     <p:sldId id="272" r:id="rId21"/>
+    <p:sldId id="273" r:id="rId22"/>
+    <p:sldId id="274" r:id="rId23"/>
+    <p:sldId id="275" r:id="rId24"/>
   </p:sldIdLst>
   <p:sldSz cy="6858000" cx="12192000"/>
   <p:notesSz cx="6858000" cy="9144000"/>
   <p:embeddedFontLst>
     <p:embeddedFont>
       <p:font typeface="Space Grotesk Light"/>
-      <p:regular r:id="rId22"/>
-      <p:bold r:id="rId23"/>
+      <p:regular r:id="rId25"/>
+      <p:bold r:id="rId26"/>
     </p:embeddedFont>
     <p:embeddedFont>
       <p:font typeface="Space Grotesk Medium"/>
-      <p:regular r:id="rId24"/>
-      <p:bold r:id="rId25"/>
+      <p:regular r:id="rId27"/>
+      <p:bold r:id="rId28"/>
     </p:embeddedFont>
     <p:embeddedFont>
       <p:font typeface="Space Grotesk"/>
-      <p:regular r:id="rId26"/>
-      <p:bold r:id="rId27"/>
+      <p:regular r:id="rId29"/>
+      <p:bold r:id="rId30"/>
     </p:embeddedFont>
   </p:embeddedFontLst>
   <p:defaultTextStyle>
@@ -276,7 +279,7 @@
   </p:defaultTextStyle>
   <p:extLst>
     <p:ext uri="GoogleSlidesCustomDataVersion2">
-      <go:slidesCustomData xmlns:go="http://customooxmlschemas.google.com/" r:id="rId28" roundtripDataSignature="AMtx7mi/aMdgGsopoNWK40R7lvU7QQpgqA=="/>
+      <go:slidesCustomData xmlns:go="http://customooxmlschemas.google.com/" r:id="rId31" roundtripDataSignature="AMtx7miGqbhk8XFTMZihICzbDt8JAGQDkg=="/>
     </p:ext>
   </p:extLst>
 </p:presentation>
@@ -1566,7 +1569,7 @@
       </p:grpSpPr>
       <p:sp>
         <p:nvSpPr>
-          <p:cNvPr id="292" name="Google Shape;292;p132:notes"/>
+          <p:cNvPr id="292" name="Google Shape;292;g35cd725ba4c_0_9:notes"/>
           <p:cNvSpPr/>
           <p:nvPr>
             <p:ph idx="2" type="sldImg"/>
@@ -1611,7 +1614,7 @@
       </p:sp>
       <p:sp>
         <p:nvSpPr>
-          <p:cNvPr id="293" name="Google Shape;293;p132:notes"/>
+          <p:cNvPr id="293" name="Google Shape;293;g35cd725ba4c_0_9:notes"/>
           <p:cNvSpPr txBox="1"/>
           <p:nvPr>
             <p:ph idx="1" type="body"/>
@@ -1636,6 +1639,35 @@
           </a:bodyPr>
           <a:lstStyle/>
           <a:p>
+            <a:pPr indent="0" lvl="0" marL="158750" marR="0" rtl="0" algn="l">
+              <a:lnSpc>
+                <a:spcPct val="100000"/>
+              </a:lnSpc>
+              <a:spcBef>
+                <a:spcPts val="0"/>
+              </a:spcBef>
+              <a:spcAft>
+                <a:spcPts val="0"/>
+              </a:spcAft>
+              <a:buClr>
+                <a:srgbClr val="000000"/>
+              </a:buClr>
+              <a:buSzPts val="1100"/>
+              <a:buFont typeface="Arial"/>
+              <a:buNone/>
+            </a:pPr>
+            <a:r>
+              <a:rPr b="0" i="0" lang="en-US" u="none" cap="none" strike="noStrike">
+                <a:latin typeface="Space Grotesk"/>
+                <a:ea typeface="Space Grotesk"/>
+                <a:cs typeface="Space Grotesk"/>
+                <a:sym typeface="Space Grotesk"/>
+              </a:rPr>
+              <a:t>Agents in Dapr Agents are autonomous systems powered by Large Language Models (LLMs), designed to execute tasks, reason through problems, and collaborate within workflows. Acting as intelligent building blocks, agents seamlessly combine LLM-driven reasoning with tool integration, memory, and collaboration features to enable scalable, agentic systems. </a:t>
+            </a:r>
+            <a:endParaRPr/>
+          </a:p>
+          <a:p>
             <a:pPr indent="-228600" lvl="0" marL="457200" marR="0" rtl="0" algn="l">
               <a:lnSpc>
                 <a:spcPct val="100000"/>
@@ -1673,7 +1705,7 @@
   <p:cSld>
     <p:spTree>
       <p:nvGrpSpPr>
-        <p:cNvPr id="326" name="Shape 326"/>
+        <p:cNvPr id="329" name="Shape 329"/>
         <p:cNvGrpSpPr/>
         <p:nvPr/>
       </p:nvGrpSpPr>
@@ -1687,7 +1719,7 @@
       </p:grpSpPr>
       <p:sp>
         <p:nvSpPr>
-          <p:cNvPr id="327" name="Google Shape;327;p72:notes"/>
+          <p:cNvPr id="330" name="Google Shape;330;g35cd725ba4c_2_35:notes"/>
           <p:cNvSpPr txBox="1"/>
           <p:nvPr>
             <p:ph idx="1" type="body"/>
@@ -1728,18 +1760,13 @@
             <a:r>
               <a:t/>
             </a:r>
-            <a:endParaRPr>
-              <a:latin typeface="Space Grotesk"/>
-              <a:ea typeface="Space Grotesk"/>
-              <a:cs typeface="Space Grotesk"/>
-              <a:sym typeface="Space Grotesk"/>
-            </a:endParaRPr>
+            <a:endParaRPr/>
           </a:p>
         </p:txBody>
       </p:sp>
       <p:sp>
         <p:nvSpPr>
-          <p:cNvPr id="328" name="Google Shape;328;p72:notes"/>
+          <p:cNvPr id="331" name="Google Shape;331;g35cd725ba4c_2_35:notes"/>
           <p:cNvSpPr/>
           <p:nvPr>
             <p:ph idx="2" type="sldImg"/>
@@ -1795,7 +1822,7 @@
   <p:cSld>
     <p:spTree>
       <p:nvGrpSpPr>
-        <p:cNvPr id="346" name="Shape 346"/>
+        <p:cNvPr id="340" name="Shape 340"/>
         <p:cNvGrpSpPr/>
         <p:nvPr/>
       </p:nvGrpSpPr>
@@ -1809,7 +1836,7 @@
       </p:grpSpPr>
       <p:sp>
         <p:nvSpPr>
-          <p:cNvPr id="347" name="Google Shape;347;p73:notes"/>
+          <p:cNvPr id="341" name="Google Shape;341;g35cd725ba4c_2_45:notes"/>
           <p:cNvSpPr txBox="1"/>
           <p:nvPr>
             <p:ph idx="1" type="body"/>
@@ -1850,6 +1877,240 @@
             <a:r>
               <a:t/>
             </a:r>
+            <a:endParaRPr/>
+          </a:p>
+        </p:txBody>
+      </p:sp>
+      <p:sp>
+        <p:nvSpPr>
+          <p:cNvPr id="342" name="Google Shape;342;g35cd725ba4c_2_45:notes"/>
+          <p:cNvSpPr/>
+          <p:nvPr>
+            <p:ph idx="2" type="sldImg"/>
+          </p:nvPr>
+        </p:nvSpPr>
+        <p:spPr>
+          <a:xfrm>
+            <a:off x="381000" y="685800"/>
+            <a:ext cx="6096000" cy="3429000"/>
+          </a:xfrm>
+          <a:custGeom>
+            <a:rect b="b" l="l" r="r" t="t"/>
+            <a:pathLst>
+              <a:path extrusionOk="0" h="120000" w="120000">
+                <a:moveTo>
+                  <a:pt x="0" y="0"/>
+                </a:moveTo>
+                <a:lnTo>
+                  <a:pt x="120000" y="0"/>
+                </a:lnTo>
+                <a:lnTo>
+                  <a:pt x="120000" y="120000"/>
+                </a:lnTo>
+                <a:lnTo>
+                  <a:pt x="0" y="120000"/>
+                </a:lnTo>
+                <a:close/>
+              </a:path>
+            </a:pathLst>
+          </a:custGeom>
+          <a:noFill/>
+          <a:ln cap="flat" cmpd="sng" w="9525">
+            <a:solidFill>
+              <a:srgbClr val="000000"/>
+            </a:solidFill>
+            <a:prstDash val="solid"/>
+            <a:round/>
+            <a:headEnd len="sm" w="sm" type="none"/>
+            <a:tailEnd len="sm" w="sm" type="none"/>
+          </a:ln>
+        </p:spPr>
+      </p:sp>
+    </p:spTree>
+  </p:cSld>
+  <p:clrMapOvr>
+    <a:masterClrMapping/>
+  </p:clrMapOvr>
+</p:notes>
+</file>
+
+<file path=ppt/notesSlides/notesSlide18.xml><?xml version="1.0" encoding="utf-8"?>
+<p:notes xmlns:a="http://schemas.openxmlformats.org/drawingml/2006/main" xmlns:r="http://schemas.openxmlformats.org/officeDocument/2006/relationships" xmlns:mc="http://schemas.openxmlformats.org/markup-compatibility/2006" xmlns:mv="urn:schemas-microsoft-com:mac:vml" xmlns:p="http://schemas.openxmlformats.org/presentationml/2006/main" xmlns:c="http://schemas.openxmlformats.org/drawingml/2006/chart" xmlns:dgm="http://schemas.openxmlformats.org/drawingml/2006/diagram" xmlns:o="urn:schemas-microsoft-com:office:office" xmlns:v="urn:schemas-microsoft-com:vml" xmlns:pvml="urn:schemas-microsoft-com:office:powerpoint" xmlns:com="http://schemas.openxmlformats.org/drawingml/2006/compatibility" xmlns:p14="http://schemas.microsoft.com/office/powerpoint/2010/main" xmlns:p15="http://schemas.microsoft.com/office/powerpoint/2012/main" xmlns:ahyp="http://schemas.microsoft.com/office/drawing/2018/hyperlinkcolor" showMasterPhAnim="0" showMasterSp="0">
+  <p:cSld>
+    <p:spTree>
+      <p:nvGrpSpPr>
+        <p:cNvPr id="402" name="Shape 402"/>
+        <p:cNvGrpSpPr/>
+        <p:nvPr/>
+      </p:nvGrpSpPr>
+      <p:grpSpPr>
+        <a:xfrm>
+          <a:off x="0" y="0"/>
+          <a:ext cx="0" cy="0"/>
+          <a:chOff x="0" y="0"/>
+          <a:chExt cx="0" cy="0"/>
+        </a:xfrm>
+      </p:grpSpPr>
+      <p:sp>
+        <p:nvSpPr>
+          <p:cNvPr id="403" name="Google Shape;403;g35cd725ba4c_2_106:notes"/>
+          <p:cNvSpPr txBox="1"/>
+          <p:nvPr>
+            <p:ph idx="1" type="body"/>
+          </p:nvPr>
+        </p:nvSpPr>
+        <p:spPr>
+          <a:xfrm>
+            <a:off x="685800" y="4343400"/>
+            <a:ext cx="5486400" cy="4114800"/>
+          </a:xfrm>
+          <a:prstGeom prst="rect">
+            <a:avLst/>
+          </a:prstGeom>
+          <a:noFill/>
+          <a:ln>
+            <a:noFill/>
+          </a:ln>
+        </p:spPr>
+        <p:txBody>
+          <a:bodyPr anchorCtr="0" anchor="t" bIns="91425" lIns="91425" spcFirstLastPara="1" rIns="91425" wrap="square" tIns="91425">
+            <a:noAutofit/>
+          </a:bodyPr>
+          <a:lstStyle/>
+          <a:p>
+            <a:pPr indent="0" lvl="0" marL="0" rtl="0" algn="l">
+              <a:lnSpc>
+                <a:spcPct val="100000"/>
+              </a:lnSpc>
+              <a:spcBef>
+                <a:spcPts val="0"/>
+              </a:spcBef>
+              <a:spcAft>
+                <a:spcPts val="0"/>
+              </a:spcAft>
+              <a:buSzPts val="1100"/>
+              <a:buNone/>
+            </a:pPr>
+            <a:r>
+              <a:t/>
+            </a:r>
+            <a:endParaRPr/>
+          </a:p>
+        </p:txBody>
+      </p:sp>
+      <p:sp>
+        <p:nvSpPr>
+          <p:cNvPr id="404" name="Google Shape;404;g35cd725ba4c_2_106:notes"/>
+          <p:cNvSpPr/>
+          <p:nvPr>
+            <p:ph idx="2" type="sldImg"/>
+          </p:nvPr>
+        </p:nvSpPr>
+        <p:spPr>
+          <a:xfrm>
+            <a:off x="381000" y="685800"/>
+            <a:ext cx="6096000" cy="3429000"/>
+          </a:xfrm>
+          <a:custGeom>
+            <a:rect b="b" l="l" r="r" t="t"/>
+            <a:pathLst>
+              <a:path extrusionOk="0" h="120000" w="120000">
+                <a:moveTo>
+                  <a:pt x="0" y="0"/>
+                </a:moveTo>
+                <a:lnTo>
+                  <a:pt x="120000" y="0"/>
+                </a:lnTo>
+                <a:lnTo>
+                  <a:pt x="120000" y="120000"/>
+                </a:lnTo>
+                <a:lnTo>
+                  <a:pt x="0" y="120000"/>
+                </a:lnTo>
+                <a:close/>
+              </a:path>
+            </a:pathLst>
+          </a:custGeom>
+          <a:noFill/>
+          <a:ln cap="flat" cmpd="sng" w="9525">
+            <a:solidFill>
+              <a:srgbClr val="000000"/>
+            </a:solidFill>
+            <a:prstDash val="solid"/>
+            <a:round/>
+            <a:headEnd len="sm" w="sm" type="none"/>
+            <a:tailEnd len="sm" w="sm" type="none"/>
+          </a:ln>
+        </p:spPr>
+      </p:sp>
+    </p:spTree>
+  </p:cSld>
+  <p:clrMapOvr>
+    <a:masterClrMapping/>
+  </p:clrMapOvr>
+</p:notes>
+</file>
+
+<file path=ppt/notesSlides/notesSlide19.xml><?xml version="1.0" encoding="utf-8"?>
+<p:notes xmlns:a="http://schemas.openxmlformats.org/drawingml/2006/main" xmlns:r="http://schemas.openxmlformats.org/officeDocument/2006/relationships" xmlns:mc="http://schemas.openxmlformats.org/markup-compatibility/2006" xmlns:mv="urn:schemas-microsoft-com:mac:vml" xmlns:p="http://schemas.openxmlformats.org/presentationml/2006/main" xmlns:c="http://schemas.openxmlformats.org/drawingml/2006/chart" xmlns:dgm="http://schemas.openxmlformats.org/drawingml/2006/diagram" xmlns:o="urn:schemas-microsoft-com:office:office" xmlns:v="urn:schemas-microsoft-com:vml" xmlns:pvml="urn:schemas-microsoft-com:office:powerpoint" xmlns:com="http://schemas.openxmlformats.org/drawingml/2006/compatibility" xmlns:p14="http://schemas.microsoft.com/office/powerpoint/2010/main" xmlns:p15="http://schemas.microsoft.com/office/powerpoint/2012/main" xmlns:ahyp="http://schemas.microsoft.com/office/drawing/2018/hyperlinkcolor" showMasterPhAnim="0" showMasterSp="0">
+  <p:cSld>
+    <p:spTree>
+      <p:nvGrpSpPr>
+        <p:cNvPr id="470" name="Shape 470"/>
+        <p:cNvGrpSpPr/>
+        <p:nvPr/>
+      </p:nvGrpSpPr>
+      <p:grpSpPr>
+        <a:xfrm>
+          <a:off x="0" y="0"/>
+          <a:ext cx="0" cy="0"/>
+          <a:chOff x="0" y="0"/>
+          <a:chExt cx="0" cy="0"/>
+        </a:xfrm>
+      </p:grpSpPr>
+      <p:sp>
+        <p:nvSpPr>
+          <p:cNvPr id="471" name="Google Shape;471;p72:notes"/>
+          <p:cNvSpPr txBox="1"/>
+          <p:nvPr>
+            <p:ph idx="1" type="body"/>
+          </p:nvPr>
+        </p:nvSpPr>
+        <p:spPr>
+          <a:xfrm>
+            <a:off x="685800" y="4343400"/>
+            <a:ext cx="5486400" cy="4114800"/>
+          </a:xfrm>
+          <a:prstGeom prst="rect">
+            <a:avLst/>
+          </a:prstGeom>
+          <a:noFill/>
+          <a:ln>
+            <a:noFill/>
+          </a:ln>
+        </p:spPr>
+        <p:txBody>
+          <a:bodyPr anchorCtr="0" anchor="t" bIns="91425" lIns="91425" spcFirstLastPara="1" rIns="91425" wrap="square" tIns="91425">
+            <a:noAutofit/>
+          </a:bodyPr>
+          <a:lstStyle/>
+          <a:p>
+            <a:pPr indent="0" lvl="0" marL="0" rtl="0" algn="l">
+              <a:lnSpc>
+                <a:spcPct val="100000"/>
+              </a:lnSpc>
+              <a:spcBef>
+                <a:spcPts val="0"/>
+              </a:spcBef>
+              <a:spcAft>
+                <a:spcPts val="0"/>
+              </a:spcAft>
+              <a:buSzPts val="1100"/>
+              <a:buNone/>
+            </a:pPr>
+            <a:r>
+              <a:t/>
+            </a:r>
             <a:endParaRPr>
               <a:latin typeface="Space Grotesk"/>
               <a:ea typeface="Space Grotesk"/>
@@ -1861,7 +2122,7 @@
       </p:sp>
       <p:sp>
         <p:nvSpPr>
-          <p:cNvPr id="348" name="Google Shape;348;p73:notes"/>
+          <p:cNvPr id="472" name="Google Shape;472;p72:notes"/>
           <p:cNvSpPr/>
           <p:nvPr>
             <p:ph idx="2" type="sldImg"/>
@@ -1984,6 +2245,128 @@
       <p:sp>
         <p:nvSpPr>
           <p:cNvPr id="88" name="Google Shape;88;p122:notes"/>
+          <p:cNvSpPr/>
+          <p:nvPr>
+            <p:ph idx="2" type="sldImg"/>
+          </p:nvPr>
+        </p:nvSpPr>
+        <p:spPr>
+          <a:xfrm>
+            <a:off x="381000" y="685800"/>
+            <a:ext cx="6096000" cy="3429000"/>
+          </a:xfrm>
+          <a:custGeom>
+            <a:rect b="b" l="l" r="r" t="t"/>
+            <a:pathLst>
+              <a:path extrusionOk="0" h="120000" w="120000">
+                <a:moveTo>
+                  <a:pt x="0" y="0"/>
+                </a:moveTo>
+                <a:lnTo>
+                  <a:pt x="120000" y="0"/>
+                </a:lnTo>
+                <a:lnTo>
+                  <a:pt x="120000" y="120000"/>
+                </a:lnTo>
+                <a:lnTo>
+                  <a:pt x="0" y="120000"/>
+                </a:lnTo>
+                <a:close/>
+              </a:path>
+            </a:pathLst>
+          </a:custGeom>
+          <a:noFill/>
+          <a:ln cap="flat" cmpd="sng" w="9525">
+            <a:solidFill>
+              <a:srgbClr val="000000"/>
+            </a:solidFill>
+            <a:prstDash val="solid"/>
+            <a:round/>
+            <a:headEnd len="sm" w="sm" type="none"/>
+            <a:tailEnd len="sm" w="sm" type="none"/>
+          </a:ln>
+        </p:spPr>
+      </p:sp>
+    </p:spTree>
+  </p:cSld>
+  <p:clrMapOvr>
+    <a:masterClrMapping/>
+  </p:clrMapOvr>
+</p:notes>
+</file>
+
+<file path=ppt/notesSlides/notesSlide20.xml><?xml version="1.0" encoding="utf-8"?>
+<p:notes xmlns:a="http://schemas.openxmlformats.org/drawingml/2006/main" xmlns:r="http://schemas.openxmlformats.org/officeDocument/2006/relationships" xmlns:mc="http://schemas.openxmlformats.org/markup-compatibility/2006" xmlns:mv="urn:schemas-microsoft-com:mac:vml" xmlns:p="http://schemas.openxmlformats.org/presentationml/2006/main" xmlns:c="http://schemas.openxmlformats.org/drawingml/2006/chart" xmlns:dgm="http://schemas.openxmlformats.org/drawingml/2006/diagram" xmlns:o="urn:schemas-microsoft-com:office:office" xmlns:v="urn:schemas-microsoft-com:vml" xmlns:pvml="urn:schemas-microsoft-com:office:powerpoint" xmlns:com="http://schemas.openxmlformats.org/drawingml/2006/compatibility" xmlns:p14="http://schemas.microsoft.com/office/powerpoint/2010/main" xmlns:p15="http://schemas.microsoft.com/office/powerpoint/2012/main" xmlns:ahyp="http://schemas.microsoft.com/office/drawing/2018/hyperlinkcolor" showMasterPhAnim="0" showMasterSp="0">
+  <p:cSld>
+    <p:spTree>
+      <p:nvGrpSpPr>
+        <p:cNvPr id="490" name="Shape 490"/>
+        <p:cNvGrpSpPr/>
+        <p:nvPr/>
+      </p:nvGrpSpPr>
+      <p:grpSpPr>
+        <a:xfrm>
+          <a:off x="0" y="0"/>
+          <a:ext cx="0" cy="0"/>
+          <a:chOff x="0" y="0"/>
+          <a:chExt cx="0" cy="0"/>
+        </a:xfrm>
+      </p:grpSpPr>
+      <p:sp>
+        <p:nvSpPr>
+          <p:cNvPr id="491" name="Google Shape;491;p73:notes"/>
+          <p:cNvSpPr txBox="1"/>
+          <p:nvPr>
+            <p:ph idx="1" type="body"/>
+          </p:nvPr>
+        </p:nvSpPr>
+        <p:spPr>
+          <a:xfrm>
+            <a:off x="685800" y="4343400"/>
+            <a:ext cx="5486400" cy="4114800"/>
+          </a:xfrm>
+          <a:prstGeom prst="rect">
+            <a:avLst/>
+          </a:prstGeom>
+          <a:noFill/>
+          <a:ln>
+            <a:noFill/>
+          </a:ln>
+        </p:spPr>
+        <p:txBody>
+          <a:bodyPr anchorCtr="0" anchor="t" bIns="91425" lIns="91425" spcFirstLastPara="1" rIns="91425" wrap="square" tIns="91425">
+            <a:noAutofit/>
+          </a:bodyPr>
+          <a:lstStyle/>
+          <a:p>
+            <a:pPr indent="0" lvl="0" marL="0" rtl="0" algn="l">
+              <a:lnSpc>
+                <a:spcPct val="100000"/>
+              </a:lnSpc>
+              <a:spcBef>
+                <a:spcPts val="0"/>
+              </a:spcBef>
+              <a:spcAft>
+                <a:spcPts val="0"/>
+              </a:spcAft>
+              <a:buSzPts val="1100"/>
+              <a:buNone/>
+            </a:pPr>
+            <a:r>
+              <a:t/>
+            </a:r>
+            <a:endParaRPr>
+              <a:latin typeface="Space Grotesk"/>
+              <a:ea typeface="Space Grotesk"/>
+              <a:cs typeface="Space Grotesk"/>
+              <a:sym typeface="Space Grotesk"/>
+            </a:endParaRPr>
+          </a:p>
+        </p:txBody>
+      </p:sp>
+      <p:sp>
+        <p:nvSpPr>
+          <p:cNvPr id="492" name="Google Shape;492;p73:notes"/>
           <p:cNvSpPr/>
           <p:nvPr>
             <p:ph idx="2" type="sldImg"/>
@@ -15530,36 +15913,9 @@
             </a:ln>
           </p:spPr>
         </p:pic>
-        <p:pic>
-          <p:nvPicPr>
-            <p:cNvPr id="229" name="Google Shape;229;p127"/>
-            <p:cNvPicPr preferRelativeResize="0"/>
-            <p:nvPr/>
-          </p:nvPicPr>
-          <p:blipFill rotWithShape="1">
-            <a:blip r:embed="rId5">
-              <a:alphaModFix/>
-            </a:blip>
-            <a:srcRect b="0" l="0" r="0" t="0"/>
-            <a:stretch/>
-          </p:blipFill>
-          <p:spPr>
-            <a:xfrm>
-              <a:off x="4672075" y="4954393"/>
-              <a:ext cx="914400" cy="914400"/>
-            </a:xfrm>
-            <a:prstGeom prst="rect">
-              <a:avLst/>
-            </a:prstGeom>
-            <a:noFill/>
-            <a:ln>
-              <a:noFill/>
-            </a:ln>
-          </p:spPr>
-        </p:pic>
         <p:sp>
           <p:nvSpPr>
-            <p:cNvPr id="230" name="Google Shape;230;p127"/>
+            <p:cNvPr id="229" name="Google Shape;229;p127"/>
             <p:cNvSpPr txBox="1"/>
             <p:nvPr/>
           </p:nvSpPr>
@@ -15625,7 +15981,7 @@
         </p:sp>
         <p:sp>
           <p:nvSpPr>
-            <p:cNvPr id="231" name="Google Shape;231;p127"/>
+            <p:cNvPr id="230" name="Google Shape;230;p127"/>
             <p:cNvSpPr txBox="1"/>
             <p:nvPr/>
           </p:nvSpPr>
@@ -15691,7 +16047,7 @@
         </p:sp>
         <p:grpSp>
           <p:nvGrpSpPr>
-            <p:cNvPr id="232" name="Google Shape;232;p127"/>
+            <p:cNvPr id="231" name="Google Shape;231;p127"/>
             <p:cNvGrpSpPr/>
             <p:nvPr/>
           </p:nvGrpSpPr>
@@ -15705,7 +16061,7 @@
           </p:grpSpPr>
           <p:pic>
             <p:nvPicPr>
-              <p:cNvPr id="233" name="Google Shape;233;p127"/>
+              <p:cNvPr id="232" name="Google Shape;232;p127"/>
               <p:cNvPicPr preferRelativeResize="0"/>
               <p:nvPr/>
             </p:nvPicPr>
@@ -15732,7 +16088,7 @@
           </p:pic>
           <p:sp>
             <p:nvSpPr>
-              <p:cNvPr id="234" name="Google Shape;234;p127"/>
+              <p:cNvPr id="233" name="Google Shape;233;p127"/>
               <p:cNvSpPr txBox="1"/>
               <p:nvPr/>
             </p:nvSpPr>
@@ -15799,7 +16155,7 @@
         </p:grpSp>
         <p:grpSp>
           <p:nvGrpSpPr>
-            <p:cNvPr id="235" name="Google Shape;235;p127"/>
+            <p:cNvPr id="234" name="Google Shape;234;p127"/>
             <p:cNvGrpSpPr/>
             <p:nvPr/>
           </p:nvGrpSpPr>
@@ -15813,7 +16169,7 @@
           </p:grpSpPr>
           <p:pic>
             <p:nvPicPr>
-              <p:cNvPr id="236" name="Google Shape;236;p127"/>
+              <p:cNvPr id="235" name="Google Shape;235;p127"/>
               <p:cNvPicPr preferRelativeResize="0"/>
               <p:nvPr/>
             </p:nvPicPr>
@@ -15840,7 +16196,7 @@
           </p:pic>
           <p:sp>
             <p:nvSpPr>
-              <p:cNvPr id="237" name="Google Shape;237;p127"/>
+              <p:cNvPr id="236" name="Google Shape;236;p127"/>
               <p:cNvSpPr txBox="1"/>
               <p:nvPr/>
             </p:nvSpPr>
@@ -15907,7 +16263,7 @@
         </p:grpSp>
         <p:sp>
           <p:nvSpPr>
-            <p:cNvPr id="238" name="Google Shape;238;p127"/>
+            <p:cNvPr id="237" name="Google Shape;237;p127"/>
             <p:cNvSpPr txBox="1"/>
             <p:nvPr/>
           </p:nvSpPr>
@@ -15973,7 +16329,7 @@
         </p:sp>
         <p:cxnSp>
           <p:nvCxnSpPr>
-            <p:cNvPr id="239" name="Google Shape;239;p127"/>
+            <p:cNvPr id="238" name="Google Shape;238;p127"/>
             <p:cNvCxnSpPr>
               <a:stCxn id="227" idx="3"/>
               <a:endCxn id="228" idx="1"/>
@@ -16002,7 +16358,7 @@
         </p:cxnSp>
         <p:sp>
           <p:nvSpPr>
-            <p:cNvPr id="240" name="Google Shape;240;p127"/>
+            <p:cNvPr id="239" name="Google Shape;239;p127"/>
             <p:cNvSpPr/>
             <p:nvPr/>
           </p:nvSpPr>
@@ -16078,7 +16434,7 @@
         </p:sp>
         <p:cxnSp>
           <p:nvCxnSpPr>
-            <p:cNvPr id="241" name="Google Shape;241;p127"/>
+            <p:cNvPr id="240" name="Google Shape;240;p127"/>
             <p:cNvCxnSpPr/>
             <p:nvPr/>
           </p:nvCxnSpPr>
@@ -16104,7 +16460,7 @@
         </p:cxnSp>
         <p:grpSp>
           <p:nvGrpSpPr>
-            <p:cNvPr id="242" name="Google Shape;242;p127"/>
+            <p:cNvPr id="241" name="Google Shape;241;p127"/>
             <p:cNvGrpSpPr/>
             <p:nvPr/>
           </p:nvGrpSpPr>
@@ -16118,7 +16474,7 @@
           </p:grpSpPr>
           <p:cxnSp>
             <p:nvCxnSpPr>
-              <p:cNvPr id="243" name="Google Shape;243;p127"/>
+              <p:cNvPr id="242" name="Google Shape;242;p127"/>
               <p:cNvCxnSpPr/>
               <p:nvPr/>
             </p:nvCxnSpPr>
@@ -16144,7 +16500,7 @@
           </p:cxnSp>
           <p:cxnSp>
             <p:nvCxnSpPr>
-              <p:cNvPr id="244" name="Google Shape;244;p127"/>
+              <p:cNvPr id="243" name="Google Shape;243;p127"/>
               <p:cNvCxnSpPr/>
               <p:nvPr/>
             </p:nvCxnSpPr>
@@ -16171,7 +16527,7 @@
         </p:grpSp>
         <p:grpSp>
           <p:nvGrpSpPr>
-            <p:cNvPr id="245" name="Google Shape;245;p127"/>
+            <p:cNvPr id="244" name="Google Shape;244;p127"/>
             <p:cNvGrpSpPr/>
             <p:nvPr/>
           </p:nvGrpSpPr>
@@ -16185,7 +16541,7 @@
           </p:grpSpPr>
           <p:cxnSp>
             <p:nvCxnSpPr>
-              <p:cNvPr id="246" name="Google Shape;246;p127"/>
+              <p:cNvPr id="245" name="Google Shape;245;p127"/>
               <p:cNvCxnSpPr/>
               <p:nvPr/>
             </p:nvCxnSpPr>
@@ -16211,7 +16567,7 @@
           </p:cxnSp>
           <p:cxnSp>
             <p:nvCxnSpPr>
-              <p:cNvPr id="247" name="Google Shape;247;p127"/>
+              <p:cNvPr id="246" name="Google Shape;246;p127"/>
               <p:cNvCxnSpPr/>
               <p:nvPr/>
             </p:nvCxnSpPr>
@@ -16238,7 +16594,7 @@
         </p:grpSp>
         <p:sp>
           <p:nvSpPr>
-            <p:cNvPr id="248" name="Google Shape;248;p127"/>
+            <p:cNvPr id="247" name="Google Shape;247;p127"/>
             <p:cNvSpPr txBox="1"/>
             <p:nvPr/>
           </p:nvSpPr>
@@ -16304,7 +16660,7 @@
         </p:sp>
         <p:sp>
           <p:nvSpPr>
-            <p:cNvPr id="249" name="Google Shape;249;p127"/>
+            <p:cNvPr id="248" name="Google Shape;248;p127"/>
             <p:cNvSpPr txBox="1"/>
             <p:nvPr/>
           </p:nvSpPr>
@@ -16370,7 +16726,7 @@
         </p:sp>
         <p:sp>
           <p:nvSpPr>
-            <p:cNvPr id="250" name="Google Shape;250;p127"/>
+            <p:cNvPr id="249" name="Google Shape;249;p127"/>
             <p:cNvSpPr txBox="1"/>
             <p:nvPr/>
           </p:nvSpPr>
@@ -16436,7 +16792,7 @@
         </p:sp>
         <p:sp>
           <p:nvSpPr>
-            <p:cNvPr id="251" name="Google Shape;251;p127"/>
+            <p:cNvPr id="250" name="Google Shape;250;p127"/>
             <p:cNvSpPr txBox="1"/>
             <p:nvPr/>
           </p:nvSpPr>
@@ -16501,6 +16857,34 @@
           </p:txBody>
         </p:sp>
       </p:grpSp>
+      <p:pic>
+        <p:nvPicPr>
+          <p:cNvPr id="251" name="Google Shape;251;p127"/>
+          <p:cNvPicPr preferRelativeResize="0"/>
+          <p:nvPr/>
+        </p:nvPicPr>
+        <p:blipFill>
+          <a:blip r:embed="rId6">
+            <a:alphaModFix/>
+          </a:blip>
+          <a:stretch>
+            <a:fillRect/>
+          </a:stretch>
+        </p:blipFill>
+        <p:spPr>
+          <a:xfrm>
+            <a:off x="6269475" y="4762775"/>
+            <a:ext cx="1038550" cy="994500"/>
+          </a:xfrm>
+          <a:prstGeom prst="rect">
+            <a:avLst/>
+          </a:prstGeom>
+          <a:noFill/>
+          <a:ln>
+            <a:noFill/>
+          </a:ln>
+        </p:spPr>
+      </p:pic>
     </p:spTree>
   </p:cSld>
   <p:clrMapOvr>
@@ -18502,7 +18886,7 @@
       </p:grpSpPr>
       <p:sp>
         <p:nvSpPr>
-          <p:cNvPr id="295" name="Google Shape;295;p132"/>
+          <p:cNvPr id="295" name="Google Shape;295;g35cd725ba4c_0_9"/>
           <p:cNvSpPr txBox="1"/>
           <p:nvPr>
             <p:ph type="title"/>
@@ -18511,7 +18895,7 @@
         <p:spPr>
           <a:xfrm>
             <a:off x="196754" y="214127"/>
-            <a:ext cx="11820099" cy="924588"/>
+            <a:ext cx="11820000" cy="924600"/>
           </a:xfrm>
           <a:prstGeom prst="rect">
             <a:avLst/>
@@ -18542,82 +18926,15 @@
             </a:pPr>
             <a:r>
               <a:rPr lang="en-US"/>
-              <a:t>Productivity Bot</a:t>
+              <a:t>Dapr Agents</a:t>
             </a:r>
             <a:endParaRPr/>
           </a:p>
         </p:txBody>
       </p:sp>
-      <p:sp>
-        <p:nvSpPr>
-          <p:cNvPr id="296" name="Google Shape;296;p132"/>
-          <p:cNvSpPr/>
-          <p:nvPr/>
-        </p:nvSpPr>
-        <p:spPr>
-          <a:xfrm>
-            <a:off x="6974158" y="4460269"/>
-            <a:ext cx="1741175" cy="1126511"/>
-          </a:xfrm>
-          <a:prstGeom prst="roundRect">
-            <a:avLst>
-              <a:gd fmla="val 9828" name="adj"/>
-            </a:avLst>
-          </a:prstGeom>
-          <a:solidFill>
-            <a:schemeClr val="lt1"/>
-          </a:solidFill>
-          <a:ln cap="flat" cmpd="sng" w="19050">
-            <a:solidFill>
-              <a:schemeClr val="dk2"/>
-            </a:solidFill>
-            <a:prstDash val="dash"/>
-            <a:round/>
-            <a:headEnd len="sm" w="sm" type="none"/>
-            <a:tailEnd len="sm" w="sm" type="none"/>
-          </a:ln>
-        </p:spPr>
-        <p:txBody>
-          <a:bodyPr anchorCtr="0" anchor="ctr" bIns="91425" lIns="91425" spcFirstLastPara="1" rIns="91425" wrap="square" tIns="91425">
-            <a:noAutofit/>
-          </a:bodyPr>
-          <a:lstStyle/>
-          <a:p>
-            <a:pPr indent="0" lvl="0" marL="0" marR="0" rtl="0" algn="ctr">
-              <a:lnSpc>
-                <a:spcPct val="100000"/>
-              </a:lnSpc>
-              <a:spcBef>
-                <a:spcPts val="0"/>
-              </a:spcBef>
-              <a:spcAft>
-                <a:spcPts val="0"/>
-              </a:spcAft>
-              <a:buClr>
-                <a:srgbClr val="000000"/>
-              </a:buClr>
-              <a:buSzPts val="1400"/>
-              <a:buFont typeface="Arial"/>
-              <a:buNone/>
-            </a:pPr>
-            <a:r>
-              <a:t/>
-            </a:r>
-            <a:endParaRPr b="0" i="0" sz="1400" u="none" cap="none" strike="noStrike">
-              <a:solidFill>
-                <a:srgbClr val="000000"/>
-              </a:solidFill>
-              <a:latin typeface="Space Grotesk Light"/>
-              <a:ea typeface="Space Grotesk Light"/>
-              <a:cs typeface="Space Grotesk Light"/>
-              <a:sym typeface="Space Grotesk Light"/>
-            </a:endParaRPr>
-          </a:p>
-        </p:txBody>
-      </p:sp>
       <p:grpSp>
         <p:nvGrpSpPr>
-          <p:cNvPr id="297" name="Google Shape;297;p132"/>
+          <p:cNvPr id="296" name="Google Shape;296;g35cd725ba4c_0_9"/>
           <p:cNvGrpSpPr/>
           <p:nvPr/>
         </p:nvGrpSpPr>
@@ -18631,7 +18948,7 @@
         </p:grpSpPr>
         <p:grpSp>
           <p:nvGrpSpPr>
-            <p:cNvPr id="298" name="Google Shape;298;p132"/>
+            <p:cNvPr id="297" name="Google Shape;297;g35cd725ba4c_0_9"/>
             <p:cNvGrpSpPr/>
             <p:nvPr/>
           </p:nvGrpSpPr>
@@ -18645,7 +18962,7 @@
           </p:grpSpPr>
           <p:sp>
             <p:nvSpPr>
-              <p:cNvPr id="299" name="Google Shape;299;p132"/>
+              <p:cNvPr id="298" name="Google Shape;298;g35cd725ba4c_0_9"/>
               <p:cNvSpPr/>
               <p:nvPr/>
             </p:nvSpPr>
@@ -18712,7 +19029,7 @@
           </p:sp>
           <p:sp>
             <p:nvSpPr>
-              <p:cNvPr id="300" name="Google Shape;300;p132"/>
+              <p:cNvPr id="299" name="Google Shape;299;g35cd725ba4c_0_9"/>
               <p:cNvSpPr/>
               <p:nvPr/>
             </p:nvSpPr>
@@ -18783,7 +19100,7 @@
         </p:grpSp>
         <p:grpSp>
           <p:nvGrpSpPr>
-            <p:cNvPr id="301" name="Google Shape;301;p132"/>
+            <p:cNvPr id="300" name="Google Shape;300;g35cd725ba4c_0_9"/>
             <p:cNvGrpSpPr/>
             <p:nvPr/>
           </p:nvGrpSpPr>
@@ -18797,7 +19114,7 @@
           </p:grpSpPr>
           <p:pic>
             <p:nvPicPr>
-              <p:cNvPr id="302" name="Google Shape;302;p132"/>
+              <p:cNvPr id="301" name="Google Shape;301;g35cd725ba4c_0_9"/>
               <p:cNvPicPr preferRelativeResize="0"/>
               <p:nvPr/>
             </p:nvPicPr>
@@ -18824,7 +19141,7 @@
           </p:pic>
           <p:sp>
             <p:nvSpPr>
-              <p:cNvPr id="303" name="Google Shape;303;p132"/>
+              <p:cNvPr id="302" name="Google Shape;302;g35cd725ba4c_0_9"/>
               <p:cNvSpPr txBox="1"/>
               <p:nvPr/>
             </p:nvSpPr>
@@ -18891,9 +19208,10 @@
         </p:grpSp>
         <p:cxnSp>
           <p:nvCxnSpPr>
-            <p:cNvPr id="304" name="Google Shape;304;p132"/>
+            <p:cNvPr id="303" name="Google Shape;303;g35cd725ba4c_0_9"/>
             <p:cNvCxnSpPr>
-              <a:stCxn id="302" idx="3"/>
+              <a:stCxn id="301" idx="3"/>
+              <a:endCxn id="304" idx="1"/>
             </p:cNvCxnSpPr>
             <p:nvPr/>
           </p:nvCxnSpPr>
@@ -18917,84 +19235,18 @@
             </a:ln>
           </p:spPr>
         </p:cxnSp>
-        <p:sp>
-          <p:nvSpPr>
-            <p:cNvPr id="305" name="Google Shape;305;p132"/>
-            <p:cNvSpPr txBox="1"/>
-            <p:nvPr/>
-          </p:nvSpPr>
-          <p:spPr>
-            <a:xfrm>
-              <a:off x="3358875" y="2335011"/>
-              <a:ext cx="1153500" cy="400200"/>
-            </a:xfrm>
-            <a:prstGeom prst="rect">
-              <a:avLst/>
-            </a:prstGeom>
-            <a:noFill/>
-            <a:ln>
-              <a:noFill/>
-            </a:ln>
-          </p:spPr>
-          <p:txBody>
-            <a:bodyPr anchorCtr="0" anchor="t" bIns="91425" lIns="91425" spcFirstLastPara="1" rIns="91425" wrap="square" tIns="91425">
-              <a:spAutoFit/>
-            </a:bodyPr>
-            <a:lstStyle/>
-            <a:p>
-              <a:pPr indent="0" lvl="0" marL="0" marR="0" rtl="0" algn="ctr">
-                <a:lnSpc>
-                  <a:spcPct val="100000"/>
-                </a:lnSpc>
-                <a:spcBef>
-                  <a:spcPts val="0"/>
-                </a:spcBef>
-                <a:spcAft>
-                  <a:spcPts val="0"/>
-                </a:spcAft>
-                <a:buClr>
-                  <a:srgbClr val="000000"/>
-                </a:buClr>
-                <a:buSzPts val="1400"/>
-                <a:buFont typeface="Arial"/>
-                <a:buNone/>
-              </a:pPr>
-              <a:r>
-                <a:rPr b="0" i="0" lang="en-US" sz="1400" u="none" cap="none" strike="noStrike">
-                  <a:solidFill>
-                    <a:schemeClr val="dk1"/>
-                  </a:solidFill>
-                  <a:latin typeface="Space Grotesk Light"/>
-                  <a:ea typeface="Space Grotesk Light"/>
-                  <a:cs typeface="Space Grotesk Light"/>
-                  <a:sym typeface="Space Grotesk Light"/>
-                </a:rPr>
-                <a:t>LLM</a:t>
-              </a:r>
-              <a:endParaRPr b="0" i="0" sz="1400" u="none" cap="none" strike="noStrike">
-                <a:solidFill>
-                  <a:schemeClr val="dk1"/>
-                </a:solidFill>
-                <a:latin typeface="Space Grotesk Light"/>
-                <a:ea typeface="Space Grotesk Light"/>
-                <a:cs typeface="Space Grotesk Light"/>
-                <a:sym typeface="Space Grotesk Light"/>
-              </a:endParaRPr>
-            </a:p>
-          </p:txBody>
-        </p:sp>
         <p:cxnSp>
           <p:nvCxnSpPr>
-            <p:cNvPr id="306" name="Google Shape;306;p132"/>
+            <p:cNvPr id="305" name="Google Shape;305;g35cd725ba4c_0_9"/>
             <p:cNvCxnSpPr>
-              <a:endCxn id="305" idx="2"/>
+              <a:endCxn id="306" idx="2"/>
             </p:cNvCxnSpPr>
             <p:nvPr/>
           </p:nvCxnSpPr>
           <p:spPr>
             <a:xfrm rot="10800000">
               <a:off x="3935625" y="2735211"/>
-              <a:ext cx="2737800" cy="840300"/>
+              <a:ext cx="2788800" cy="861300"/>
             </a:xfrm>
             <a:prstGeom prst="bentConnector2">
               <a:avLst/>
@@ -19013,7 +19265,7 @@
         </p:cxnSp>
         <p:sp>
           <p:nvSpPr>
-            <p:cNvPr id="307" name="Google Shape;307;p132"/>
+            <p:cNvPr id="307" name="Google Shape;307;g35cd725ba4c_0_9"/>
             <p:cNvSpPr/>
             <p:nvPr/>
           </p:nvSpPr>
@@ -19089,16 +19341,17 @@
         </p:sp>
         <p:cxnSp>
           <p:nvCxnSpPr>
-            <p:cNvPr id="308" name="Google Shape;308;p132"/>
+            <p:cNvPr id="308" name="Google Shape;308;g35cd725ba4c_0_9"/>
             <p:cNvCxnSpPr>
-              <a:endCxn id="302" idx="0"/>
+              <a:stCxn id="304" idx="0"/>
+              <a:endCxn id="301" idx="0"/>
             </p:cNvCxnSpPr>
             <p:nvPr/>
           </p:nvCxnSpPr>
           <p:spPr>
-            <a:xfrm flipH="1">
-              <a:off x="917937" y="1679087"/>
-              <a:ext cx="3017700" cy="600"/>
+            <a:xfrm rot="5400000">
+              <a:off x="2426474" y="171123"/>
+              <a:ext cx="600" cy="3017700"/>
             </a:xfrm>
             <a:prstGeom prst="bentConnector3">
               <a:avLst>
@@ -19119,13 +19372,13 @@
         </p:cxnSp>
         <p:sp>
           <p:nvSpPr>
-            <p:cNvPr id="309" name="Google Shape;309;p132"/>
+            <p:cNvPr id="309" name="Google Shape;309;g35cd725ba4c_0_9"/>
             <p:cNvSpPr txBox="1"/>
             <p:nvPr/>
           </p:nvSpPr>
           <p:spPr>
             <a:xfrm>
-              <a:off x="6956858" y="3942670"/>
+              <a:off x="7427925" y="3869994"/>
               <a:ext cx="1153500" cy="400200"/>
             </a:xfrm>
             <a:prstGeom prst="rect">
@@ -19185,7 +19438,7 @@
         </p:sp>
         <p:grpSp>
           <p:nvGrpSpPr>
-            <p:cNvPr id="310" name="Google Shape;310;p132"/>
+            <p:cNvPr id="310" name="Google Shape;310;g35cd725ba4c_0_9"/>
             <p:cNvGrpSpPr/>
             <p:nvPr/>
           </p:nvGrpSpPr>
@@ -19199,7 +19452,7 @@
           </p:grpSpPr>
           <p:sp>
             <p:nvSpPr>
-              <p:cNvPr id="311" name="Google Shape;311;p132"/>
+              <p:cNvPr id="311" name="Google Shape;311;g35cd725ba4c_0_9"/>
               <p:cNvSpPr txBox="1"/>
               <p:nvPr/>
             </p:nvSpPr>
@@ -19265,7 +19518,7 @@
           </p:sp>
           <p:pic>
             <p:nvPicPr>
-              <p:cNvPr id="312" name="Google Shape;312;p132"/>
+              <p:cNvPr id="312" name="Google Shape;312;g35cd725ba4c_0_9"/>
               <p:cNvPicPr preferRelativeResize="0"/>
               <p:nvPr/>
             </p:nvPicPr>
@@ -19293,8 +19546,10 @@
         </p:grpSp>
         <p:cxnSp>
           <p:nvCxnSpPr>
-            <p:cNvPr id="313" name="Google Shape;313;p132"/>
-            <p:cNvCxnSpPr/>
+            <p:cNvPr id="313" name="Google Shape;313;g35cd725ba4c_0_9"/>
+            <p:cNvCxnSpPr>
+              <a:stCxn id="314" idx="3"/>
+            </p:cNvCxnSpPr>
             <p:nvPr/>
           </p:nvCxnSpPr>
           <p:spPr>
@@ -19319,7 +19574,7 @@
         </p:cxnSp>
         <p:sp>
           <p:nvSpPr>
-            <p:cNvPr id="314" name="Google Shape;314;p132"/>
+            <p:cNvPr id="315" name="Google Shape;315;g35cd725ba4c_0_9"/>
             <p:cNvSpPr/>
             <p:nvPr/>
           </p:nvSpPr>
@@ -19395,7 +19650,7 @@
         </p:sp>
         <p:sp>
           <p:nvSpPr>
-            <p:cNvPr id="315" name="Google Shape;315;p132"/>
+            <p:cNvPr id="316" name="Google Shape;316;g35cd725ba4c_0_9"/>
             <p:cNvSpPr/>
             <p:nvPr/>
           </p:nvSpPr>
@@ -19471,7 +19726,7 @@
         </p:sp>
         <p:sp>
           <p:nvSpPr>
-            <p:cNvPr id="316" name="Google Shape;316;p132"/>
+            <p:cNvPr id="317" name="Google Shape;317;g35cd725ba4c_0_9"/>
             <p:cNvSpPr/>
             <p:nvPr/>
           </p:nvSpPr>
@@ -19532,7 +19787,7 @@
         </p:sp>
         <p:cxnSp>
           <p:nvCxnSpPr>
-            <p:cNvPr id="317" name="Google Shape;317;p132"/>
+            <p:cNvPr id="318" name="Google Shape;318;g35cd725ba4c_0_9"/>
             <p:cNvCxnSpPr/>
             <p:nvPr/>
           </p:nvCxnSpPr>
@@ -19558,8 +19813,10 @@
         </p:cxnSp>
         <p:cxnSp>
           <p:nvCxnSpPr>
-            <p:cNvPr id="318" name="Google Shape;318;p132"/>
-            <p:cNvCxnSpPr/>
+            <p:cNvPr id="319" name="Google Shape;319;g35cd725ba4c_0_9"/>
+            <p:cNvCxnSpPr>
+              <a:endCxn id="314" idx="0"/>
+            </p:cNvCxnSpPr>
             <p:nvPr/>
           </p:nvCxnSpPr>
           <p:spPr>
@@ -19584,7 +19841,7 @@
         </p:cxnSp>
         <p:sp>
           <p:nvSpPr>
-            <p:cNvPr id="319" name="Google Shape;319;p132"/>
+            <p:cNvPr id="320" name="Google Shape;320;g35cd725ba4c_0_9"/>
             <p:cNvSpPr/>
             <p:nvPr/>
           </p:nvSpPr>
@@ -19652,7 +19909,7 @@
         </p:sp>
         <p:sp>
           <p:nvSpPr>
-            <p:cNvPr id="320" name="Google Shape;320;p132"/>
+            <p:cNvPr id="321" name="Google Shape;321;g35cd725ba4c_0_9"/>
             <p:cNvSpPr/>
             <p:nvPr/>
           </p:nvSpPr>
@@ -19720,7 +19977,7 @@
         </p:sp>
         <p:sp>
           <p:nvSpPr>
-            <p:cNvPr id="321" name="Google Shape;321;p132"/>
+            <p:cNvPr id="322" name="Google Shape;322;g35cd725ba4c_0_9"/>
             <p:cNvSpPr/>
             <p:nvPr/>
           </p:nvSpPr>
@@ -19788,7 +20045,7 @@
         </p:sp>
         <p:sp>
           <p:nvSpPr>
-            <p:cNvPr id="322" name="Google Shape;322;p132"/>
+            <p:cNvPr id="323" name="Google Shape;323;g35cd725ba4c_0_9"/>
             <p:cNvSpPr txBox="1"/>
             <p:nvPr/>
           </p:nvSpPr>
@@ -19852,61 +20109,221 @@
             </a:p>
           </p:txBody>
         </p:sp>
+        <p:grpSp>
+          <p:nvGrpSpPr>
+            <p:cNvPr id="324" name="Google Shape;324;g35cd725ba4c_0_9"/>
+            <p:cNvGrpSpPr/>
+            <p:nvPr/>
+          </p:nvGrpSpPr>
+          <p:grpSpPr>
+            <a:xfrm>
+              <a:off x="3358875" y="1679673"/>
+              <a:ext cx="1153500" cy="1055538"/>
+              <a:chOff x="6155763" y="1644156"/>
+              <a:chExt cx="1153500" cy="1055538"/>
+            </a:xfrm>
+          </p:grpSpPr>
+          <p:sp>
+            <p:nvSpPr>
+              <p:cNvPr id="306" name="Google Shape;306;g35cd725ba4c_0_9"/>
+              <p:cNvSpPr txBox="1"/>
+              <p:nvPr/>
+            </p:nvSpPr>
+            <p:spPr>
+              <a:xfrm>
+                <a:off x="6155763" y="2299494"/>
+                <a:ext cx="1153500" cy="400200"/>
+              </a:xfrm>
+              <a:prstGeom prst="rect">
+                <a:avLst/>
+              </a:prstGeom>
+              <a:noFill/>
+              <a:ln>
+                <a:noFill/>
+              </a:ln>
+            </p:spPr>
+            <p:txBody>
+              <a:bodyPr anchorCtr="0" anchor="t" bIns="91425" lIns="91425" spcFirstLastPara="1" rIns="91425" wrap="square" tIns="91425">
+                <a:spAutoFit/>
+              </a:bodyPr>
+              <a:lstStyle/>
+              <a:p>
+                <a:pPr indent="0" lvl="0" marL="0" marR="0" rtl="0" algn="ctr">
+                  <a:lnSpc>
+                    <a:spcPct val="100000"/>
+                  </a:lnSpc>
+                  <a:spcBef>
+                    <a:spcPts val="0"/>
+                  </a:spcBef>
+                  <a:spcAft>
+                    <a:spcPts val="0"/>
+                  </a:spcAft>
+                  <a:buClr>
+                    <a:srgbClr val="000000"/>
+                  </a:buClr>
+                  <a:buSzPts val="1400"/>
+                  <a:buFont typeface="Arial"/>
+                  <a:buNone/>
+                </a:pPr>
+                <a:r>
+                  <a:rPr b="0" i="0" lang="en-US" sz="1400" u="none" cap="none" strike="noStrike">
+                    <a:solidFill>
+                      <a:schemeClr val="dk1"/>
+                    </a:solidFill>
+                    <a:latin typeface="Space Grotesk Light"/>
+                    <a:ea typeface="Space Grotesk Light"/>
+                    <a:cs typeface="Space Grotesk Light"/>
+                    <a:sym typeface="Space Grotesk Light"/>
+                  </a:rPr>
+                  <a:t>LLM</a:t>
+                </a:r>
+                <a:endParaRPr b="0" i="0" sz="1400" u="none" cap="none" strike="noStrike">
+                  <a:solidFill>
+                    <a:schemeClr val="dk1"/>
+                  </a:solidFill>
+                  <a:latin typeface="Space Grotesk Light"/>
+                  <a:ea typeface="Space Grotesk Light"/>
+                  <a:cs typeface="Space Grotesk Light"/>
+                  <a:sym typeface="Space Grotesk Light"/>
+                </a:endParaRPr>
+              </a:p>
+            </p:txBody>
+          </p:sp>
+          <p:pic>
+            <p:nvPicPr>
+              <p:cNvPr id="304" name="Google Shape;304;g35cd725ba4c_0_9"/>
+              <p:cNvPicPr preferRelativeResize="0"/>
+              <p:nvPr/>
+            </p:nvPicPr>
+            <p:blipFill rotWithShape="1">
+              <a:blip r:embed="rId5">
+                <a:alphaModFix/>
+              </a:blip>
+              <a:srcRect b="0" l="0" r="0" t="0"/>
+              <a:stretch/>
+            </p:blipFill>
+            <p:spPr>
+              <a:xfrm>
+                <a:off x="6366752" y="1644156"/>
+                <a:ext cx="731520" cy="731520"/>
+              </a:xfrm>
+              <a:prstGeom prst="rect">
+                <a:avLst/>
+              </a:prstGeom>
+              <a:noFill/>
+              <a:ln>
+                <a:noFill/>
+              </a:ln>
+            </p:spPr>
+          </p:pic>
+        </p:grpSp>
       </p:grpSp>
-      <p:sp>
-        <p:nvSpPr>
-          <p:cNvPr id="323" name="Google Shape;323;p132"/>
-          <p:cNvSpPr/>
+      <p:pic>
+        <p:nvPicPr>
+          <p:cNvPr descr="Hugging Face Tutorial for Beginners [Quick Start]" id="325" name="Google Shape;325;g35cd725ba4c_0_9"/>
+          <p:cNvPicPr preferRelativeResize="0"/>
           <p:nvPr/>
-        </p:nvSpPr>
+        </p:nvPicPr>
+        <p:blipFill rotWithShape="1">
+          <a:blip r:embed="rId6">
+            <a:alphaModFix/>
+          </a:blip>
+          <a:srcRect b="0" l="0" r="0" t="0"/>
+          <a:stretch/>
+        </p:blipFill>
         <p:spPr>
           <a:xfrm>
-            <a:off x="7075345" y="4580001"/>
-            <a:ext cx="1519800" cy="336600"/>
+            <a:off x="3766898" y="2892423"/>
+            <a:ext cx="883901" cy="883901"/>
           </a:xfrm>
-          <a:prstGeom prst="roundRect">
-            <a:avLst>
-              <a:gd fmla="val 16667" name="adj"/>
-            </a:avLst>
+          <a:prstGeom prst="rect">
+            <a:avLst/>
           </a:prstGeom>
-          <a:solidFill>
-            <a:srgbClr val="3EA9F5"/>
-          </a:solidFill>
-          <a:ln cap="flat" cmpd="sng" w="19050">
-            <a:solidFill>
-              <a:schemeClr val="dk2"/>
-            </a:solidFill>
-            <a:prstDash val="solid"/>
-            <a:round/>
-            <a:headEnd len="sm" w="sm" type="none"/>
-            <a:tailEnd len="sm" w="sm" type="none"/>
+          <a:noFill/>
+          <a:ln>
+            <a:noFill/>
           </a:ln>
         </p:spPr>
-        <p:txBody>
-          <a:bodyPr anchorCtr="0" anchor="ctr" bIns="91425" lIns="91425" spcFirstLastPara="1" rIns="91425" wrap="square" tIns="91425">
-            <a:noAutofit/>
-          </a:bodyPr>
-          <a:lstStyle/>
-          <a:p>
-            <a:pPr indent="0" lvl="0" marL="0" marR="0" rtl="0" algn="ctr">
-              <a:lnSpc>
-                <a:spcPct val="100000"/>
-              </a:lnSpc>
-              <a:spcBef>
-                <a:spcPts val="0"/>
-              </a:spcBef>
-              <a:spcAft>
-                <a:spcPts val="0"/>
-              </a:spcAft>
-              <a:buClr>
-                <a:srgbClr val="000000"/>
-              </a:buClr>
-              <a:buSzPts val="1500"/>
-              <a:buFont typeface="Arial"/>
-              <a:buNone/>
-            </a:pPr>
-            <a:r>
-              <a:rPr b="0" i="0" lang="en-US" sz="1500" u="none" cap="none" strike="noStrike">
+      </p:pic>
+      <p:grpSp>
+        <p:nvGrpSpPr>
+          <p:cNvPr id="326" name="Google Shape;326;g35cd725ba4c_0_9"/>
+          <p:cNvGrpSpPr/>
+          <p:nvPr/>
+        </p:nvGrpSpPr>
+        <p:grpSpPr>
+          <a:xfrm>
+            <a:off x="7123035" y="4569088"/>
+            <a:ext cx="1527716" cy="683531"/>
+            <a:chOff x="7067429" y="4580001"/>
+            <a:chExt cx="1527716" cy="683531"/>
+          </a:xfrm>
+        </p:grpSpPr>
+        <p:sp>
+          <p:nvSpPr>
+            <p:cNvPr id="327" name="Google Shape;327;g35cd725ba4c_0_9"/>
+            <p:cNvSpPr/>
+            <p:nvPr/>
+          </p:nvSpPr>
+          <p:spPr>
+            <a:xfrm>
+              <a:off x="7075345" y="4580001"/>
+              <a:ext cx="1519800" cy="336600"/>
+            </a:xfrm>
+            <a:prstGeom prst="roundRect">
+              <a:avLst>
+                <a:gd fmla="val 16667" name="adj"/>
+              </a:avLst>
+            </a:prstGeom>
+            <a:solidFill>
+              <a:srgbClr val="3EA9F5"/>
+            </a:solidFill>
+            <a:ln cap="flat" cmpd="sng" w="19050">
+              <a:solidFill>
+                <a:schemeClr val="dk2"/>
+              </a:solidFill>
+              <a:prstDash val="solid"/>
+              <a:round/>
+              <a:headEnd len="sm" w="sm" type="none"/>
+              <a:tailEnd len="sm" w="sm" type="none"/>
+            </a:ln>
+          </p:spPr>
+          <p:txBody>
+            <a:bodyPr anchorCtr="0" anchor="ctr" bIns="91425" lIns="91425" spcFirstLastPara="1" rIns="91425" wrap="square" tIns="91425">
+              <a:noAutofit/>
+            </a:bodyPr>
+            <a:lstStyle/>
+            <a:p>
+              <a:pPr indent="0" lvl="0" marL="0" marR="0" rtl="0" algn="ctr">
+                <a:lnSpc>
+                  <a:spcPct val="100000"/>
+                </a:lnSpc>
+                <a:spcBef>
+                  <a:spcPts val="0"/>
+                </a:spcBef>
+                <a:spcAft>
+                  <a:spcPts val="0"/>
+                </a:spcAft>
+                <a:buClr>
+                  <a:srgbClr val="000000"/>
+                </a:buClr>
+                <a:buSzPts val="1500"/>
+                <a:buFont typeface="Arial"/>
+                <a:buNone/>
+              </a:pPr>
+              <a:r>
+                <a:rPr b="0" i="0" lang="en-US" sz="1500" u="none" cap="none" strike="noStrike">
+                  <a:solidFill>
+                    <a:schemeClr val="lt1"/>
+                  </a:solidFill>
+                  <a:latin typeface="Space Grotesk Light"/>
+                  <a:ea typeface="Space Grotesk Light"/>
+                  <a:cs typeface="Space Grotesk Light"/>
+                  <a:sym typeface="Space Grotesk Light"/>
+                </a:rPr>
+                <a:t>News API</a:t>
+              </a:r>
+              <a:endParaRPr b="0" i="0" sz="1500" u="none" cap="none" strike="noStrike">
                 <a:solidFill>
                   <a:schemeClr val="lt1"/>
                 </a:solidFill>
@@ -19914,75 +20331,75 @@
                 <a:ea typeface="Space Grotesk Light"/>
                 <a:cs typeface="Space Grotesk Light"/>
                 <a:sym typeface="Space Grotesk Light"/>
-              </a:rPr>
-              <a:t>News API</a:t>
-            </a:r>
-            <a:endParaRPr b="0" i="0" sz="1500" u="none" cap="none" strike="noStrike">
+              </a:endParaRPr>
+            </a:p>
+          </p:txBody>
+        </p:sp>
+        <p:sp>
+          <p:nvSpPr>
+            <p:cNvPr id="328" name="Google Shape;328;g35cd725ba4c_0_9"/>
+            <p:cNvSpPr/>
+            <p:nvPr/>
+          </p:nvSpPr>
+          <p:spPr>
+            <a:xfrm>
+              <a:off x="7067429" y="4926932"/>
+              <a:ext cx="1519800" cy="336600"/>
+            </a:xfrm>
+            <a:prstGeom prst="roundRect">
+              <a:avLst>
+                <a:gd fmla="val 16667" name="adj"/>
+              </a:avLst>
+            </a:prstGeom>
+            <a:solidFill>
+              <a:srgbClr val="3EA9F5"/>
+            </a:solidFill>
+            <a:ln cap="flat" cmpd="sng" w="19050">
               <a:solidFill>
-                <a:schemeClr val="lt1"/>
+                <a:schemeClr val="dk2"/>
               </a:solidFill>
-              <a:latin typeface="Space Grotesk Light"/>
-              <a:ea typeface="Space Grotesk Light"/>
-              <a:cs typeface="Space Grotesk Light"/>
-              <a:sym typeface="Space Grotesk Light"/>
-            </a:endParaRPr>
-          </a:p>
-        </p:txBody>
-      </p:sp>
-      <p:sp>
-        <p:nvSpPr>
-          <p:cNvPr id="324" name="Google Shape;324;p132"/>
-          <p:cNvSpPr/>
-          <p:nvPr/>
-        </p:nvSpPr>
-        <p:spPr>
-          <a:xfrm>
-            <a:off x="7067429" y="4926932"/>
-            <a:ext cx="1519800" cy="336600"/>
-          </a:xfrm>
-          <a:prstGeom prst="roundRect">
-            <a:avLst>
-              <a:gd fmla="val 16667" name="adj"/>
-            </a:avLst>
-          </a:prstGeom>
-          <a:solidFill>
-            <a:srgbClr val="3EA9F5"/>
-          </a:solidFill>
-          <a:ln cap="flat" cmpd="sng" w="19050">
-            <a:solidFill>
-              <a:schemeClr val="dk2"/>
-            </a:solidFill>
-            <a:prstDash val="solid"/>
-            <a:round/>
-            <a:headEnd len="sm" w="sm" type="none"/>
-            <a:tailEnd len="sm" w="sm" type="none"/>
-          </a:ln>
-        </p:spPr>
-        <p:txBody>
-          <a:bodyPr anchorCtr="0" anchor="ctr" bIns="91425" lIns="91425" spcFirstLastPara="1" rIns="91425" wrap="square" tIns="91425">
-            <a:noAutofit/>
-          </a:bodyPr>
-          <a:lstStyle/>
-          <a:p>
-            <a:pPr indent="0" lvl="0" marL="0" marR="0" rtl="0" algn="ctr">
-              <a:lnSpc>
-                <a:spcPct val="100000"/>
-              </a:lnSpc>
-              <a:spcBef>
-                <a:spcPts val="0"/>
-              </a:spcBef>
-              <a:spcAft>
-                <a:spcPts val="0"/>
-              </a:spcAft>
-              <a:buClr>
-                <a:srgbClr val="000000"/>
-              </a:buClr>
-              <a:buSzPts val="1500"/>
-              <a:buFont typeface="Arial"/>
-              <a:buNone/>
-            </a:pPr>
-            <a:r>
-              <a:rPr b="0" i="0" lang="en-US" sz="1500" u="none" cap="none" strike="noStrike">
+              <a:prstDash val="solid"/>
+              <a:round/>
+              <a:headEnd len="sm" w="sm" type="none"/>
+              <a:tailEnd len="sm" w="sm" type="none"/>
+            </a:ln>
+          </p:spPr>
+          <p:txBody>
+            <a:bodyPr anchorCtr="0" anchor="ctr" bIns="91425" lIns="91425" spcFirstLastPara="1" rIns="91425" wrap="square" tIns="91425">
+              <a:noAutofit/>
+            </a:bodyPr>
+            <a:lstStyle/>
+            <a:p>
+              <a:pPr indent="0" lvl="0" marL="0" marR="0" rtl="0" algn="ctr">
+                <a:lnSpc>
+                  <a:spcPct val="100000"/>
+                </a:lnSpc>
+                <a:spcBef>
+                  <a:spcPts val="0"/>
+                </a:spcBef>
+                <a:spcAft>
+                  <a:spcPts val="0"/>
+                </a:spcAft>
+                <a:buClr>
+                  <a:srgbClr val="000000"/>
+                </a:buClr>
+                <a:buSzPts val="1500"/>
+                <a:buFont typeface="Arial"/>
+                <a:buNone/>
+              </a:pPr>
+              <a:r>
+                <a:rPr b="0" i="0" lang="en-US" sz="1500" u="none" cap="none" strike="noStrike">
+                  <a:solidFill>
+                    <a:schemeClr val="lt1"/>
+                  </a:solidFill>
+                  <a:latin typeface="Space Grotesk Light"/>
+                  <a:ea typeface="Space Grotesk Light"/>
+                  <a:cs typeface="Space Grotesk Light"/>
+                  <a:sym typeface="Space Grotesk Light"/>
+                </a:rPr>
+                <a:t>Stocks API</a:t>
+              </a:r>
+              <a:endParaRPr b="0" i="0" sz="1500" u="none" cap="none" strike="noStrike">
                 <a:solidFill>
                   <a:schemeClr val="lt1"/>
                 </a:solidFill>
@@ -19990,24 +20407,596 @@
                 <a:ea typeface="Space Grotesk Light"/>
                 <a:cs typeface="Space Grotesk Light"/>
                 <a:sym typeface="Space Grotesk Light"/>
+              </a:endParaRPr>
+            </a:p>
+          </p:txBody>
+        </p:sp>
+      </p:grpSp>
+    </p:spTree>
+  </p:cSld>
+  <p:clrMapOvr>
+    <a:masterClrMapping/>
+  </p:clrMapOvr>
+</p:sld>
+</file>
+
+<file path=ppt/slides/slide16.xml><?xml version="1.0" encoding="utf-8"?>
+<p:sld xmlns:a="http://schemas.openxmlformats.org/drawingml/2006/main" xmlns:r="http://schemas.openxmlformats.org/officeDocument/2006/relationships" xmlns:mc="http://schemas.openxmlformats.org/markup-compatibility/2006" xmlns:mv="urn:schemas-microsoft-com:mac:vml" xmlns:p="http://schemas.openxmlformats.org/presentationml/2006/main" xmlns:c="http://schemas.openxmlformats.org/drawingml/2006/chart" xmlns:dgm="http://schemas.openxmlformats.org/drawingml/2006/diagram" xmlns:o="urn:schemas-microsoft-com:office:office" xmlns:v="urn:schemas-microsoft-com:vml" xmlns:pvml="urn:schemas-microsoft-com:office:powerpoint" xmlns:com="http://schemas.openxmlformats.org/drawingml/2006/compatibility" xmlns:p14="http://schemas.microsoft.com/office/powerpoint/2010/main" xmlns:p15="http://schemas.microsoft.com/office/powerpoint/2012/main" xmlns:ahyp="http://schemas.microsoft.com/office/drawing/2018/hyperlinkcolor">
+  <p:cSld>
+    <p:spTree>
+      <p:nvGrpSpPr>
+        <p:cNvPr id="332" name="Shape 332"/>
+        <p:cNvGrpSpPr/>
+        <p:nvPr/>
+      </p:nvGrpSpPr>
+      <p:grpSpPr>
+        <a:xfrm>
+          <a:off x="0" y="0"/>
+          <a:ext cx="0" cy="0"/>
+          <a:chOff x="0" y="0"/>
+          <a:chExt cx="0" cy="0"/>
+        </a:xfrm>
+      </p:grpSpPr>
+      <p:sp>
+        <p:nvSpPr>
+          <p:cNvPr id="333" name="Google Shape;333;g35cd725ba4c_2_35"/>
+          <p:cNvSpPr txBox="1"/>
+          <p:nvPr>
+            <p:ph type="title"/>
+          </p:nvPr>
+        </p:nvSpPr>
+        <p:spPr>
+          <a:xfrm>
+            <a:off x="196754" y="214127"/>
+            <a:ext cx="11820099" cy="924588"/>
+          </a:xfrm>
+          <a:prstGeom prst="rect">
+            <a:avLst/>
+          </a:prstGeom>
+          <a:noFill/>
+          <a:ln>
+            <a:noFill/>
+          </a:ln>
+        </p:spPr>
+        <p:txBody>
+          <a:bodyPr anchorCtr="0" anchor="ctr" bIns="45700" lIns="91425" spcFirstLastPara="1" rIns="91425" wrap="square" tIns="45700">
+            <a:normAutofit/>
+          </a:bodyPr>
+          <a:lstStyle/>
+          <a:p>
+            <a:pPr indent="0" lvl="0" marL="0" rtl="0" algn="l">
+              <a:lnSpc>
+                <a:spcPct val="90000"/>
+              </a:lnSpc>
+              <a:spcBef>
+                <a:spcPts val="0"/>
+              </a:spcBef>
+              <a:spcAft>
+                <a:spcPts val="0"/>
+              </a:spcAft>
+              <a:buSzPts val="4400"/>
+              <a:buNone/>
+            </a:pPr>
+            <a:r>
+              <a:rPr lang="en-US"/>
+              <a:t>Advanced Workshop: Multi-Agent Workflow</a:t>
+            </a:r>
+            <a:endParaRPr/>
+          </a:p>
+        </p:txBody>
+      </p:sp>
+      <p:sp>
+        <p:nvSpPr>
+          <p:cNvPr id="334" name="Google Shape;334;g35cd725ba4c_2_35"/>
+          <p:cNvSpPr txBox="1"/>
+          <p:nvPr/>
+        </p:nvSpPr>
+        <p:spPr>
+          <a:xfrm>
+            <a:off x="670430" y="1138715"/>
+            <a:ext cx="5177921" cy="3831778"/>
+          </a:xfrm>
+          <a:prstGeom prst="rect">
+            <a:avLst/>
+          </a:prstGeom>
+          <a:noFill/>
+          <a:ln>
+            <a:noFill/>
+          </a:ln>
+        </p:spPr>
+        <p:txBody>
+          <a:bodyPr anchorCtr="0" anchor="t" bIns="45700" lIns="91425" spcFirstLastPara="1" rIns="91425" wrap="square" tIns="45700">
+            <a:spAutoFit/>
+          </a:bodyPr>
+          <a:lstStyle/>
+          <a:p>
+            <a:pPr indent="0" lvl="0" marL="0" marR="0" rtl="0" algn="l">
+              <a:lnSpc>
+                <a:spcPct val="150000"/>
+              </a:lnSpc>
+              <a:spcBef>
+                <a:spcPts val="0"/>
+              </a:spcBef>
+              <a:spcAft>
+                <a:spcPts val="0"/>
+              </a:spcAft>
+              <a:buClr>
+                <a:srgbClr val="000000"/>
+              </a:buClr>
+              <a:buSzPts val="1800"/>
+              <a:buFont typeface="Arial"/>
+              <a:buNone/>
+            </a:pPr>
+            <a:r>
+              <a:rPr b="1" i="0" lang="en-US" sz="1800" u="none" cap="none" strike="noStrike">
+                <a:solidFill>
+                  <a:srgbClr val="000000"/>
+                </a:solidFill>
+                <a:latin typeface="Space Grotesk"/>
+                <a:ea typeface="Space Grotesk"/>
+                <a:cs typeface="Space Grotesk"/>
+                <a:sym typeface="Space Grotesk"/>
               </a:rPr>
-              <a:t>Stocks API</a:t>
+              <a:t>Local setup</a:t>
             </a:r>
-            <a:endParaRPr b="0" i="0" sz="1500" u="none" cap="none" strike="noStrike">
+            <a:endParaRPr b="0" i="0" sz="1400" u="none" cap="none" strike="noStrike">
               <a:solidFill>
-                <a:schemeClr val="lt1"/>
+                <a:srgbClr val="000000"/>
               </a:solidFill>
-              <a:latin typeface="Space Grotesk Light"/>
-              <a:ea typeface="Space Grotesk Light"/>
-              <a:cs typeface="Space Grotesk Light"/>
-              <a:sym typeface="Space Grotesk Light"/>
+              <a:latin typeface="Arial"/>
+              <a:ea typeface="Arial"/>
+              <a:cs typeface="Arial"/>
+              <a:sym typeface="Arial"/>
+            </a:endParaRPr>
+          </a:p>
+          <a:p>
+            <a:pPr indent="-285750" lvl="0" marL="285750" marR="0" rtl="0" algn="l">
+              <a:lnSpc>
+                <a:spcPct val="150000"/>
+              </a:lnSpc>
+              <a:spcBef>
+                <a:spcPts val="0"/>
+              </a:spcBef>
+              <a:spcAft>
+                <a:spcPts val="0"/>
+              </a:spcAft>
+              <a:buClr>
+                <a:srgbClr val="000000"/>
+              </a:buClr>
+              <a:buSzPts val="1800"/>
+              <a:buFont typeface="Arial"/>
+              <a:buChar char="•"/>
+            </a:pPr>
+            <a:r>
+              <a:rPr b="0" i="0" lang="en-US" sz="1800" u="none" cap="none" strike="noStrike">
+                <a:solidFill>
+                  <a:srgbClr val="000000"/>
+                </a:solidFill>
+                <a:latin typeface="Space Grotesk"/>
+                <a:ea typeface="Space Grotesk"/>
+                <a:cs typeface="Space Grotesk"/>
+                <a:sym typeface="Space Grotesk"/>
+              </a:rPr>
+              <a:t>Clone </a:t>
+            </a:r>
+            <a:r>
+              <a:rPr b="0" i="0" lang="en-US" sz="1800" u="sng" cap="none" strike="noStrike">
+                <a:solidFill>
+                  <a:schemeClr val="hlink"/>
+                </a:solidFill>
+                <a:latin typeface="Space Grotesk"/>
+                <a:ea typeface="Space Grotesk"/>
+                <a:cs typeface="Space Grotesk"/>
+                <a:sym typeface="Space Grotesk"/>
+                <a:hlinkClick r:id="rId3"/>
+              </a:rPr>
+              <a:t>this git repo </a:t>
+            </a:r>
+            <a:endParaRPr b="0" i="0" sz="1800" u="none" cap="none" strike="noStrike">
+              <a:solidFill>
+                <a:srgbClr val="000000"/>
+              </a:solidFill>
+              <a:latin typeface="Space Grotesk"/>
+              <a:ea typeface="Space Grotesk"/>
+              <a:cs typeface="Space Grotesk"/>
+              <a:sym typeface="Space Grotesk"/>
+            </a:endParaRPr>
+          </a:p>
+          <a:p>
+            <a:pPr indent="-285750" lvl="0" marL="285750" marR="0" rtl="0" algn="l">
+              <a:lnSpc>
+                <a:spcPct val="150000"/>
+              </a:lnSpc>
+              <a:spcBef>
+                <a:spcPts val="0"/>
+              </a:spcBef>
+              <a:spcAft>
+                <a:spcPts val="0"/>
+              </a:spcAft>
+              <a:buClr>
+                <a:srgbClr val="000000"/>
+              </a:buClr>
+              <a:buSzPts val="1800"/>
+              <a:buFont typeface="Arial"/>
+              <a:buChar char="•"/>
+            </a:pPr>
+            <a:r>
+              <a:rPr b="0" i="0" lang="en-US" sz="1800" u="none" cap="none" strike="noStrike">
+                <a:solidFill>
+                  <a:srgbClr val="000000"/>
+                </a:solidFill>
+                <a:latin typeface="Space Grotesk"/>
+                <a:ea typeface="Space Grotesk"/>
+                <a:cs typeface="Space Grotesk"/>
+                <a:sym typeface="Space Grotesk"/>
+              </a:rPr>
+              <a:t>Navigate to “workshop/advanced_workshop/04-multi-agent-workflow-dapr-workflows/”</a:t>
+            </a:r>
+            <a:endParaRPr/>
+          </a:p>
+          <a:p>
+            <a:pPr indent="-285750" lvl="0" marL="285750" marR="0" rtl="0" algn="l">
+              <a:lnSpc>
+                <a:spcPct val="150000"/>
+              </a:lnSpc>
+              <a:spcBef>
+                <a:spcPts val="0"/>
+              </a:spcBef>
+              <a:spcAft>
+                <a:spcPts val="0"/>
+              </a:spcAft>
+              <a:buClr>
+                <a:srgbClr val="000000"/>
+              </a:buClr>
+              <a:buSzPts val="1800"/>
+              <a:buFont typeface="Arial"/>
+              <a:buChar char="•"/>
+            </a:pPr>
+            <a:r>
+              <a:rPr b="0" i="0" lang="en-US" sz="1800" u="none" cap="none" strike="noStrike">
+                <a:solidFill>
+                  <a:srgbClr val="000000"/>
+                </a:solidFill>
+                <a:latin typeface="Space Grotesk"/>
+                <a:ea typeface="Space Grotesk"/>
+                <a:cs typeface="Space Grotesk"/>
+                <a:sym typeface="Space Grotesk"/>
+              </a:rPr>
+              <a:t>Follow the instructions in the README.</a:t>
+            </a:r>
+            <a:endParaRPr b="0" i="0" sz="1400" u="none" cap="none" strike="noStrike">
+              <a:solidFill>
+                <a:srgbClr val="000000"/>
+              </a:solidFill>
+              <a:latin typeface="Arial"/>
+              <a:ea typeface="Arial"/>
+              <a:cs typeface="Arial"/>
+              <a:sym typeface="Arial"/>
+            </a:endParaRPr>
+          </a:p>
+          <a:p>
+            <a:pPr indent="-285750" lvl="0" marL="285750" marR="0" rtl="0" algn="l">
+              <a:lnSpc>
+                <a:spcPct val="150000"/>
+              </a:lnSpc>
+              <a:spcBef>
+                <a:spcPts val="0"/>
+              </a:spcBef>
+              <a:spcAft>
+                <a:spcPts val="0"/>
+              </a:spcAft>
+              <a:buClr>
+                <a:srgbClr val="000000"/>
+              </a:buClr>
+              <a:buSzPts val="1800"/>
+              <a:buFont typeface="Arial"/>
+              <a:buChar char="•"/>
+            </a:pPr>
+            <a:r>
+              <a:rPr b="0" i="0" lang="en-US" sz="1800" u="none" cap="none" strike="noStrike">
+                <a:solidFill>
+                  <a:srgbClr val="000000"/>
+                </a:solidFill>
+                <a:latin typeface="Space Grotesk"/>
+                <a:ea typeface="Space Grotesk"/>
+                <a:cs typeface="Space Grotesk"/>
+                <a:sym typeface="Space Grotesk"/>
+              </a:rPr>
+              <a:t>You are ready to start!</a:t>
+            </a:r>
+            <a:endParaRPr b="0" i="0" sz="1400" u="none" cap="none" strike="noStrike">
+              <a:solidFill>
+                <a:srgbClr val="000000"/>
+              </a:solidFill>
+              <a:latin typeface="Arial"/>
+              <a:ea typeface="Arial"/>
+              <a:cs typeface="Arial"/>
+              <a:sym typeface="Arial"/>
+            </a:endParaRPr>
+          </a:p>
+          <a:p>
+            <a:pPr indent="0" lvl="0" marL="0" marR="0" rtl="0" algn="l">
+              <a:lnSpc>
+                <a:spcPct val="150000"/>
+              </a:lnSpc>
+              <a:spcBef>
+                <a:spcPts val="0"/>
+              </a:spcBef>
+              <a:spcAft>
+                <a:spcPts val="0"/>
+              </a:spcAft>
+              <a:buClr>
+                <a:srgbClr val="000000"/>
+              </a:buClr>
+              <a:buSzPts val="1800"/>
+              <a:buFont typeface="Arial"/>
+              <a:buNone/>
+            </a:pPr>
+            <a:r>
+              <a:t/>
+            </a:r>
+            <a:endParaRPr b="0" i="0" sz="1800" u="none" cap="none" strike="noStrike">
+              <a:solidFill>
+                <a:srgbClr val="000000"/>
+              </a:solidFill>
+              <a:latin typeface="Space Grotesk"/>
+              <a:ea typeface="Space Grotesk"/>
+              <a:cs typeface="Space Grotesk"/>
+              <a:sym typeface="Space Grotesk"/>
+            </a:endParaRPr>
+          </a:p>
+          <a:p>
+            <a:pPr indent="0" lvl="0" marL="0" marR="0" rtl="0" algn="l">
+              <a:lnSpc>
+                <a:spcPct val="150000"/>
+              </a:lnSpc>
+              <a:spcBef>
+                <a:spcPts val="0"/>
+              </a:spcBef>
+              <a:spcAft>
+                <a:spcPts val="0"/>
+              </a:spcAft>
+              <a:buClr>
+                <a:srgbClr val="000000"/>
+              </a:buClr>
+              <a:buSzPts val="1800"/>
+              <a:buFont typeface="Arial"/>
+              <a:buNone/>
+            </a:pPr>
+            <a:r>
+              <a:t/>
+            </a:r>
+            <a:endParaRPr b="0" i="0" sz="1800" u="none" cap="none" strike="noStrike">
+              <a:solidFill>
+                <a:srgbClr val="000000"/>
+              </a:solidFill>
+              <a:latin typeface="Space Grotesk"/>
+              <a:ea typeface="Space Grotesk"/>
+              <a:cs typeface="Space Grotesk"/>
+              <a:sym typeface="Space Grotesk"/>
+            </a:endParaRPr>
+          </a:p>
+        </p:txBody>
+      </p:sp>
+      <p:sp>
+        <p:nvSpPr>
+          <p:cNvPr id="335" name="Google Shape;335;g35cd725ba4c_2_35"/>
+          <p:cNvSpPr txBox="1"/>
+          <p:nvPr/>
+        </p:nvSpPr>
+        <p:spPr>
+          <a:xfrm>
+            <a:off x="3057525" y="3275112"/>
+            <a:ext cx="6115050" cy="307777"/>
+          </a:xfrm>
+          <a:prstGeom prst="rect">
+            <a:avLst/>
+          </a:prstGeom>
+          <a:noFill/>
+          <a:ln>
+            <a:noFill/>
+          </a:ln>
+        </p:spPr>
+        <p:txBody>
+          <a:bodyPr anchorCtr="0" anchor="t" bIns="45700" lIns="91425" spcFirstLastPara="1" rIns="91425" wrap="square" tIns="45700">
+            <a:spAutoFit/>
+          </a:bodyPr>
+          <a:lstStyle/>
+          <a:p>
+            <a:pPr indent="0" lvl="0" marL="0" marR="0" rtl="0" algn="l">
+              <a:lnSpc>
+                <a:spcPct val="100000"/>
+              </a:lnSpc>
+              <a:spcBef>
+                <a:spcPts val="0"/>
+              </a:spcBef>
+              <a:spcAft>
+                <a:spcPts val="0"/>
+              </a:spcAft>
+              <a:buClr>
+                <a:srgbClr val="000000"/>
+              </a:buClr>
+              <a:buSzPts val="1400"/>
+              <a:buFont typeface="Arial"/>
+              <a:buNone/>
+            </a:pPr>
+            <a:r>
+              <a:t/>
+            </a:r>
+            <a:endParaRPr b="0" i="0" sz="1400" u="none" cap="none" strike="noStrike">
+              <a:solidFill>
+                <a:srgbClr val="000000"/>
+              </a:solidFill>
+              <a:latin typeface="Arial"/>
+              <a:ea typeface="Arial"/>
+              <a:cs typeface="Arial"/>
+              <a:sym typeface="Arial"/>
             </a:endParaRPr>
           </a:p>
         </p:txBody>
       </p:sp>
       <p:pic>
         <p:nvPicPr>
-          <p:cNvPr descr="Hugging Face Tutorial for Beginners [Quick Start]" id="325" name="Google Shape;325;p132"/>
+          <p:cNvPr descr="A qr code on a white background&#10;&#10;AI-generated content may be incorrect." id="336" name="Google Shape;336;g35cd725ba4c_2_35"/>
+          <p:cNvPicPr preferRelativeResize="0"/>
+          <p:nvPr/>
+        </p:nvPicPr>
+        <p:blipFill rotWithShape="1">
+          <a:blip r:embed="rId4">
+            <a:alphaModFix/>
+          </a:blip>
+          <a:srcRect b="0" l="0" r="0" t="0"/>
+          <a:stretch/>
+        </p:blipFill>
+        <p:spPr>
+          <a:xfrm>
+            <a:off x="6295625" y="4791075"/>
+            <a:ext cx="1420969" cy="1425000"/>
+          </a:xfrm>
+          <a:prstGeom prst="rect">
+            <a:avLst/>
+          </a:prstGeom>
+          <a:noFill/>
+          <a:ln>
+            <a:noFill/>
+          </a:ln>
+        </p:spPr>
+      </p:pic>
+      <p:sp>
+        <p:nvSpPr>
+          <p:cNvPr id="337" name="Google Shape;337;g35cd725ba4c_2_35"/>
+          <p:cNvSpPr txBox="1"/>
+          <p:nvPr/>
+        </p:nvSpPr>
+        <p:spPr>
+          <a:xfrm>
+            <a:off x="6276191" y="4384004"/>
+            <a:ext cx="1508630" cy="467372"/>
+          </a:xfrm>
+          <a:prstGeom prst="rect">
+            <a:avLst/>
+          </a:prstGeom>
+          <a:noFill/>
+          <a:ln>
+            <a:noFill/>
+          </a:ln>
+        </p:spPr>
+        <p:txBody>
+          <a:bodyPr anchorCtr="0" anchor="t" bIns="45700" lIns="91425" spcFirstLastPara="1" rIns="91425" wrap="square" tIns="45700">
+            <a:spAutoFit/>
+          </a:bodyPr>
+          <a:lstStyle/>
+          <a:p>
+            <a:pPr indent="0" lvl="0" marL="0" marR="0" rtl="0" algn="l">
+              <a:lnSpc>
+                <a:spcPct val="150000"/>
+              </a:lnSpc>
+              <a:spcBef>
+                <a:spcPts val="0"/>
+              </a:spcBef>
+              <a:spcAft>
+                <a:spcPts val="0"/>
+              </a:spcAft>
+              <a:buClr>
+                <a:srgbClr val="000000"/>
+              </a:buClr>
+              <a:buSzPts val="1800"/>
+              <a:buFont typeface="Arial"/>
+              <a:buNone/>
+            </a:pPr>
+            <a:r>
+              <a:rPr b="0" i="0" lang="en-US" sz="1800" u="none" cap="none" strike="noStrike">
+                <a:solidFill>
+                  <a:srgbClr val="000000"/>
+                </a:solidFill>
+                <a:latin typeface="Space Grotesk"/>
+                <a:ea typeface="Space Grotesk"/>
+                <a:cs typeface="Space Grotesk"/>
+                <a:sym typeface="Space Grotesk"/>
+              </a:rPr>
+              <a:t>Github repo</a:t>
+            </a:r>
+            <a:endParaRPr b="0" i="0" sz="1400" u="none" cap="none" strike="noStrike">
+              <a:solidFill>
+                <a:srgbClr val="000000"/>
+              </a:solidFill>
+              <a:latin typeface="Arial"/>
+              <a:ea typeface="Arial"/>
+              <a:cs typeface="Arial"/>
+              <a:sym typeface="Arial"/>
+            </a:endParaRPr>
+          </a:p>
+        </p:txBody>
+      </p:sp>
+      <p:sp>
+        <p:nvSpPr>
+          <p:cNvPr id="338" name="Google Shape;338;g35cd725ba4c_2_35"/>
+          <p:cNvSpPr txBox="1"/>
+          <p:nvPr/>
+        </p:nvSpPr>
+        <p:spPr>
+          <a:xfrm>
+            <a:off x="8439830" y="4384004"/>
+            <a:ext cx="1508700" cy="369300"/>
+          </a:xfrm>
+          <a:prstGeom prst="rect">
+            <a:avLst/>
+          </a:prstGeom>
+          <a:noFill/>
+          <a:ln>
+            <a:noFill/>
+          </a:ln>
+        </p:spPr>
+        <p:txBody>
+          <a:bodyPr anchorCtr="0" anchor="t" bIns="45700" lIns="91425" spcFirstLastPara="1" rIns="91425" wrap="square" tIns="45700">
+            <a:spAutoFit/>
+          </a:bodyPr>
+          <a:lstStyle/>
+          <a:p>
+            <a:pPr indent="0" lvl="0" marL="0" marR="0" rtl="0" algn="l">
+              <a:lnSpc>
+                <a:spcPct val="150000"/>
+              </a:lnSpc>
+              <a:spcBef>
+                <a:spcPts val="0"/>
+              </a:spcBef>
+              <a:spcAft>
+                <a:spcPts val="0"/>
+              </a:spcAft>
+              <a:buClr>
+                <a:srgbClr val="000000"/>
+              </a:buClr>
+              <a:buSzPts val="1800"/>
+              <a:buFont typeface="Arial"/>
+              <a:buNone/>
+            </a:pPr>
+            <a:r>
+              <a:rPr b="0" i="0" lang="en-US" sz="1800" u="none" cap="none" strike="noStrike">
+                <a:solidFill>
+                  <a:srgbClr val="000000"/>
+                </a:solidFill>
+                <a:latin typeface="Space Grotesk"/>
+                <a:ea typeface="Space Grotesk"/>
+                <a:cs typeface="Space Grotesk"/>
+                <a:sym typeface="Space Grotesk"/>
+              </a:rPr>
+              <a:t>Slides</a:t>
+            </a:r>
+            <a:endParaRPr b="0" i="0" sz="1400" u="none" cap="none" strike="noStrike">
+              <a:solidFill>
+                <a:srgbClr val="000000"/>
+              </a:solidFill>
+              <a:latin typeface="Arial"/>
+              <a:ea typeface="Arial"/>
+              <a:cs typeface="Arial"/>
+              <a:sym typeface="Arial"/>
+            </a:endParaRPr>
+          </a:p>
+        </p:txBody>
+      </p:sp>
+      <p:pic>
+        <p:nvPicPr>
+          <p:cNvPr id="339" name="Google Shape;339;g35cd725ba4c_2_35" title="Screenshot 2025-05-20 at 15.19.52 (2).png"/>
           <p:cNvPicPr preferRelativeResize="0"/>
           <p:nvPr/>
         </p:nvPicPr>
@@ -20020,8 +21009,8 @@
         </p:blipFill>
         <p:spPr>
           <a:xfrm>
-            <a:off x="3835386" y="3009811"/>
-            <a:ext cx="761109" cy="761109"/>
+            <a:off x="8365863" y="4851375"/>
+            <a:ext cx="1330250" cy="1364699"/>
           </a:xfrm>
           <a:prstGeom prst="rect">
             <a:avLst/>
@@ -20040,12 +21029,12 @@
 </p:sld>
 </file>
 
-<file path=ppt/slides/slide16.xml><?xml version="1.0" encoding="utf-8"?>
+<file path=ppt/slides/slide17.xml><?xml version="1.0" encoding="utf-8"?>
 <p:sld xmlns:a="http://schemas.openxmlformats.org/drawingml/2006/main" xmlns:r="http://schemas.openxmlformats.org/officeDocument/2006/relationships" xmlns:mc="http://schemas.openxmlformats.org/markup-compatibility/2006" xmlns:mv="urn:schemas-microsoft-com:mac:vml" xmlns:p="http://schemas.openxmlformats.org/presentationml/2006/main" xmlns:c="http://schemas.openxmlformats.org/drawingml/2006/chart" xmlns:dgm="http://schemas.openxmlformats.org/drawingml/2006/diagram" xmlns:o="urn:schemas-microsoft-com:office:office" xmlns:v="urn:schemas-microsoft-com:vml" xmlns:pvml="urn:schemas-microsoft-com:office:powerpoint" xmlns:com="http://schemas.openxmlformats.org/drawingml/2006/compatibility" xmlns:p14="http://schemas.microsoft.com/office/powerpoint/2010/main" xmlns:p15="http://schemas.microsoft.com/office/powerpoint/2012/main" xmlns:ahyp="http://schemas.microsoft.com/office/drawing/2018/hyperlinkcolor">
   <p:cSld>
     <p:spTree>
       <p:nvGrpSpPr>
-        <p:cNvPr id="329" name="Shape 329"/>
+        <p:cNvPr id="343" name="Shape 343"/>
         <p:cNvGrpSpPr/>
         <p:nvPr/>
       </p:nvGrpSpPr>
@@ -20059,7 +21048,5072 @@
       </p:grpSpPr>
       <p:sp>
         <p:nvSpPr>
-          <p:cNvPr id="330" name="Google Shape;330;p72"/>
+          <p:cNvPr id="344" name="Google Shape;344;g35cd725ba4c_2_45"/>
+          <p:cNvSpPr txBox="1"/>
+          <p:nvPr>
+            <p:ph type="title"/>
+          </p:nvPr>
+        </p:nvSpPr>
+        <p:spPr>
+          <a:xfrm>
+            <a:off x="196754" y="214127"/>
+            <a:ext cx="11820099" cy="924588"/>
+          </a:xfrm>
+          <a:prstGeom prst="rect">
+            <a:avLst/>
+          </a:prstGeom>
+          <a:noFill/>
+          <a:ln>
+            <a:noFill/>
+          </a:ln>
+        </p:spPr>
+        <p:txBody>
+          <a:bodyPr anchorCtr="0" anchor="ctr" bIns="45700" lIns="91425" spcFirstLastPara="1" rIns="91425" wrap="square" tIns="45700">
+            <a:normAutofit/>
+          </a:bodyPr>
+          <a:lstStyle/>
+          <a:p>
+            <a:pPr indent="0" lvl="0" marL="0" rtl="0" algn="l">
+              <a:lnSpc>
+                <a:spcPct val="90000"/>
+              </a:lnSpc>
+              <a:spcBef>
+                <a:spcPts val="0"/>
+              </a:spcBef>
+              <a:spcAft>
+                <a:spcPts val="0"/>
+              </a:spcAft>
+              <a:buSzPts val="4400"/>
+              <a:buNone/>
+            </a:pPr>
+            <a:r>
+              <a:rPr lang="en-US"/>
+              <a:t>Advanced Workshop: Multi-Agent Workflow</a:t>
+            </a:r>
+            <a:endParaRPr/>
+          </a:p>
+        </p:txBody>
+      </p:sp>
+      <p:grpSp>
+        <p:nvGrpSpPr>
+          <p:cNvPr id="345" name="Google Shape;345;g35cd725ba4c_2_45"/>
+          <p:cNvGrpSpPr/>
+          <p:nvPr/>
+        </p:nvGrpSpPr>
+        <p:grpSpPr>
+          <a:xfrm>
+            <a:off x="1745256" y="2507251"/>
+            <a:ext cx="6897275" cy="3638207"/>
+            <a:chOff x="1922040" y="2190259"/>
+            <a:chExt cx="6897275" cy="3638207"/>
+          </a:xfrm>
+        </p:grpSpPr>
+        <p:sp>
+          <p:nvSpPr>
+            <p:cNvPr id="346" name="Google Shape;346;g35cd725ba4c_2_45"/>
+            <p:cNvSpPr/>
+            <p:nvPr/>
+          </p:nvSpPr>
+          <p:spPr>
+            <a:xfrm>
+              <a:off x="5863235" y="2287336"/>
+              <a:ext cx="174266" cy="174266"/>
+            </a:xfrm>
+            <a:prstGeom prst="ellipse">
+              <a:avLst/>
+            </a:prstGeom>
+            <a:noFill/>
+            <a:ln>
+              <a:noFill/>
+            </a:ln>
+          </p:spPr>
+          <p:txBody>
+            <a:bodyPr anchorCtr="0" anchor="ctr" bIns="45700" lIns="91425" spcFirstLastPara="1" rIns="91425" wrap="square" tIns="45700">
+              <a:noAutofit/>
+            </a:bodyPr>
+            <a:lstStyle/>
+            <a:p>
+              <a:pPr indent="0" lvl="0" marL="0" marR="0" rtl="0" algn="ctr">
+                <a:lnSpc>
+                  <a:spcPct val="100000"/>
+                </a:lnSpc>
+                <a:spcBef>
+                  <a:spcPts val="0"/>
+                </a:spcBef>
+                <a:spcAft>
+                  <a:spcPts val="0"/>
+                </a:spcAft>
+                <a:buClr>
+                  <a:srgbClr val="000000"/>
+                </a:buClr>
+                <a:buSzPts val="1400"/>
+                <a:buFont typeface="Arial"/>
+                <a:buNone/>
+              </a:pPr>
+              <a:r>
+                <a:t/>
+              </a:r>
+              <a:endParaRPr b="0" i="0" sz="1400" u="none" cap="none" strike="noStrike">
+                <a:solidFill>
+                  <a:schemeClr val="lt1"/>
+                </a:solidFill>
+                <a:latin typeface="Space Grotesk"/>
+                <a:ea typeface="Space Grotesk"/>
+                <a:cs typeface="Space Grotesk"/>
+                <a:sym typeface="Space Grotesk"/>
+              </a:endParaRPr>
+            </a:p>
+          </p:txBody>
+        </p:sp>
+        <p:grpSp>
+          <p:nvGrpSpPr>
+            <p:cNvPr id="347" name="Google Shape;347;g35cd725ba4c_2_45"/>
+            <p:cNvGrpSpPr/>
+            <p:nvPr/>
+          </p:nvGrpSpPr>
+          <p:grpSpPr>
+            <a:xfrm>
+              <a:off x="1922040" y="2190259"/>
+              <a:ext cx="6897275" cy="3638207"/>
+              <a:chOff x="1922040" y="2190259"/>
+              <a:chExt cx="6897275" cy="3638207"/>
+            </a:xfrm>
+          </p:grpSpPr>
+          <p:sp>
+            <p:nvSpPr>
+              <p:cNvPr id="348" name="Google Shape;348;g35cd725ba4c_2_45"/>
+              <p:cNvSpPr txBox="1"/>
+              <p:nvPr/>
+            </p:nvSpPr>
+            <p:spPr>
+              <a:xfrm>
+                <a:off x="1922040" y="2190259"/>
+                <a:ext cx="1149446" cy="307736"/>
+              </a:xfrm>
+              <a:prstGeom prst="rect">
+                <a:avLst/>
+              </a:prstGeom>
+              <a:noFill/>
+              <a:ln>
+                <a:noFill/>
+              </a:ln>
+            </p:spPr>
+            <p:txBody>
+              <a:bodyPr anchorCtr="0" anchor="t" bIns="45700" lIns="91425" spcFirstLastPara="1" rIns="91425" wrap="square" tIns="45700">
+                <a:spAutoFit/>
+              </a:bodyPr>
+              <a:lstStyle/>
+              <a:p>
+                <a:pPr indent="0" lvl="0" marL="0" marR="0" rtl="0" algn="ctr">
+                  <a:lnSpc>
+                    <a:spcPct val="100000"/>
+                  </a:lnSpc>
+                  <a:spcBef>
+                    <a:spcPts val="0"/>
+                  </a:spcBef>
+                  <a:spcAft>
+                    <a:spcPts val="0"/>
+                  </a:spcAft>
+                  <a:buClr>
+                    <a:srgbClr val="000000"/>
+                  </a:buClr>
+                  <a:buSzPts val="1400"/>
+                  <a:buFont typeface="Arial"/>
+                  <a:buNone/>
+                </a:pPr>
+                <a:r>
+                  <a:rPr b="1" i="0" lang="en-US" sz="1400" u="none" cap="none" strike="noStrike">
+                    <a:solidFill>
+                      <a:schemeClr val="lt1"/>
+                    </a:solidFill>
+                    <a:latin typeface="Space Grotesk"/>
+                    <a:ea typeface="Space Grotesk"/>
+                    <a:cs typeface="Space Grotesk"/>
+                    <a:sym typeface="Space Grotesk"/>
+                  </a:rPr>
+                  <a:t>App label</a:t>
+                </a:r>
+                <a:endParaRPr b="1" i="0" sz="1400" u="none" cap="none" strike="noStrike">
+                  <a:solidFill>
+                    <a:schemeClr val="lt1"/>
+                  </a:solidFill>
+                  <a:latin typeface="Space Grotesk"/>
+                  <a:ea typeface="Space Grotesk"/>
+                  <a:cs typeface="Space Grotesk"/>
+                  <a:sym typeface="Space Grotesk"/>
+                </a:endParaRPr>
+              </a:p>
+            </p:txBody>
+          </p:sp>
+          <p:grpSp>
+            <p:nvGrpSpPr>
+              <p:cNvPr id="349" name="Google Shape;349;g35cd725ba4c_2_45"/>
+              <p:cNvGrpSpPr/>
+              <p:nvPr/>
+            </p:nvGrpSpPr>
+            <p:grpSpPr>
+              <a:xfrm>
+                <a:off x="5111556" y="5051790"/>
+                <a:ext cx="1800000" cy="776676"/>
+                <a:chOff x="5111556" y="5051790"/>
+                <a:chExt cx="1800000" cy="776676"/>
+              </a:xfrm>
+            </p:grpSpPr>
+            <p:pic>
+              <p:nvPicPr>
+                <p:cNvPr id="350" name="Google Shape;350;g35cd725ba4c_2_45"/>
+                <p:cNvPicPr preferRelativeResize="0"/>
+                <p:nvPr/>
+              </p:nvPicPr>
+              <p:blipFill rotWithShape="1">
+                <a:blip r:embed="rId3">
+                  <a:alphaModFix/>
+                </a:blip>
+                <a:srcRect b="0" l="0" r="0" t="0"/>
+                <a:stretch/>
+              </p:blipFill>
+              <p:spPr>
+                <a:xfrm>
+                  <a:off x="5111556" y="5051790"/>
+                  <a:ext cx="1800000" cy="776676"/>
+                </a:xfrm>
+                <a:prstGeom prst="rect">
+                  <a:avLst/>
+                </a:prstGeom>
+                <a:noFill/>
+                <a:ln>
+                  <a:noFill/>
+                </a:ln>
+              </p:spPr>
+            </p:pic>
+            <p:sp>
+              <p:nvSpPr>
+                <p:cNvPr id="351" name="Google Shape;351;g35cd725ba4c_2_45"/>
+                <p:cNvSpPr txBox="1"/>
+                <p:nvPr/>
+              </p:nvSpPr>
+              <p:spPr>
+                <a:xfrm>
+                  <a:off x="5219805" y="5141475"/>
+                  <a:ext cx="1215827" cy="646290"/>
+                </a:xfrm>
+                <a:prstGeom prst="rect">
+                  <a:avLst/>
+                </a:prstGeom>
+                <a:noFill/>
+                <a:ln>
+                  <a:noFill/>
+                </a:ln>
+              </p:spPr>
+              <p:txBody>
+                <a:bodyPr anchorCtr="0" anchor="t" bIns="45700" lIns="91425" spcFirstLastPara="1" rIns="91425" wrap="square" tIns="45700">
+                  <a:spAutoFit/>
+                </a:bodyPr>
+                <a:lstStyle/>
+                <a:p>
+                  <a:pPr indent="0" lvl="0" marL="0" marR="0" rtl="0" algn="ctr">
+                    <a:lnSpc>
+                      <a:spcPct val="100000"/>
+                    </a:lnSpc>
+                    <a:spcBef>
+                      <a:spcPts val="0"/>
+                    </a:spcBef>
+                    <a:spcAft>
+                      <a:spcPts val="0"/>
+                    </a:spcAft>
+                    <a:buClr>
+                      <a:srgbClr val="000000"/>
+                    </a:buClr>
+                    <a:buSzPts val="1400"/>
+                    <a:buFont typeface="Arial"/>
+                    <a:buNone/>
+                  </a:pPr>
+                  <a:r>
+                    <a:rPr b="1" i="0" lang="en-US" sz="1200" u="none" cap="none" strike="noStrike">
+                      <a:solidFill>
+                        <a:srgbClr val="121C29"/>
+                      </a:solidFill>
+                      <a:latin typeface="Space Grotesk"/>
+                      <a:ea typeface="Space Grotesk"/>
+                      <a:cs typeface="Space Grotesk"/>
+                      <a:sym typeface="Space Grotesk"/>
+                    </a:rPr>
+                    <a:t>Message </a:t>
+                  </a:r>
+                  <a:endParaRPr b="0" i="0" sz="1200" u="none" cap="none" strike="noStrike">
+                    <a:solidFill>
+                      <a:srgbClr val="000000"/>
+                    </a:solidFill>
+                    <a:latin typeface="Space Grotesk"/>
+                    <a:ea typeface="Space Grotesk"/>
+                    <a:cs typeface="Space Grotesk"/>
+                    <a:sym typeface="Space Grotesk"/>
+                  </a:endParaRPr>
+                </a:p>
+                <a:p>
+                  <a:pPr indent="0" lvl="0" marL="0" marR="0" rtl="0" algn="ctr">
+                    <a:lnSpc>
+                      <a:spcPct val="100000"/>
+                    </a:lnSpc>
+                    <a:spcBef>
+                      <a:spcPts val="0"/>
+                    </a:spcBef>
+                    <a:spcAft>
+                      <a:spcPts val="0"/>
+                    </a:spcAft>
+                    <a:buClr>
+                      <a:srgbClr val="000000"/>
+                    </a:buClr>
+                    <a:buSzPts val="1400"/>
+                    <a:buFont typeface="Arial"/>
+                    <a:buNone/>
+                  </a:pPr>
+                  <a:r>
+                    <a:rPr b="1" i="0" lang="en-US" sz="1200" u="none" cap="none" strike="noStrike">
+                      <a:solidFill>
+                        <a:srgbClr val="121C29"/>
+                      </a:solidFill>
+                      <a:latin typeface="Space Grotesk"/>
+                      <a:ea typeface="Space Grotesk"/>
+                      <a:cs typeface="Space Grotesk"/>
+                      <a:sym typeface="Space Grotesk"/>
+                    </a:rPr>
+                    <a:t>Broker (pub/sub)</a:t>
+                  </a:r>
+                  <a:endParaRPr b="1" i="0" sz="1200" u="none" cap="none" strike="noStrike">
+                    <a:solidFill>
+                      <a:srgbClr val="121C29"/>
+                    </a:solidFill>
+                    <a:latin typeface="Space Grotesk"/>
+                    <a:ea typeface="Space Grotesk"/>
+                    <a:cs typeface="Space Grotesk"/>
+                    <a:sym typeface="Space Grotesk"/>
+                  </a:endParaRPr>
+                </a:p>
+              </p:txBody>
+            </p:sp>
+          </p:grpSp>
+          <p:cxnSp>
+            <p:nvCxnSpPr>
+              <p:cNvPr id="352" name="Google Shape;352;g35cd725ba4c_2_45"/>
+              <p:cNvCxnSpPr>
+                <a:endCxn id="350" idx="1"/>
+              </p:cNvCxnSpPr>
+              <p:nvPr/>
+            </p:nvCxnSpPr>
+            <p:spPr>
+              <a:xfrm>
+                <a:off x="3414756" y="5440128"/>
+                <a:ext cx="1696800" cy="0"/>
+              </a:xfrm>
+              <a:prstGeom prst="straightConnector1">
+                <a:avLst/>
+              </a:prstGeom>
+              <a:noFill/>
+              <a:ln cap="flat" cmpd="sng" w="19050">
+                <a:solidFill>
+                  <a:schemeClr val="dk1"/>
+                </a:solidFill>
+                <a:prstDash val="solid"/>
+                <a:miter lim="800000"/>
+                <a:headEnd len="sm" w="sm" type="none"/>
+                <a:tailEnd len="lg" w="lg" type="triangle"/>
+              </a:ln>
+            </p:spPr>
+          </p:cxnSp>
+          <p:sp>
+            <p:nvSpPr>
+              <p:cNvPr id="353" name="Google Shape;353;g35cd725ba4c_2_45"/>
+              <p:cNvSpPr/>
+              <p:nvPr/>
+            </p:nvSpPr>
+            <p:spPr>
+              <a:xfrm>
+                <a:off x="3178026" y="5092214"/>
+                <a:ext cx="174266" cy="174266"/>
+              </a:xfrm>
+              <a:prstGeom prst="ellipse">
+                <a:avLst/>
+              </a:prstGeom>
+              <a:noFill/>
+              <a:ln>
+                <a:noFill/>
+              </a:ln>
+            </p:spPr>
+            <p:txBody>
+              <a:bodyPr anchorCtr="0" anchor="ctr" bIns="45700" lIns="91425" spcFirstLastPara="1" rIns="91425" wrap="square" tIns="45700">
+                <a:noAutofit/>
+              </a:bodyPr>
+              <a:lstStyle/>
+              <a:p>
+                <a:pPr indent="0" lvl="0" marL="0" marR="0" rtl="0" algn="ctr">
+                  <a:lnSpc>
+                    <a:spcPct val="100000"/>
+                  </a:lnSpc>
+                  <a:spcBef>
+                    <a:spcPts val="0"/>
+                  </a:spcBef>
+                  <a:spcAft>
+                    <a:spcPts val="0"/>
+                  </a:spcAft>
+                  <a:buClr>
+                    <a:srgbClr val="000000"/>
+                  </a:buClr>
+                  <a:buSzPts val="1400"/>
+                  <a:buFont typeface="Arial"/>
+                  <a:buNone/>
+                </a:pPr>
+                <a:r>
+                  <a:t/>
+                </a:r>
+                <a:endParaRPr b="0" i="0" sz="1400" u="none" cap="none" strike="noStrike">
+                  <a:solidFill>
+                    <a:schemeClr val="lt1"/>
+                  </a:solidFill>
+                  <a:latin typeface="Space Grotesk"/>
+                  <a:ea typeface="Space Grotesk"/>
+                  <a:cs typeface="Space Grotesk"/>
+                  <a:sym typeface="Space Grotesk"/>
+                </a:endParaRPr>
+              </a:p>
+            </p:txBody>
+          </p:sp>
+          <p:sp>
+            <p:nvSpPr>
+              <p:cNvPr id="354" name="Google Shape;354;g35cd725ba4c_2_45"/>
+              <p:cNvSpPr/>
+              <p:nvPr/>
+            </p:nvSpPr>
+            <p:spPr>
+              <a:xfrm>
+                <a:off x="8645049" y="5092531"/>
+                <a:ext cx="174266" cy="174266"/>
+              </a:xfrm>
+              <a:prstGeom prst="ellipse">
+                <a:avLst/>
+              </a:prstGeom>
+              <a:noFill/>
+              <a:ln>
+                <a:noFill/>
+              </a:ln>
+            </p:spPr>
+            <p:txBody>
+              <a:bodyPr anchorCtr="0" anchor="ctr" bIns="45700" lIns="91425" spcFirstLastPara="1" rIns="91425" wrap="square" tIns="45700">
+                <a:noAutofit/>
+              </a:bodyPr>
+              <a:lstStyle/>
+              <a:p>
+                <a:pPr indent="0" lvl="0" marL="0" marR="0" rtl="0" algn="ctr">
+                  <a:lnSpc>
+                    <a:spcPct val="100000"/>
+                  </a:lnSpc>
+                  <a:spcBef>
+                    <a:spcPts val="0"/>
+                  </a:spcBef>
+                  <a:spcAft>
+                    <a:spcPts val="0"/>
+                  </a:spcAft>
+                  <a:buClr>
+                    <a:srgbClr val="000000"/>
+                  </a:buClr>
+                  <a:buSzPts val="1400"/>
+                  <a:buFont typeface="Arial"/>
+                  <a:buNone/>
+                </a:pPr>
+                <a:r>
+                  <a:t/>
+                </a:r>
+                <a:endParaRPr b="0" i="0" sz="1400" u="none" cap="none" strike="noStrike">
+                  <a:solidFill>
+                    <a:schemeClr val="lt1"/>
+                  </a:solidFill>
+                  <a:latin typeface="Space Grotesk"/>
+                  <a:ea typeface="Space Grotesk"/>
+                  <a:cs typeface="Space Grotesk"/>
+                  <a:sym typeface="Space Grotesk"/>
+                </a:endParaRPr>
+              </a:p>
+            </p:txBody>
+          </p:sp>
+        </p:grpSp>
+      </p:grpSp>
+      <p:pic>
+        <p:nvPicPr>
+          <p:cNvPr id="355" name="Google Shape;355;g35cd725ba4c_2_45"/>
+          <p:cNvPicPr preferRelativeResize="0"/>
+          <p:nvPr/>
+        </p:nvPicPr>
+        <p:blipFill rotWithShape="1">
+          <a:blip r:embed="rId4">
+            <a:alphaModFix/>
+          </a:blip>
+          <a:srcRect b="0" l="0" r="0" t="0"/>
+          <a:stretch/>
+        </p:blipFill>
+        <p:spPr>
+          <a:xfrm>
+            <a:off x="1430840" y="4817632"/>
+            <a:ext cx="1780927" cy="1710839"/>
+          </a:xfrm>
+          <a:prstGeom prst="rect">
+            <a:avLst/>
+          </a:prstGeom>
+          <a:noFill/>
+          <a:ln>
+            <a:noFill/>
+          </a:ln>
+        </p:spPr>
+      </p:pic>
+      <p:sp>
+        <p:nvSpPr>
+          <p:cNvPr id="356" name="Google Shape;356;g35cd725ba4c_2_45"/>
+          <p:cNvSpPr txBox="1"/>
+          <p:nvPr/>
+        </p:nvSpPr>
+        <p:spPr>
+          <a:xfrm>
+            <a:off x="1916336" y="5342471"/>
+            <a:ext cx="1215827" cy="307736"/>
+          </a:xfrm>
+          <a:prstGeom prst="rect">
+            <a:avLst/>
+          </a:prstGeom>
+          <a:noFill/>
+          <a:ln>
+            <a:noFill/>
+          </a:ln>
+        </p:spPr>
+        <p:txBody>
+          <a:bodyPr anchorCtr="0" anchor="t" bIns="45700" lIns="91425" spcFirstLastPara="1" rIns="91425" wrap="square" tIns="45700">
+            <a:spAutoFit/>
+          </a:bodyPr>
+          <a:lstStyle/>
+          <a:p>
+            <a:pPr indent="0" lvl="0" marL="0" marR="0" rtl="0" algn="ctr">
+              <a:lnSpc>
+                <a:spcPct val="100000"/>
+              </a:lnSpc>
+              <a:spcBef>
+                <a:spcPts val="0"/>
+              </a:spcBef>
+              <a:spcAft>
+                <a:spcPts val="0"/>
+              </a:spcAft>
+              <a:buClr>
+                <a:srgbClr val="000000"/>
+              </a:buClr>
+              <a:buSzPts val="1400"/>
+              <a:buFont typeface="Arial"/>
+              <a:buNone/>
+            </a:pPr>
+            <a:r>
+              <a:rPr b="1" i="0" lang="en-US" sz="1400" u="none" cap="none" strike="noStrike">
+                <a:solidFill>
+                  <a:srgbClr val="121C29"/>
+                </a:solidFill>
+                <a:latin typeface="Space Grotesk"/>
+                <a:ea typeface="Space Grotesk"/>
+                <a:cs typeface="Space Grotesk"/>
+                <a:sym typeface="Space Grotesk"/>
+              </a:rPr>
+              <a:t>Agent</a:t>
+            </a:r>
+            <a:endParaRPr b="1" i="0" sz="1400" u="none" cap="none" strike="noStrike">
+              <a:solidFill>
+                <a:srgbClr val="121C29"/>
+              </a:solidFill>
+              <a:latin typeface="Space Grotesk"/>
+              <a:ea typeface="Space Grotesk"/>
+              <a:cs typeface="Space Grotesk"/>
+              <a:sym typeface="Space Grotesk"/>
+            </a:endParaRPr>
+          </a:p>
+        </p:txBody>
+      </p:sp>
+      <p:sp>
+        <p:nvSpPr>
+          <p:cNvPr id="357" name="Google Shape;357;g35cd725ba4c_2_45"/>
+          <p:cNvSpPr/>
+          <p:nvPr/>
+        </p:nvSpPr>
+        <p:spPr>
+          <a:xfrm>
+            <a:off x="1208314" y="4474030"/>
+            <a:ext cx="2547257" cy="2169835"/>
+          </a:xfrm>
+          <a:prstGeom prst="roundRect">
+            <a:avLst>
+              <a:gd fmla="val 10417" name="adj"/>
+            </a:avLst>
+          </a:prstGeom>
+          <a:noFill/>
+          <a:ln cap="flat" cmpd="sng" w="19050">
+            <a:solidFill>
+              <a:schemeClr val="accent2"/>
+            </a:solidFill>
+            <a:prstDash val="dash"/>
+            <a:round/>
+            <a:headEnd len="sm" w="sm" type="none"/>
+            <a:tailEnd len="sm" w="sm" type="none"/>
+          </a:ln>
+        </p:spPr>
+        <p:txBody>
+          <a:bodyPr anchorCtr="0" anchor="ctr" bIns="45700" lIns="91425" spcFirstLastPara="1" rIns="91425" wrap="square" tIns="45700">
+            <a:noAutofit/>
+          </a:bodyPr>
+          <a:lstStyle/>
+          <a:p>
+            <a:pPr indent="0" lvl="0" marL="0" marR="0" rtl="0" algn="ctr">
+              <a:lnSpc>
+                <a:spcPct val="100000"/>
+              </a:lnSpc>
+              <a:spcBef>
+                <a:spcPts val="0"/>
+              </a:spcBef>
+              <a:spcAft>
+                <a:spcPts val="0"/>
+              </a:spcAft>
+              <a:buNone/>
+            </a:pPr>
+            <a:r>
+              <a:t/>
+            </a:r>
+            <a:endParaRPr b="0" i="0" sz="1400" u="none" cap="none" strike="noStrike">
+              <a:solidFill>
+                <a:schemeClr val="lt1"/>
+              </a:solidFill>
+              <a:latin typeface="Space Grotesk"/>
+              <a:ea typeface="Space Grotesk"/>
+              <a:cs typeface="Space Grotesk"/>
+              <a:sym typeface="Space Grotesk"/>
+            </a:endParaRPr>
+          </a:p>
+        </p:txBody>
+      </p:sp>
+      <p:cxnSp>
+        <p:nvCxnSpPr>
+          <p:cNvPr id="358" name="Google Shape;358;g35cd725ba4c_2_45"/>
+          <p:cNvCxnSpPr>
+            <a:endCxn id="350" idx="0"/>
+          </p:cNvCxnSpPr>
+          <p:nvPr/>
+        </p:nvCxnSpPr>
+        <p:spPr>
+          <a:xfrm flipH="1">
+            <a:off x="5834772" y="3466782"/>
+            <a:ext cx="3311100" cy="1902000"/>
+          </a:xfrm>
+          <a:prstGeom prst="bentConnector2">
+            <a:avLst/>
+          </a:prstGeom>
+          <a:noFill/>
+          <a:ln cap="flat" cmpd="sng" w="19050">
+            <a:solidFill>
+              <a:schemeClr val="dk1"/>
+            </a:solidFill>
+            <a:prstDash val="solid"/>
+            <a:miter lim="800000"/>
+            <a:headEnd len="lg" w="lg" type="triangle"/>
+            <a:tailEnd len="sm" w="sm" type="none"/>
+          </a:ln>
+        </p:spPr>
+      </p:cxnSp>
+      <p:cxnSp>
+        <p:nvCxnSpPr>
+          <p:cNvPr id="359" name="Google Shape;359;g35cd725ba4c_2_45"/>
+          <p:cNvCxnSpPr>
+            <a:endCxn id="350" idx="0"/>
+          </p:cNvCxnSpPr>
+          <p:nvPr/>
+        </p:nvCxnSpPr>
+        <p:spPr>
+          <a:xfrm flipH="1">
+            <a:off x="5834772" y="4817682"/>
+            <a:ext cx="3311100" cy="551100"/>
+          </a:xfrm>
+          <a:prstGeom prst="bentConnector2">
+            <a:avLst/>
+          </a:prstGeom>
+          <a:noFill/>
+          <a:ln cap="flat" cmpd="sng" w="19050">
+            <a:solidFill>
+              <a:schemeClr val="dk1"/>
+            </a:solidFill>
+            <a:prstDash val="solid"/>
+            <a:miter lim="800000"/>
+            <a:headEnd len="lg" w="lg" type="triangle"/>
+            <a:tailEnd len="sm" w="sm" type="none"/>
+          </a:ln>
+        </p:spPr>
+      </p:cxnSp>
+      <p:grpSp>
+        <p:nvGrpSpPr>
+          <p:cNvPr id="360" name="Google Shape;360;g35cd725ba4c_2_45"/>
+          <p:cNvGrpSpPr/>
+          <p:nvPr/>
+        </p:nvGrpSpPr>
+        <p:grpSpPr>
+          <a:xfrm>
+            <a:off x="8810481" y="1147626"/>
+            <a:ext cx="2724265" cy="4180457"/>
+            <a:chOff x="8435609" y="1100880"/>
+            <a:chExt cx="3352969" cy="4989162"/>
+          </a:xfrm>
+        </p:grpSpPr>
+        <p:grpSp>
+          <p:nvGrpSpPr>
+            <p:cNvPr id="361" name="Google Shape;361;g35cd725ba4c_2_45"/>
+            <p:cNvGrpSpPr/>
+            <p:nvPr/>
+          </p:nvGrpSpPr>
+          <p:grpSpPr>
+            <a:xfrm>
+              <a:off x="8468265" y="1100880"/>
+              <a:ext cx="2885536" cy="1406371"/>
+              <a:chOff x="8468265" y="1100880"/>
+              <a:chExt cx="2885536" cy="1406371"/>
+            </a:xfrm>
+          </p:grpSpPr>
+          <p:grpSp>
+            <p:nvGrpSpPr>
+              <p:cNvPr id="362" name="Google Shape;362;g35cd725ba4c_2_45"/>
+              <p:cNvGrpSpPr/>
+              <p:nvPr/>
+            </p:nvGrpSpPr>
+            <p:grpSpPr>
+              <a:xfrm>
+                <a:off x="8835942" y="1317172"/>
+                <a:ext cx="1360093" cy="1190079"/>
+                <a:chOff x="8835942" y="1317172"/>
+                <a:chExt cx="1360093" cy="1190079"/>
+              </a:xfrm>
+            </p:grpSpPr>
+            <p:pic>
+              <p:nvPicPr>
+                <p:cNvPr id="363" name="Google Shape;363;g35cd725ba4c_2_45"/>
+                <p:cNvPicPr preferRelativeResize="0"/>
+                <p:nvPr/>
+              </p:nvPicPr>
+              <p:blipFill rotWithShape="1">
+                <a:blip r:embed="rId4">
+                  <a:alphaModFix/>
+                </a:blip>
+                <a:srcRect b="0" l="0" r="0" t="0"/>
+                <a:stretch/>
+              </p:blipFill>
+              <p:spPr>
+                <a:xfrm>
+                  <a:off x="8835942" y="1317172"/>
+                  <a:ext cx="1251236" cy="1190079"/>
+                </a:xfrm>
+                <a:prstGeom prst="rect">
+                  <a:avLst/>
+                </a:prstGeom>
+                <a:noFill/>
+                <a:ln>
+                  <a:noFill/>
+                </a:ln>
+              </p:spPr>
+            </p:pic>
+            <p:sp>
+              <p:nvSpPr>
+                <p:cNvPr id="364" name="Google Shape;364;g35cd725ba4c_2_45"/>
+                <p:cNvSpPr txBox="1"/>
+                <p:nvPr/>
+              </p:nvSpPr>
+              <p:spPr>
+                <a:xfrm>
+                  <a:off x="8980208" y="1635060"/>
+                  <a:ext cx="1215827" cy="307736"/>
+                </a:xfrm>
+                <a:prstGeom prst="rect">
+                  <a:avLst/>
+                </a:prstGeom>
+                <a:noFill/>
+                <a:ln>
+                  <a:noFill/>
+                </a:ln>
+              </p:spPr>
+              <p:txBody>
+                <a:bodyPr anchorCtr="0" anchor="t" bIns="45700" lIns="91425" spcFirstLastPara="1" rIns="91425" wrap="square" tIns="45700">
+                  <a:spAutoFit/>
+                </a:bodyPr>
+                <a:lstStyle/>
+                <a:p>
+                  <a:pPr indent="0" lvl="0" marL="0" marR="0" rtl="0" algn="ctr">
+                    <a:lnSpc>
+                      <a:spcPct val="100000"/>
+                    </a:lnSpc>
+                    <a:spcBef>
+                      <a:spcPts val="0"/>
+                    </a:spcBef>
+                    <a:spcAft>
+                      <a:spcPts val="0"/>
+                    </a:spcAft>
+                    <a:buClr>
+                      <a:srgbClr val="000000"/>
+                    </a:buClr>
+                    <a:buSzPts val="1400"/>
+                    <a:buFont typeface="Arial"/>
+                    <a:buNone/>
+                  </a:pPr>
+                  <a:r>
+                    <a:rPr b="1" i="0" lang="en-US" sz="1400" u="none" cap="none" strike="noStrike">
+                      <a:solidFill>
+                        <a:srgbClr val="121C29"/>
+                      </a:solidFill>
+                      <a:latin typeface="Space Grotesk"/>
+                      <a:ea typeface="Space Grotesk"/>
+                      <a:cs typeface="Space Grotesk"/>
+                      <a:sym typeface="Space Grotesk"/>
+                    </a:rPr>
+                    <a:t>Agent</a:t>
+                  </a:r>
+                  <a:endParaRPr b="1" i="0" sz="1400" u="none" cap="none" strike="noStrike">
+                    <a:solidFill>
+                      <a:srgbClr val="121C29"/>
+                    </a:solidFill>
+                    <a:latin typeface="Space Grotesk"/>
+                    <a:ea typeface="Space Grotesk"/>
+                    <a:cs typeface="Space Grotesk"/>
+                    <a:sym typeface="Space Grotesk"/>
+                  </a:endParaRPr>
+                </a:p>
+              </p:txBody>
+            </p:sp>
+          </p:grpSp>
+          <p:grpSp>
+            <p:nvGrpSpPr>
+              <p:cNvPr id="365" name="Google Shape;365;g35cd725ba4c_2_45"/>
+              <p:cNvGrpSpPr/>
+              <p:nvPr/>
+            </p:nvGrpSpPr>
+            <p:grpSpPr>
+              <a:xfrm>
+                <a:off x="10149267" y="1396676"/>
+                <a:ext cx="1022704" cy="883572"/>
+                <a:chOff x="6627989" y="1689907"/>
+                <a:chExt cx="1548676" cy="1440000"/>
+              </a:xfrm>
+            </p:grpSpPr>
+            <p:pic>
+              <p:nvPicPr>
+                <p:cNvPr id="366" name="Google Shape;366;g35cd725ba4c_2_45"/>
+                <p:cNvPicPr preferRelativeResize="0"/>
+                <p:nvPr/>
+              </p:nvPicPr>
+              <p:blipFill rotWithShape="1">
+                <a:blip r:embed="rId5">
+                  <a:alphaModFix/>
+                </a:blip>
+                <a:srcRect b="0" l="0" r="0" t="0"/>
+                <a:stretch/>
+              </p:blipFill>
+              <p:spPr>
+                <a:xfrm>
+                  <a:off x="6682327" y="1689907"/>
+                  <a:ext cx="1440000" cy="1440000"/>
+                </a:xfrm>
+                <a:prstGeom prst="rect">
+                  <a:avLst/>
+                </a:prstGeom>
+                <a:noFill/>
+                <a:ln>
+                  <a:noFill/>
+                </a:ln>
+              </p:spPr>
+            </p:pic>
+            <p:sp>
+              <p:nvSpPr>
+                <p:cNvPr id="367" name="Google Shape;367;g35cd725ba4c_2_45"/>
+                <p:cNvSpPr txBox="1"/>
+                <p:nvPr/>
+              </p:nvSpPr>
+              <p:spPr>
+                <a:xfrm>
+                  <a:off x="6627989" y="2099593"/>
+                  <a:ext cx="1548676" cy="1017596"/>
+                </a:xfrm>
+                <a:prstGeom prst="rect">
+                  <a:avLst/>
+                </a:prstGeom>
+                <a:noFill/>
+                <a:ln>
+                  <a:noFill/>
+                </a:ln>
+              </p:spPr>
+              <p:txBody>
+                <a:bodyPr anchorCtr="0" anchor="t" bIns="45700" lIns="91425" spcFirstLastPara="1" rIns="91425" wrap="square" tIns="45700">
+                  <a:spAutoFit/>
+                </a:bodyPr>
+                <a:lstStyle/>
+                <a:p>
+                  <a:pPr indent="0" lvl="0" marL="0" marR="0" rtl="0" algn="ctr">
+                    <a:lnSpc>
+                      <a:spcPct val="100000"/>
+                    </a:lnSpc>
+                    <a:spcBef>
+                      <a:spcPts val="0"/>
+                    </a:spcBef>
+                    <a:spcAft>
+                      <a:spcPts val="0"/>
+                    </a:spcAft>
+                    <a:buClr>
+                      <a:srgbClr val="000000"/>
+                    </a:buClr>
+                    <a:buSzPts val="1400"/>
+                    <a:buFont typeface="Arial"/>
+                    <a:buNone/>
+                  </a:pPr>
+                  <a:r>
+                    <a:rPr b="1" i="0" lang="en-US" sz="1400" u="none" cap="none" strike="noStrike">
+                      <a:solidFill>
+                        <a:schemeClr val="dk1"/>
+                      </a:solidFill>
+                      <a:latin typeface="Space Grotesk"/>
+                      <a:ea typeface="Space Grotesk"/>
+                      <a:cs typeface="Space Grotesk"/>
+                      <a:sym typeface="Space Grotesk"/>
+                    </a:rPr>
+                    <a:t>State store</a:t>
+                  </a:r>
+                  <a:endParaRPr b="1" i="0" sz="1400" u="none" cap="none" strike="noStrike">
+                    <a:solidFill>
+                      <a:schemeClr val="dk1"/>
+                    </a:solidFill>
+                    <a:latin typeface="Space Grotesk"/>
+                    <a:ea typeface="Space Grotesk"/>
+                    <a:cs typeface="Space Grotesk"/>
+                    <a:sym typeface="Space Grotesk"/>
+                  </a:endParaRPr>
+                </a:p>
+              </p:txBody>
+            </p:sp>
+          </p:grpSp>
+          <p:sp>
+            <p:nvSpPr>
+              <p:cNvPr id="368" name="Google Shape;368;g35cd725ba4c_2_45"/>
+              <p:cNvSpPr/>
+              <p:nvPr/>
+            </p:nvSpPr>
+            <p:spPr>
+              <a:xfrm>
+                <a:off x="8468265" y="1100880"/>
+                <a:ext cx="2885536" cy="1406371"/>
+              </a:xfrm>
+              <a:prstGeom prst="roundRect">
+                <a:avLst>
+                  <a:gd fmla="val 10417" name="adj"/>
+                </a:avLst>
+              </a:prstGeom>
+              <a:noFill/>
+              <a:ln cap="flat" cmpd="sng" w="19050">
+                <a:solidFill>
+                  <a:schemeClr val="accent2"/>
+                </a:solidFill>
+                <a:prstDash val="dash"/>
+                <a:round/>
+                <a:headEnd len="sm" w="sm" type="none"/>
+                <a:tailEnd len="sm" w="sm" type="none"/>
+              </a:ln>
+            </p:spPr>
+            <p:txBody>
+              <a:bodyPr anchorCtr="0" anchor="ctr" bIns="45700" lIns="91425" spcFirstLastPara="1" rIns="91425" wrap="square" tIns="45700">
+                <a:noAutofit/>
+              </a:bodyPr>
+              <a:lstStyle/>
+              <a:p>
+                <a:pPr indent="0" lvl="0" marL="0" marR="0" rtl="0" algn="ctr">
+                  <a:lnSpc>
+                    <a:spcPct val="100000"/>
+                  </a:lnSpc>
+                  <a:spcBef>
+                    <a:spcPts val="0"/>
+                  </a:spcBef>
+                  <a:spcAft>
+                    <a:spcPts val="0"/>
+                  </a:spcAft>
+                  <a:buNone/>
+                </a:pPr>
+                <a:r>
+                  <a:t/>
+                </a:r>
+                <a:endParaRPr b="0" i="0" sz="1400" u="none" cap="none" strike="noStrike">
+                  <a:solidFill>
+                    <a:schemeClr val="lt1"/>
+                  </a:solidFill>
+                  <a:latin typeface="Space Grotesk"/>
+                  <a:ea typeface="Space Grotesk"/>
+                  <a:cs typeface="Space Grotesk"/>
+                  <a:sym typeface="Space Grotesk"/>
+                </a:endParaRPr>
+              </a:p>
+            </p:txBody>
+          </p:sp>
+        </p:grpSp>
+        <p:pic>
+          <p:nvPicPr>
+            <p:cNvPr descr="Gandalf emoji | AI Emoji Generator" id="369" name="Google Shape;369;g35cd725ba4c_2_45"/>
+            <p:cNvPicPr preferRelativeResize="0"/>
+            <p:nvPr/>
+          </p:nvPicPr>
+          <p:blipFill rotWithShape="1">
+            <a:blip r:embed="rId6">
+              <a:alphaModFix/>
+            </a:blip>
+            <a:srcRect b="0" l="0" r="0" t="0"/>
+            <a:stretch/>
+          </p:blipFill>
+          <p:spPr>
+            <a:xfrm>
+              <a:off x="11076036" y="1948577"/>
+              <a:ext cx="712542" cy="712542"/>
+            </a:xfrm>
+            <a:prstGeom prst="rect">
+              <a:avLst/>
+            </a:prstGeom>
+            <a:noFill/>
+            <a:ln>
+              <a:noFill/>
+            </a:ln>
+          </p:spPr>
+        </p:pic>
+        <p:grpSp>
+          <p:nvGrpSpPr>
+            <p:cNvPr id="370" name="Google Shape;370;g35cd725ba4c_2_45"/>
+            <p:cNvGrpSpPr/>
+            <p:nvPr/>
+          </p:nvGrpSpPr>
+          <p:grpSpPr>
+            <a:xfrm>
+              <a:off x="8436431" y="2765212"/>
+              <a:ext cx="2885536" cy="1406371"/>
+              <a:chOff x="8468265" y="1100880"/>
+              <a:chExt cx="2885536" cy="1406371"/>
+            </a:xfrm>
+          </p:grpSpPr>
+          <p:grpSp>
+            <p:nvGrpSpPr>
+              <p:cNvPr id="371" name="Google Shape;371;g35cd725ba4c_2_45"/>
+              <p:cNvGrpSpPr/>
+              <p:nvPr/>
+            </p:nvGrpSpPr>
+            <p:grpSpPr>
+              <a:xfrm>
+                <a:off x="8835942" y="1317172"/>
+                <a:ext cx="1360093" cy="1190079"/>
+                <a:chOff x="8835942" y="1317172"/>
+                <a:chExt cx="1360093" cy="1190079"/>
+              </a:xfrm>
+            </p:grpSpPr>
+            <p:pic>
+              <p:nvPicPr>
+                <p:cNvPr id="372" name="Google Shape;372;g35cd725ba4c_2_45"/>
+                <p:cNvPicPr preferRelativeResize="0"/>
+                <p:nvPr/>
+              </p:nvPicPr>
+              <p:blipFill rotWithShape="1">
+                <a:blip r:embed="rId4">
+                  <a:alphaModFix/>
+                </a:blip>
+                <a:srcRect b="0" l="0" r="0" t="0"/>
+                <a:stretch/>
+              </p:blipFill>
+              <p:spPr>
+                <a:xfrm>
+                  <a:off x="8835942" y="1317172"/>
+                  <a:ext cx="1251236" cy="1190079"/>
+                </a:xfrm>
+                <a:prstGeom prst="rect">
+                  <a:avLst/>
+                </a:prstGeom>
+                <a:noFill/>
+                <a:ln>
+                  <a:noFill/>
+                </a:ln>
+              </p:spPr>
+            </p:pic>
+            <p:sp>
+              <p:nvSpPr>
+                <p:cNvPr id="373" name="Google Shape;373;g35cd725ba4c_2_45"/>
+                <p:cNvSpPr txBox="1"/>
+                <p:nvPr/>
+              </p:nvSpPr>
+              <p:spPr>
+                <a:xfrm>
+                  <a:off x="8980208" y="1635060"/>
+                  <a:ext cx="1215827" cy="307736"/>
+                </a:xfrm>
+                <a:prstGeom prst="rect">
+                  <a:avLst/>
+                </a:prstGeom>
+                <a:noFill/>
+                <a:ln>
+                  <a:noFill/>
+                </a:ln>
+              </p:spPr>
+              <p:txBody>
+                <a:bodyPr anchorCtr="0" anchor="t" bIns="45700" lIns="91425" spcFirstLastPara="1" rIns="91425" wrap="square" tIns="45700">
+                  <a:spAutoFit/>
+                </a:bodyPr>
+                <a:lstStyle/>
+                <a:p>
+                  <a:pPr indent="0" lvl="0" marL="0" marR="0" rtl="0" algn="ctr">
+                    <a:lnSpc>
+                      <a:spcPct val="100000"/>
+                    </a:lnSpc>
+                    <a:spcBef>
+                      <a:spcPts val="0"/>
+                    </a:spcBef>
+                    <a:spcAft>
+                      <a:spcPts val="0"/>
+                    </a:spcAft>
+                    <a:buClr>
+                      <a:srgbClr val="000000"/>
+                    </a:buClr>
+                    <a:buSzPts val="1400"/>
+                    <a:buFont typeface="Arial"/>
+                    <a:buNone/>
+                  </a:pPr>
+                  <a:r>
+                    <a:rPr b="1" i="0" lang="en-US" sz="1400" u="none" cap="none" strike="noStrike">
+                      <a:solidFill>
+                        <a:srgbClr val="121C29"/>
+                      </a:solidFill>
+                      <a:latin typeface="Space Grotesk"/>
+                      <a:ea typeface="Space Grotesk"/>
+                      <a:cs typeface="Space Grotesk"/>
+                      <a:sym typeface="Space Grotesk"/>
+                    </a:rPr>
+                    <a:t>Agent</a:t>
+                  </a:r>
+                  <a:endParaRPr b="1" i="0" sz="1400" u="none" cap="none" strike="noStrike">
+                    <a:solidFill>
+                      <a:srgbClr val="121C29"/>
+                    </a:solidFill>
+                    <a:latin typeface="Space Grotesk"/>
+                    <a:ea typeface="Space Grotesk"/>
+                    <a:cs typeface="Space Grotesk"/>
+                    <a:sym typeface="Space Grotesk"/>
+                  </a:endParaRPr>
+                </a:p>
+              </p:txBody>
+            </p:sp>
+          </p:grpSp>
+          <p:grpSp>
+            <p:nvGrpSpPr>
+              <p:cNvPr id="374" name="Google Shape;374;g35cd725ba4c_2_45"/>
+              <p:cNvGrpSpPr/>
+              <p:nvPr/>
+            </p:nvGrpSpPr>
+            <p:grpSpPr>
+              <a:xfrm>
+                <a:off x="10185149" y="1396676"/>
+                <a:ext cx="950937" cy="883572"/>
+                <a:chOff x="6682327" y="1689907"/>
+                <a:chExt cx="1440000" cy="1440000"/>
+              </a:xfrm>
+            </p:grpSpPr>
+            <p:pic>
+              <p:nvPicPr>
+                <p:cNvPr id="375" name="Google Shape;375;g35cd725ba4c_2_45"/>
+                <p:cNvPicPr preferRelativeResize="0"/>
+                <p:nvPr/>
+              </p:nvPicPr>
+              <p:blipFill rotWithShape="1">
+                <a:blip r:embed="rId5">
+                  <a:alphaModFix/>
+                </a:blip>
+                <a:srcRect b="0" l="0" r="0" t="0"/>
+                <a:stretch/>
+              </p:blipFill>
+              <p:spPr>
+                <a:xfrm>
+                  <a:off x="6682327" y="1689907"/>
+                  <a:ext cx="1440000" cy="1440000"/>
+                </a:xfrm>
+                <a:prstGeom prst="rect">
+                  <a:avLst/>
+                </a:prstGeom>
+                <a:noFill/>
+                <a:ln>
+                  <a:noFill/>
+                </a:ln>
+              </p:spPr>
+            </p:pic>
+            <p:sp>
+              <p:nvSpPr>
+                <p:cNvPr id="376" name="Google Shape;376;g35cd725ba4c_2_45"/>
+                <p:cNvSpPr txBox="1"/>
+                <p:nvPr/>
+              </p:nvSpPr>
+              <p:spPr>
+                <a:xfrm>
+                  <a:off x="6720763" y="2139506"/>
+                  <a:ext cx="1360635" cy="307735"/>
+                </a:xfrm>
+                <a:prstGeom prst="rect">
+                  <a:avLst/>
+                </a:prstGeom>
+                <a:noFill/>
+                <a:ln>
+                  <a:noFill/>
+                </a:ln>
+              </p:spPr>
+              <p:txBody>
+                <a:bodyPr anchorCtr="0" anchor="t" bIns="45700" lIns="91425" spcFirstLastPara="1" rIns="91425" wrap="square" tIns="45700">
+                  <a:spAutoFit/>
+                </a:bodyPr>
+                <a:lstStyle/>
+                <a:p>
+                  <a:pPr indent="0" lvl="0" marL="0" marR="0" rtl="0" algn="ctr">
+                    <a:lnSpc>
+                      <a:spcPct val="100000"/>
+                    </a:lnSpc>
+                    <a:spcBef>
+                      <a:spcPts val="0"/>
+                    </a:spcBef>
+                    <a:spcAft>
+                      <a:spcPts val="0"/>
+                    </a:spcAft>
+                    <a:buClr>
+                      <a:srgbClr val="000000"/>
+                    </a:buClr>
+                    <a:buSzPts val="1400"/>
+                    <a:buFont typeface="Arial"/>
+                    <a:buNone/>
+                  </a:pPr>
+                  <a:r>
+                    <a:rPr b="1" i="0" lang="en-US" sz="1400" u="none" cap="none" strike="noStrike">
+                      <a:solidFill>
+                        <a:schemeClr val="dk1"/>
+                      </a:solidFill>
+                      <a:latin typeface="Space Grotesk"/>
+                      <a:ea typeface="Space Grotesk"/>
+                      <a:cs typeface="Space Grotesk"/>
+                      <a:sym typeface="Space Grotesk"/>
+                    </a:rPr>
+                    <a:t>State store</a:t>
+                  </a:r>
+                  <a:endParaRPr b="1" i="0" sz="1400" u="none" cap="none" strike="noStrike">
+                    <a:solidFill>
+                      <a:schemeClr val="dk1"/>
+                    </a:solidFill>
+                    <a:latin typeface="Space Grotesk"/>
+                    <a:ea typeface="Space Grotesk"/>
+                    <a:cs typeface="Space Grotesk"/>
+                    <a:sym typeface="Space Grotesk"/>
+                  </a:endParaRPr>
+                </a:p>
+              </p:txBody>
+            </p:sp>
+          </p:grpSp>
+          <p:sp>
+            <p:nvSpPr>
+              <p:cNvPr id="377" name="Google Shape;377;g35cd725ba4c_2_45"/>
+              <p:cNvSpPr/>
+              <p:nvPr/>
+            </p:nvSpPr>
+            <p:spPr>
+              <a:xfrm>
+                <a:off x="8468265" y="1100880"/>
+                <a:ext cx="2885536" cy="1406371"/>
+              </a:xfrm>
+              <a:prstGeom prst="roundRect">
+                <a:avLst>
+                  <a:gd fmla="val 10417" name="adj"/>
+                </a:avLst>
+              </a:prstGeom>
+              <a:noFill/>
+              <a:ln cap="flat" cmpd="sng" w="19050">
+                <a:solidFill>
+                  <a:schemeClr val="accent2"/>
+                </a:solidFill>
+                <a:prstDash val="dash"/>
+                <a:round/>
+                <a:headEnd len="sm" w="sm" type="none"/>
+                <a:tailEnd len="sm" w="sm" type="none"/>
+              </a:ln>
+            </p:spPr>
+            <p:txBody>
+              <a:bodyPr anchorCtr="0" anchor="ctr" bIns="45700" lIns="91425" spcFirstLastPara="1" rIns="91425" wrap="square" tIns="45700">
+                <a:noAutofit/>
+              </a:bodyPr>
+              <a:lstStyle/>
+              <a:p>
+                <a:pPr indent="0" lvl="0" marL="0" marR="0" rtl="0" algn="ctr">
+                  <a:lnSpc>
+                    <a:spcPct val="100000"/>
+                  </a:lnSpc>
+                  <a:spcBef>
+                    <a:spcPts val="0"/>
+                  </a:spcBef>
+                  <a:spcAft>
+                    <a:spcPts val="0"/>
+                  </a:spcAft>
+                  <a:buNone/>
+                </a:pPr>
+                <a:r>
+                  <a:t/>
+                </a:r>
+                <a:endParaRPr b="0" i="0" sz="1400" u="none" cap="none" strike="noStrike">
+                  <a:solidFill>
+                    <a:schemeClr val="lt1"/>
+                  </a:solidFill>
+                  <a:latin typeface="Space Grotesk"/>
+                  <a:ea typeface="Space Grotesk"/>
+                  <a:cs typeface="Space Grotesk"/>
+                  <a:sym typeface="Space Grotesk"/>
+                </a:endParaRPr>
+              </a:p>
+            </p:txBody>
+          </p:sp>
+        </p:grpSp>
+        <p:grpSp>
+          <p:nvGrpSpPr>
+            <p:cNvPr id="378" name="Google Shape;378;g35cd725ba4c_2_45"/>
+            <p:cNvGrpSpPr/>
+            <p:nvPr/>
+          </p:nvGrpSpPr>
+          <p:grpSpPr>
+            <a:xfrm>
+              <a:off x="8435609" y="4387875"/>
+              <a:ext cx="2885536" cy="1406371"/>
+              <a:chOff x="8468265" y="1100880"/>
+              <a:chExt cx="2885536" cy="1406371"/>
+            </a:xfrm>
+          </p:grpSpPr>
+          <p:grpSp>
+            <p:nvGrpSpPr>
+              <p:cNvPr id="379" name="Google Shape;379;g35cd725ba4c_2_45"/>
+              <p:cNvGrpSpPr/>
+              <p:nvPr/>
+            </p:nvGrpSpPr>
+            <p:grpSpPr>
+              <a:xfrm>
+                <a:off x="8835942" y="1317172"/>
+                <a:ext cx="1360093" cy="1190079"/>
+                <a:chOff x="8835942" y="1317172"/>
+                <a:chExt cx="1360093" cy="1190079"/>
+              </a:xfrm>
+            </p:grpSpPr>
+            <p:pic>
+              <p:nvPicPr>
+                <p:cNvPr id="380" name="Google Shape;380;g35cd725ba4c_2_45"/>
+                <p:cNvPicPr preferRelativeResize="0"/>
+                <p:nvPr/>
+              </p:nvPicPr>
+              <p:blipFill rotWithShape="1">
+                <a:blip r:embed="rId4">
+                  <a:alphaModFix/>
+                </a:blip>
+                <a:srcRect b="0" l="0" r="0" t="0"/>
+                <a:stretch/>
+              </p:blipFill>
+              <p:spPr>
+                <a:xfrm>
+                  <a:off x="8835942" y="1317172"/>
+                  <a:ext cx="1251236" cy="1190079"/>
+                </a:xfrm>
+                <a:prstGeom prst="rect">
+                  <a:avLst/>
+                </a:prstGeom>
+                <a:noFill/>
+                <a:ln>
+                  <a:noFill/>
+                </a:ln>
+              </p:spPr>
+            </p:pic>
+            <p:sp>
+              <p:nvSpPr>
+                <p:cNvPr id="381" name="Google Shape;381;g35cd725ba4c_2_45"/>
+                <p:cNvSpPr txBox="1"/>
+                <p:nvPr/>
+              </p:nvSpPr>
+              <p:spPr>
+                <a:xfrm>
+                  <a:off x="8980208" y="1635060"/>
+                  <a:ext cx="1215827" cy="307736"/>
+                </a:xfrm>
+                <a:prstGeom prst="rect">
+                  <a:avLst/>
+                </a:prstGeom>
+                <a:noFill/>
+                <a:ln>
+                  <a:noFill/>
+                </a:ln>
+              </p:spPr>
+              <p:txBody>
+                <a:bodyPr anchorCtr="0" anchor="t" bIns="45700" lIns="91425" spcFirstLastPara="1" rIns="91425" wrap="square" tIns="45700">
+                  <a:spAutoFit/>
+                </a:bodyPr>
+                <a:lstStyle/>
+                <a:p>
+                  <a:pPr indent="0" lvl="0" marL="0" marR="0" rtl="0" algn="ctr">
+                    <a:lnSpc>
+                      <a:spcPct val="100000"/>
+                    </a:lnSpc>
+                    <a:spcBef>
+                      <a:spcPts val="0"/>
+                    </a:spcBef>
+                    <a:spcAft>
+                      <a:spcPts val="0"/>
+                    </a:spcAft>
+                    <a:buClr>
+                      <a:srgbClr val="000000"/>
+                    </a:buClr>
+                    <a:buSzPts val="1400"/>
+                    <a:buFont typeface="Arial"/>
+                    <a:buNone/>
+                  </a:pPr>
+                  <a:r>
+                    <a:rPr b="1" i="0" lang="en-US" sz="1400" u="none" cap="none" strike="noStrike">
+                      <a:solidFill>
+                        <a:srgbClr val="121C29"/>
+                      </a:solidFill>
+                      <a:latin typeface="Space Grotesk"/>
+                      <a:ea typeface="Space Grotesk"/>
+                      <a:cs typeface="Space Grotesk"/>
+                      <a:sym typeface="Space Grotesk"/>
+                    </a:rPr>
+                    <a:t>Agent</a:t>
+                  </a:r>
+                  <a:endParaRPr b="1" i="0" sz="1400" u="none" cap="none" strike="noStrike">
+                    <a:solidFill>
+                      <a:srgbClr val="121C29"/>
+                    </a:solidFill>
+                    <a:latin typeface="Space Grotesk"/>
+                    <a:ea typeface="Space Grotesk"/>
+                    <a:cs typeface="Space Grotesk"/>
+                    <a:sym typeface="Space Grotesk"/>
+                  </a:endParaRPr>
+                </a:p>
+              </p:txBody>
+            </p:sp>
+          </p:grpSp>
+          <p:grpSp>
+            <p:nvGrpSpPr>
+              <p:cNvPr id="382" name="Google Shape;382;g35cd725ba4c_2_45"/>
+              <p:cNvGrpSpPr/>
+              <p:nvPr/>
+            </p:nvGrpSpPr>
+            <p:grpSpPr>
+              <a:xfrm>
+                <a:off x="10185149" y="1396676"/>
+                <a:ext cx="950937" cy="883572"/>
+                <a:chOff x="6682327" y="1689907"/>
+                <a:chExt cx="1440000" cy="1440000"/>
+              </a:xfrm>
+            </p:grpSpPr>
+            <p:pic>
+              <p:nvPicPr>
+                <p:cNvPr id="383" name="Google Shape;383;g35cd725ba4c_2_45"/>
+                <p:cNvPicPr preferRelativeResize="0"/>
+                <p:nvPr/>
+              </p:nvPicPr>
+              <p:blipFill rotWithShape="1">
+                <a:blip r:embed="rId5">
+                  <a:alphaModFix/>
+                </a:blip>
+                <a:srcRect b="0" l="0" r="0" t="0"/>
+                <a:stretch/>
+              </p:blipFill>
+              <p:spPr>
+                <a:xfrm>
+                  <a:off x="6682327" y="1689907"/>
+                  <a:ext cx="1440000" cy="1440000"/>
+                </a:xfrm>
+                <a:prstGeom prst="rect">
+                  <a:avLst/>
+                </a:prstGeom>
+                <a:noFill/>
+                <a:ln>
+                  <a:noFill/>
+                </a:ln>
+              </p:spPr>
+            </p:pic>
+            <p:sp>
+              <p:nvSpPr>
+                <p:cNvPr id="384" name="Google Shape;384;g35cd725ba4c_2_45"/>
+                <p:cNvSpPr txBox="1"/>
+                <p:nvPr/>
+              </p:nvSpPr>
+              <p:spPr>
+                <a:xfrm>
+                  <a:off x="6722008" y="2167209"/>
+                  <a:ext cx="1360635" cy="307735"/>
+                </a:xfrm>
+                <a:prstGeom prst="rect">
+                  <a:avLst/>
+                </a:prstGeom>
+                <a:noFill/>
+                <a:ln>
+                  <a:noFill/>
+                </a:ln>
+              </p:spPr>
+              <p:txBody>
+                <a:bodyPr anchorCtr="0" anchor="t" bIns="45700" lIns="91425" spcFirstLastPara="1" rIns="91425" wrap="square" tIns="45700">
+                  <a:spAutoFit/>
+                </a:bodyPr>
+                <a:lstStyle/>
+                <a:p>
+                  <a:pPr indent="0" lvl="0" marL="0" marR="0" rtl="0" algn="ctr">
+                    <a:lnSpc>
+                      <a:spcPct val="100000"/>
+                    </a:lnSpc>
+                    <a:spcBef>
+                      <a:spcPts val="0"/>
+                    </a:spcBef>
+                    <a:spcAft>
+                      <a:spcPts val="0"/>
+                    </a:spcAft>
+                    <a:buClr>
+                      <a:srgbClr val="000000"/>
+                    </a:buClr>
+                    <a:buSzPts val="1400"/>
+                    <a:buFont typeface="Arial"/>
+                    <a:buNone/>
+                  </a:pPr>
+                  <a:r>
+                    <a:rPr b="1" i="0" lang="en-US" sz="1400" u="none" cap="none" strike="noStrike">
+                      <a:solidFill>
+                        <a:schemeClr val="dk1"/>
+                      </a:solidFill>
+                      <a:latin typeface="Space Grotesk"/>
+                      <a:ea typeface="Space Grotesk"/>
+                      <a:cs typeface="Space Grotesk"/>
+                      <a:sym typeface="Space Grotesk"/>
+                    </a:rPr>
+                    <a:t>State store</a:t>
+                  </a:r>
+                  <a:endParaRPr b="1" i="0" sz="1400" u="none" cap="none" strike="noStrike">
+                    <a:solidFill>
+                      <a:schemeClr val="dk1"/>
+                    </a:solidFill>
+                    <a:latin typeface="Space Grotesk"/>
+                    <a:ea typeface="Space Grotesk"/>
+                    <a:cs typeface="Space Grotesk"/>
+                    <a:sym typeface="Space Grotesk"/>
+                  </a:endParaRPr>
+                </a:p>
+              </p:txBody>
+            </p:sp>
+          </p:grpSp>
+          <p:sp>
+            <p:nvSpPr>
+              <p:cNvPr id="385" name="Google Shape;385;g35cd725ba4c_2_45"/>
+              <p:cNvSpPr/>
+              <p:nvPr/>
+            </p:nvSpPr>
+            <p:spPr>
+              <a:xfrm>
+                <a:off x="8468265" y="1100880"/>
+                <a:ext cx="2885536" cy="1406371"/>
+              </a:xfrm>
+              <a:prstGeom prst="roundRect">
+                <a:avLst>
+                  <a:gd fmla="val 10417" name="adj"/>
+                </a:avLst>
+              </a:prstGeom>
+              <a:noFill/>
+              <a:ln cap="flat" cmpd="sng" w="19050">
+                <a:solidFill>
+                  <a:schemeClr val="accent2"/>
+                </a:solidFill>
+                <a:prstDash val="dash"/>
+                <a:round/>
+                <a:headEnd len="sm" w="sm" type="none"/>
+                <a:tailEnd len="sm" w="sm" type="none"/>
+              </a:ln>
+            </p:spPr>
+            <p:txBody>
+              <a:bodyPr anchorCtr="0" anchor="ctr" bIns="45700" lIns="91425" spcFirstLastPara="1" rIns="91425" wrap="square" tIns="45700">
+                <a:noAutofit/>
+              </a:bodyPr>
+              <a:lstStyle/>
+              <a:p>
+                <a:pPr indent="0" lvl="0" marL="0" marR="0" rtl="0" algn="ctr">
+                  <a:lnSpc>
+                    <a:spcPct val="100000"/>
+                  </a:lnSpc>
+                  <a:spcBef>
+                    <a:spcPts val="0"/>
+                  </a:spcBef>
+                  <a:spcAft>
+                    <a:spcPts val="0"/>
+                  </a:spcAft>
+                  <a:buNone/>
+                </a:pPr>
+                <a:r>
+                  <a:t/>
+                </a:r>
+                <a:endParaRPr b="0" i="0" sz="1400" u="none" cap="none" strike="noStrike">
+                  <a:solidFill>
+                    <a:schemeClr val="lt1"/>
+                  </a:solidFill>
+                  <a:latin typeface="Space Grotesk"/>
+                  <a:ea typeface="Space Grotesk"/>
+                  <a:cs typeface="Space Grotesk"/>
+                  <a:sym typeface="Space Grotesk"/>
+                </a:endParaRPr>
+              </a:p>
+            </p:txBody>
+          </p:sp>
+        </p:grpSp>
+        <p:pic>
+          <p:nvPicPr>
+            <p:cNvPr descr="Legolas elf emoji | AI Emoji Generator" id="386" name="Google Shape;386;g35cd725ba4c_2_45"/>
+            <p:cNvPicPr preferRelativeResize="0"/>
+            <p:nvPr/>
+          </p:nvPicPr>
+          <p:blipFill rotWithShape="1">
+            <a:blip r:embed="rId7">
+              <a:alphaModFix/>
+            </a:blip>
+            <a:srcRect b="0" l="0" r="0" t="0"/>
+            <a:stretch/>
+          </p:blipFill>
+          <p:spPr>
+            <a:xfrm flipH="1">
+              <a:off x="11050470" y="3594841"/>
+              <a:ext cx="623808" cy="623808"/>
+            </a:xfrm>
+            <a:prstGeom prst="rect">
+              <a:avLst/>
+            </a:prstGeom>
+            <a:noFill/>
+            <a:ln>
+              <a:noFill/>
+            </a:ln>
+          </p:spPr>
+        </p:pic>
+        <p:pic>
+          <p:nvPicPr>
+            <p:cNvPr descr="Hobbit emoji | AI Emoji Generator" id="387" name="Google Shape;387;g35cd725ba4c_2_45"/>
+            <p:cNvPicPr preferRelativeResize="0"/>
+            <p:nvPr/>
+          </p:nvPicPr>
+          <p:blipFill rotWithShape="1">
+            <a:blip r:embed="rId8">
+              <a:alphaModFix/>
+            </a:blip>
+            <a:srcRect b="0" l="0" r="0" t="0"/>
+            <a:stretch/>
+          </p:blipFill>
+          <p:spPr>
+            <a:xfrm>
+              <a:off x="11013860" y="5409206"/>
+              <a:ext cx="680836" cy="680836"/>
+            </a:xfrm>
+            <a:prstGeom prst="rect">
+              <a:avLst/>
+            </a:prstGeom>
+            <a:noFill/>
+            <a:ln>
+              <a:noFill/>
+            </a:ln>
+          </p:spPr>
+        </p:pic>
+      </p:grpSp>
+      <p:sp>
+        <p:nvSpPr>
+          <p:cNvPr id="388" name="Google Shape;388;g35cd725ba4c_2_45"/>
+          <p:cNvSpPr/>
+          <p:nvPr/>
+        </p:nvSpPr>
+        <p:spPr>
+          <a:xfrm>
+            <a:off x="1332824" y="4275185"/>
+            <a:ext cx="1561878" cy="343603"/>
+          </a:xfrm>
+          <a:prstGeom prst="roundRect">
+            <a:avLst>
+              <a:gd fmla="val 30559" name="adj"/>
+            </a:avLst>
+          </a:prstGeom>
+          <a:solidFill>
+            <a:schemeClr val="lt1"/>
+          </a:solidFill>
+          <a:ln cap="flat" cmpd="sng" w="19050">
+            <a:solidFill>
+              <a:schemeClr val="accent2"/>
+            </a:solidFill>
+            <a:prstDash val="solid"/>
+            <a:round/>
+            <a:headEnd len="sm" w="sm" type="none"/>
+            <a:tailEnd len="sm" w="sm" type="none"/>
+          </a:ln>
+        </p:spPr>
+        <p:txBody>
+          <a:bodyPr anchorCtr="0" anchor="ctr" bIns="45700" lIns="91425" spcFirstLastPara="1" rIns="91425" wrap="square" tIns="45700">
+            <a:noAutofit/>
+          </a:bodyPr>
+          <a:lstStyle/>
+          <a:p>
+            <a:pPr indent="0" lvl="0" marL="0" marR="0" rtl="0" algn="ctr">
+              <a:lnSpc>
+                <a:spcPct val="100000"/>
+              </a:lnSpc>
+              <a:spcBef>
+                <a:spcPts val="0"/>
+              </a:spcBef>
+              <a:spcAft>
+                <a:spcPts val="0"/>
+              </a:spcAft>
+              <a:buClr>
+                <a:srgbClr val="000000"/>
+              </a:buClr>
+              <a:buSzPts val="1400"/>
+              <a:buFont typeface="Arial"/>
+              <a:buNone/>
+            </a:pPr>
+            <a:r>
+              <a:t/>
+            </a:r>
+            <a:endParaRPr b="0" i="0" sz="1400" u="none" cap="none" strike="noStrike">
+              <a:solidFill>
+                <a:schemeClr val="lt1"/>
+              </a:solidFill>
+              <a:latin typeface="Space Grotesk"/>
+              <a:ea typeface="Space Grotesk"/>
+              <a:cs typeface="Space Grotesk"/>
+              <a:sym typeface="Space Grotesk"/>
+            </a:endParaRPr>
+          </a:p>
+        </p:txBody>
+      </p:sp>
+      <p:sp>
+        <p:nvSpPr>
+          <p:cNvPr id="389" name="Google Shape;389;g35cd725ba4c_2_45"/>
+          <p:cNvSpPr txBox="1"/>
+          <p:nvPr/>
+        </p:nvSpPr>
+        <p:spPr>
+          <a:xfrm>
+            <a:off x="1496174" y="4293118"/>
+            <a:ext cx="1341718" cy="307736"/>
+          </a:xfrm>
+          <a:prstGeom prst="rect">
+            <a:avLst/>
+          </a:prstGeom>
+          <a:noFill/>
+          <a:ln>
+            <a:noFill/>
+          </a:ln>
+        </p:spPr>
+        <p:txBody>
+          <a:bodyPr anchorCtr="0" anchor="t" bIns="45700" lIns="91425" spcFirstLastPara="1" rIns="91425" wrap="square" tIns="45700">
+            <a:spAutoFit/>
+          </a:bodyPr>
+          <a:lstStyle/>
+          <a:p>
+            <a:pPr indent="0" lvl="0" marL="0" marR="0" rtl="0" algn="ctr">
+              <a:lnSpc>
+                <a:spcPct val="100000"/>
+              </a:lnSpc>
+              <a:spcBef>
+                <a:spcPts val="0"/>
+              </a:spcBef>
+              <a:spcAft>
+                <a:spcPts val="0"/>
+              </a:spcAft>
+              <a:buClr>
+                <a:srgbClr val="000000"/>
+              </a:buClr>
+              <a:buSzPts val="1400"/>
+              <a:buFont typeface="Arial"/>
+              <a:buNone/>
+            </a:pPr>
+            <a:r>
+              <a:rPr b="0" i="0" lang="en-US" sz="1400" u="none" cap="none" strike="noStrike">
+                <a:solidFill>
+                  <a:srgbClr val="121C29"/>
+                </a:solidFill>
+                <a:latin typeface="Space Grotesk"/>
+                <a:ea typeface="Space Grotesk"/>
+                <a:cs typeface="Space Grotesk"/>
+                <a:sym typeface="Space Grotesk"/>
+              </a:rPr>
+              <a:t>Orchestrator</a:t>
+            </a:r>
+            <a:endParaRPr b="0" i="0" sz="1400" u="none" cap="none" strike="noStrike">
+              <a:solidFill>
+                <a:srgbClr val="121C29"/>
+              </a:solidFill>
+              <a:latin typeface="Space Grotesk"/>
+              <a:ea typeface="Space Grotesk"/>
+              <a:cs typeface="Space Grotesk"/>
+              <a:sym typeface="Space Grotesk"/>
+            </a:endParaRPr>
+          </a:p>
+        </p:txBody>
+      </p:sp>
+      <p:pic>
+        <p:nvPicPr>
+          <p:cNvPr id="390" name="Google Shape;390;g35cd725ba4c_2_45"/>
+          <p:cNvPicPr preferRelativeResize="0"/>
+          <p:nvPr/>
+        </p:nvPicPr>
+        <p:blipFill rotWithShape="1">
+          <a:blip r:embed="rId9">
+            <a:alphaModFix/>
+          </a:blip>
+          <a:srcRect b="0" l="0" r="0" t="0"/>
+          <a:stretch/>
+        </p:blipFill>
+        <p:spPr>
+          <a:xfrm>
+            <a:off x="7988293" y="1469871"/>
+            <a:ext cx="639629" cy="646290"/>
+          </a:xfrm>
+          <a:prstGeom prst="rect">
+            <a:avLst/>
+          </a:prstGeom>
+          <a:noFill/>
+          <a:ln>
+            <a:noFill/>
+          </a:ln>
+        </p:spPr>
+      </p:pic>
+      <p:pic>
+        <p:nvPicPr>
+          <p:cNvPr id="391" name="Google Shape;391;g35cd725ba4c_2_45"/>
+          <p:cNvPicPr preferRelativeResize="0"/>
+          <p:nvPr/>
+        </p:nvPicPr>
+        <p:blipFill rotWithShape="1">
+          <a:blip r:embed="rId9">
+            <a:alphaModFix/>
+          </a:blip>
+          <a:srcRect b="0" l="0" r="0" t="0"/>
+          <a:stretch/>
+        </p:blipFill>
+        <p:spPr>
+          <a:xfrm>
+            <a:off x="7978386" y="2763529"/>
+            <a:ext cx="639629" cy="646290"/>
+          </a:xfrm>
+          <a:prstGeom prst="rect">
+            <a:avLst/>
+          </a:prstGeom>
+          <a:noFill/>
+          <a:ln>
+            <a:noFill/>
+          </a:ln>
+        </p:spPr>
+      </p:pic>
+      <p:pic>
+        <p:nvPicPr>
+          <p:cNvPr id="392" name="Google Shape;392;g35cd725ba4c_2_45"/>
+          <p:cNvPicPr preferRelativeResize="0"/>
+          <p:nvPr/>
+        </p:nvPicPr>
+        <p:blipFill rotWithShape="1">
+          <a:blip r:embed="rId9">
+            <a:alphaModFix/>
+          </a:blip>
+          <a:srcRect b="0" l="0" r="0" t="0"/>
+          <a:stretch/>
+        </p:blipFill>
+        <p:spPr>
+          <a:xfrm>
+            <a:off x="7988292" y="4183714"/>
+            <a:ext cx="639629" cy="646290"/>
+          </a:xfrm>
+          <a:prstGeom prst="rect">
+            <a:avLst/>
+          </a:prstGeom>
+          <a:noFill/>
+          <a:ln>
+            <a:noFill/>
+          </a:ln>
+        </p:spPr>
+      </p:pic>
+      <p:pic>
+        <p:nvPicPr>
+          <p:cNvPr id="393" name="Google Shape;393;g35cd725ba4c_2_45"/>
+          <p:cNvPicPr preferRelativeResize="0"/>
+          <p:nvPr/>
+        </p:nvPicPr>
+        <p:blipFill rotWithShape="1">
+          <a:blip r:embed="rId9">
+            <a:alphaModFix/>
+          </a:blip>
+          <a:srcRect b="0" l="0" r="0" t="0"/>
+          <a:stretch/>
+        </p:blipFill>
+        <p:spPr>
+          <a:xfrm>
+            <a:off x="4211405" y="5086061"/>
+            <a:ext cx="639629" cy="646290"/>
+          </a:xfrm>
+          <a:prstGeom prst="rect">
+            <a:avLst/>
+          </a:prstGeom>
+          <a:noFill/>
+          <a:ln>
+            <a:noFill/>
+          </a:ln>
+        </p:spPr>
+      </p:pic>
+      <p:pic>
+        <p:nvPicPr>
+          <p:cNvPr id="394" name="Google Shape;394;g35cd725ba4c_2_45"/>
+          <p:cNvPicPr preferRelativeResize="0"/>
+          <p:nvPr/>
+        </p:nvPicPr>
+        <p:blipFill rotWithShape="1">
+          <a:blip r:embed="rId10">
+            <a:alphaModFix/>
+          </a:blip>
+          <a:srcRect b="0" l="0" r="0" t="0"/>
+          <a:stretch/>
+        </p:blipFill>
+        <p:spPr>
+          <a:xfrm>
+            <a:off x="1243115" y="1680913"/>
+            <a:ext cx="731520" cy="731520"/>
+          </a:xfrm>
+          <a:prstGeom prst="rect">
+            <a:avLst/>
+          </a:prstGeom>
+          <a:noFill/>
+          <a:ln>
+            <a:noFill/>
+          </a:ln>
+        </p:spPr>
+      </p:pic>
+      <p:sp>
+        <p:nvSpPr>
+          <p:cNvPr id="395" name="Google Shape;395;g35cd725ba4c_2_45"/>
+          <p:cNvSpPr txBox="1"/>
+          <p:nvPr/>
+        </p:nvSpPr>
+        <p:spPr>
+          <a:xfrm>
+            <a:off x="1032126" y="2336233"/>
+            <a:ext cx="1153500" cy="400200"/>
+          </a:xfrm>
+          <a:prstGeom prst="rect">
+            <a:avLst/>
+          </a:prstGeom>
+          <a:noFill/>
+          <a:ln>
+            <a:noFill/>
+          </a:ln>
+        </p:spPr>
+        <p:txBody>
+          <a:bodyPr anchorCtr="0" anchor="t" bIns="91425" lIns="91425" spcFirstLastPara="1" rIns="91425" wrap="square" tIns="91425">
+            <a:spAutoFit/>
+          </a:bodyPr>
+          <a:lstStyle/>
+          <a:p>
+            <a:pPr indent="0" lvl="0" marL="0" marR="0" rtl="0" algn="ctr">
+              <a:lnSpc>
+                <a:spcPct val="100000"/>
+              </a:lnSpc>
+              <a:spcBef>
+                <a:spcPts val="0"/>
+              </a:spcBef>
+              <a:spcAft>
+                <a:spcPts val="0"/>
+              </a:spcAft>
+              <a:buClr>
+                <a:srgbClr val="000000"/>
+              </a:buClr>
+              <a:buSzPts val="1400"/>
+              <a:buFont typeface="Arial"/>
+              <a:buNone/>
+            </a:pPr>
+            <a:r>
+              <a:rPr b="0" i="0" lang="en-US" sz="1400" u="none" cap="none" strike="noStrike">
+                <a:solidFill>
+                  <a:schemeClr val="dk1"/>
+                </a:solidFill>
+                <a:latin typeface="Space Grotesk Light"/>
+                <a:ea typeface="Space Grotesk Light"/>
+                <a:cs typeface="Space Grotesk Light"/>
+                <a:sym typeface="Space Grotesk Light"/>
+              </a:rPr>
+              <a:t>User</a:t>
+            </a:r>
+            <a:endParaRPr b="0" i="0" sz="1400" u="none" cap="none" strike="noStrike">
+              <a:solidFill>
+                <a:schemeClr val="dk1"/>
+              </a:solidFill>
+              <a:latin typeface="Space Grotesk Light"/>
+              <a:ea typeface="Space Grotesk Light"/>
+              <a:cs typeface="Space Grotesk Light"/>
+              <a:sym typeface="Space Grotesk Light"/>
+            </a:endParaRPr>
+          </a:p>
+        </p:txBody>
+      </p:sp>
+      <p:sp>
+        <p:nvSpPr>
+          <p:cNvPr id="396" name="Google Shape;396;g35cd725ba4c_2_45"/>
+          <p:cNvSpPr txBox="1"/>
+          <p:nvPr/>
+        </p:nvSpPr>
+        <p:spPr>
+          <a:xfrm>
+            <a:off x="2019386" y="1952382"/>
+            <a:ext cx="2799733" cy="451406"/>
+          </a:xfrm>
+          <a:prstGeom prst="rect">
+            <a:avLst/>
+          </a:prstGeom>
+          <a:noFill/>
+          <a:ln>
+            <a:noFill/>
+          </a:ln>
+        </p:spPr>
+        <p:txBody>
+          <a:bodyPr anchorCtr="0" anchor="t" bIns="45700" lIns="91425" spcFirstLastPara="1" rIns="91425" wrap="square" tIns="45700">
+            <a:spAutoFit/>
+          </a:bodyPr>
+          <a:lstStyle/>
+          <a:p>
+            <a:pPr indent="0" lvl="0" marL="0" marR="0" rtl="0" algn="l">
+              <a:lnSpc>
+                <a:spcPct val="96428"/>
+              </a:lnSpc>
+              <a:spcBef>
+                <a:spcPts val="0"/>
+              </a:spcBef>
+              <a:spcAft>
+                <a:spcPts val="0"/>
+              </a:spcAft>
+              <a:buNone/>
+            </a:pPr>
+            <a:r>
+              <a:rPr b="0" i="0" lang="en-US" sz="1400" u="none" cap="none" strike="noStrike">
+                <a:solidFill>
+                  <a:srgbClr val="CE9178"/>
+                </a:solidFill>
+                <a:latin typeface="Arial"/>
+                <a:ea typeface="Arial"/>
+                <a:cs typeface="Arial"/>
+                <a:sym typeface="Arial"/>
+              </a:rPr>
+              <a:t>How to get to Mordor? </a:t>
+            </a:r>
+            <a:br>
+              <a:rPr b="0" i="0" lang="en-US" sz="1400" u="none" cap="none" strike="noStrike">
+                <a:solidFill>
+                  <a:srgbClr val="CE9178"/>
+                </a:solidFill>
+                <a:latin typeface="Arial"/>
+                <a:ea typeface="Arial"/>
+                <a:cs typeface="Arial"/>
+                <a:sym typeface="Arial"/>
+              </a:rPr>
+            </a:br>
+            <a:r>
+              <a:rPr b="0" i="0" lang="en-US" sz="1400" u="none" cap="none" strike="noStrike">
+                <a:solidFill>
+                  <a:srgbClr val="CE9178"/>
+                </a:solidFill>
+                <a:latin typeface="Arial"/>
+                <a:ea typeface="Arial"/>
+                <a:cs typeface="Arial"/>
+                <a:sym typeface="Arial"/>
+              </a:rPr>
+              <a:t>We all need to help!</a:t>
+            </a:r>
+            <a:endParaRPr b="0" i="0" sz="1400" u="none" cap="none" strike="noStrike">
+              <a:solidFill>
+                <a:srgbClr val="CCCCCC"/>
+              </a:solidFill>
+              <a:latin typeface="Arial"/>
+              <a:ea typeface="Arial"/>
+              <a:cs typeface="Arial"/>
+              <a:sym typeface="Arial"/>
+            </a:endParaRPr>
+          </a:p>
+        </p:txBody>
+      </p:sp>
+      <p:sp>
+        <p:nvSpPr>
+          <p:cNvPr id="397" name="Google Shape;397;g35cd725ba4c_2_45"/>
+          <p:cNvSpPr/>
+          <p:nvPr/>
+        </p:nvSpPr>
+        <p:spPr>
+          <a:xfrm>
+            <a:off x="1176480" y="1482317"/>
+            <a:ext cx="3391669" cy="1296278"/>
+          </a:xfrm>
+          <a:prstGeom prst="roundRect">
+            <a:avLst>
+              <a:gd fmla="val 10417" name="adj"/>
+            </a:avLst>
+          </a:prstGeom>
+          <a:noFill/>
+          <a:ln cap="flat" cmpd="sng" w="19050">
+            <a:solidFill>
+              <a:schemeClr val="accent2"/>
+            </a:solidFill>
+            <a:prstDash val="dash"/>
+            <a:round/>
+            <a:headEnd len="sm" w="sm" type="none"/>
+            <a:tailEnd len="sm" w="sm" type="none"/>
+          </a:ln>
+        </p:spPr>
+        <p:txBody>
+          <a:bodyPr anchorCtr="0" anchor="ctr" bIns="45700" lIns="91425" spcFirstLastPara="1" rIns="91425" wrap="square" tIns="45700">
+            <a:noAutofit/>
+          </a:bodyPr>
+          <a:lstStyle/>
+          <a:p>
+            <a:pPr indent="0" lvl="0" marL="0" marR="0" rtl="0" algn="ctr">
+              <a:lnSpc>
+                <a:spcPct val="100000"/>
+              </a:lnSpc>
+              <a:spcBef>
+                <a:spcPts val="0"/>
+              </a:spcBef>
+              <a:spcAft>
+                <a:spcPts val="0"/>
+              </a:spcAft>
+              <a:buNone/>
+            </a:pPr>
+            <a:r>
+              <a:t/>
+            </a:r>
+            <a:endParaRPr b="0" i="0" sz="1400" u="none" cap="none" strike="noStrike">
+              <a:solidFill>
+                <a:schemeClr val="lt1"/>
+              </a:solidFill>
+              <a:latin typeface="Space Grotesk"/>
+              <a:ea typeface="Space Grotesk"/>
+              <a:cs typeface="Space Grotesk"/>
+              <a:sym typeface="Space Grotesk"/>
+            </a:endParaRPr>
+          </a:p>
+        </p:txBody>
+      </p:sp>
+      <p:cxnSp>
+        <p:nvCxnSpPr>
+          <p:cNvPr id="398" name="Google Shape;398;g35cd725ba4c_2_45"/>
+          <p:cNvCxnSpPr>
+            <a:endCxn id="397" idx="3"/>
+          </p:cNvCxnSpPr>
+          <p:nvPr/>
+        </p:nvCxnSpPr>
+        <p:spPr>
+          <a:xfrm flipH="1" rot="5400000">
+            <a:off x="3448549" y="3250056"/>
+            <a:ext cx="3197700" cy="958500"/>
+          </a:xfrm>
+          <a:prstGeom prst="bentConnector2">
+            <a:avLst/>
+          </a:prstGeom>
+          <a:noFill/>
+          <a:ln cap="flat" cmpd="sng" w="19050">
+            <a:solidFill>
+              <a:schemeClr val="dk1"/>
+            </a:solidFill>
+            <a:prstDash val="solid"/>
+            <a:miter lim="800000"/>
+            <a:headEnd len="lg" w="lg" type="triangle"/>
+            <a:tailEnd len="sm" w="sm" type="none"/>
+          </a:ln>
+        </p:spPr>
+      </p:cxnSp>
+      <p:cxnSp>
+        <p:nvCxnSpPr>
+          <p:cNvPr id="399" name="Google Shape;399;g35cd725ba4c_2_45"/>
+          <p:cNvCxnSpPr>
+            <a:endCxn id="350" idx="0"/>
+          </p:cNvCxnSpPr>
+          <p:nvPr/>
+        </p:nvCxnSpPr>
+        <p:spPr>
+          <a:xfrm flipH="1">
+            <a:off x="5834772" y="2073882"/>
+            <a:ext cx="3366000" cy="3294900"/>
+          </a:xfrm>
+          <a:prstGeom prst="bentConnector2">
+            <a:avLst/>
+          </a:prstGeom>
+          <a:noFill/>
+          <a:ln cap="flat" cmpd="sng" w="19050">
+            <a:solidFill>
+              <a:schemeClr val="dk1"/>
+            </a:solidFill>
+            <a:prstDash val="solid"/>
+            <a:miter lim="800000"/>
+            <a:headEnd len="lg" w="lg" type="triangle"/>
+            <a:tailEnd len="sm" w="sm" type="none"/>
+          </a:ln>
+        </p:spPr>
+      </p:cxnSp>
+      <p:sp>
+        <p:nvSpPr>
+          <p:cNvPr id="400" name="Google Shape;400;g35cd725ba4c_2_45"/>
+          <p:cNvSpPr/>
+          <p:nvPr/>
+        </p:nvSpPr>
+        <p:spPr>
+          <a:xfrm flipH="1" rot="10800000">
+            <a:off x="2994585" y="3062015"/>
+            <a:ext cx="1888703" cy="689082"/>
+          </a:xfrm>
+          <a:prstGeom prst="wedgeRoundRectCallout">
+            <a:avLst>
+              <a:gd fmla="val -53028" name="adj1"/>
+              <a:gd fmla="val -138387" name="adj2"/>
+              <a:gd fmla="val 16667" name="adj3"/>
+            </a:avLst>
+          </a:prstGeom>
+          <a:solidFill>
+            <a:schemeClr val="lt1"/>
+          </a:solidFill>
+          <a:ln cap="flat" cmpd="sng" w="19050">
+            <a:solidFill>
+              <a:schemeClr val="accent2"/>
+            </a:solidFill>
+            <a:prstDash val="solid"/>
+            <a:round/>
+            <a:headEnd len="sm" w="sm" type="none"/>
+            <a:tailEnd len="sm" w="sm" type="none"/>
+          </a:ln>
+        </p:spPr>
+        <p:txBody>
+          <a:bodyPr anchorCtr="0" anchor="ctr" bIns="45700" lIns="91425" spcFirstLastPara="1" rIns="91425" wrap="square" tIns="45700">
+            <a:noAutofit/>
+          </a:bodyPr>
+          <a:lstStyle/>
+          <a:p>
+            <a:pPr indent="0" lvl="0" marL="0" marR="0" rtl="0" algn="ctr">
+              <a:lnSpc>
+                <a:spcPct val="100000"/>
+              </a:lnSpc>
+              <a:spcBef>
+                <a:spcPts val="0"/>
+              </a:spcBef>
+              <a:spcAft>
+                <a:spcPts val="0"/>
+              </a:spcAft>
+              <a:buClr>
+                <a:srgbClr val="000000"/>
+              </a:buClr>
+              <a:buSzPts val="1200"/>
+              <a:buFont typeface="Arial"/>
+              <a:buNone/>
+            </a:pPr>
+            <a:r>
+              <a:t/>
+            </a:r>
+            <a:endParaRPr b="0" i="0" sz="1400" u="none" cap="none" strike="noStrike">
+              <a:solidFill>
+                <a:schemeClr val="dk1"/>
+              </a:solidFill>
+              <a:latin typeface="Space Grotesk"/>
+              <a:ea typeface="Space Grotesk"/>
+              <a:cs typeface="Space Grotesk"/>
+              <a:sym typeface="Space Grotesk"/>
+            </a:endParaRPr>
+          </a:p>
+        </p:txBody>
+      </p:sp>
+      <p:sp>
+        <p:nvSpPr>
+          <p:cNvPr id="401" name="Google Shape;401;g35cd725ba4c_2_45"/>
+          <p:cNvSpPr txBox="1"/>
+          <p:nvPr/>
+        </p:nvSpPr>
+        <p:spPr>
+          <a:xfrm>
+            <a:off x="2668752" y="3042216"/>
+            <a:ext cx="2540367" cy="738623"/>
+          </a:xfrm>
+          <a:prstGeom prst="rect">
+            <a:avLst/>
+          </a:prstGeom>
+          <a:noFill/>
+          <a:ln>
+            <a:noFill/>
+          </a:ln>
+        </p:spPr>
+        <p:txBody>
+          <a:bodyPr anchorCtr="0" anchor="t" bIns="45700" lIns="91425" spcFirstLastPara="1" rIns="91425" wrap="square" tIns="45700">
+            <a:spAutoFit/>
+          </a:bodyPr>
+          <a:lstStyle/>
+          <a:p>
+            <a:pPr indent="0" lvl="0" marL="0" marR="0" rtl="0" algn="ctr">
+              <a:lnSpc>
+                <a:spcPct val="100000"/>
+              </a:lnSpc>
+              <a:spcBef>
+                <a:spcPts val="0"/>
+              </a:spcBef>
+              <a:spcAft>
+                <a:spcPts val="0"/>
+              </a:spcAft>
+              <a:buClr>
+                <a:srgbClr val="000000"/>
+              </a:buClr>
+              <a:buSzPts val="1400"/>
+              <a:buFont typeface="Arial"/>
+              <a:buNone/>
+            </a:pPr>
+            <a:r>
+              <a:rPr b="0" i="0" lang="en-US" sz="1400" u="none" cap="none" strike="noStrike">
+                <a:solidFill>
+                  <a:srgbClr val="121C29"/>
+                </a:solidFill>
+                <a:latin typeface="Space Grotesk"/>
+                <a:ea typeface="Space Grotesk"/>
+                <a:cs typeface="Space Grotesk"/>
+                <a:sym typeface="Space Grotesk"/>
+              </a:rPr>
+              <a:t>LLM</a:t>
+            </a:r>
+            <a:br>
+              <a:rPr b="0" i="0" lang="en-US" sz="1400" u="none" cap="none" strike="noStrike">
+                <a:solidFill>
+                  <a:srgbClr val="121C29"/>
+                </a:solidFill>
+                <a:latin typeface="Space Grotesk"/>
+                <a:ea typeface="Space Grotesk"/>
+                <a:cs typeface="Space Grotesk"/>
+                <a:sym typeface="Space Grotesk"/>
+              </a:rPr>
+            </a:br>
+            <a:r>
+              <a:rPr b="0" i="0" lang="en-US" sz="1400" u="none" cap="none" strike="noStrike">
+                <a:solidFill>
+                  <a:srgbClr val="121C29"/>
+                </a:solidFill>
+                <a:latin typeface="Space Grotesk"/>
+                <a:ea typeface="Space Grotesk"/>
+                <a:cs typeface="Space Grotesk"/>
+                <a:sym typeface="Space Grotesk"/>
+              </a:rPr>
+              <a:t>Random</a:t>
+            </a:r>
+            <a:br>
+              <a:rPr b="0" i="0" lang="en-US" sz="1400" u="none" cap="none" strike="noStrike">
+                <a:solidFill>
+                  <a:srgbClr val="121C29"/>
+                </a:solidFill>
+                <a:latin typeface="Space Grotesk"/>
+                <a:ea typeface="Space Grotesk"/>
+                <a:cs typeface="Space Grotesk"/>
+                <a:sym typeface="Space Grotesk"/>
+              </a:rPr>
+            </a:br>
+            <a:r>
+              <a:rPr b="0" i="0" lang="en-US" sz="1400" u="none" cap="none" strike="noStrike">
+                <a:solidFill>
+                  <a:srgbClr val="121C29"/>
+                </a:solidFill>
+                <a:latin typeface="Space Grotesk"/>
+                <a:ea typeface="Space Grotesk"/>
+                <a:cs typeface="Space Grotesk"/>
+                <a:sym typeface="Space Grotesk"/>
+              </a:rPr>
+              <a:t>RoundRobin</a:t>
+            </a:r>
+            <a:endParaRPr b="0" i="0" sz="1400" u="none" cap="none" strike="noStrike">
+              <a:solidFill>
+                <a:srgbClr val="121C29"/>
+              </a:solidFill>
+              <a:latin typeface="Space Grotesk"/>
+              <a:ea typeface="Space Grotesk"/>
+              <a:cs typeface="Space Grotesk"/>
+              <a:sym typeface="Space Grotesk"/>
+            </a:endParaRPr>
+          </a:p>
+        </p:txBody>
+      </p:sp>
+    </p:spTree>
+  </p:cSld>
+  <p:clrMapOvr>
+    <a:masterClrMapping/>
+  </p:clrMapOvr>
+</p:sld>
+</file>
+
+<file path=ppt/slides/slide18.xml><?xml version="1.0" encoding="utf-8"?>
+<p:sld xmlns:a="http://schemas.openxmlformats.org/drawingml/2006/main" xmlns:r="http://schemas.openxmlformats.org/officeDocument/2006/relationships" xmlns:mc="http://schemas.openxmlformats.org/markup-compatibility/2006" xmlns:mv="urn:schemas-microsoft-com:mac:vml" xmlns:p="http://schemas.openxmlformats.org/presentationml/2006/main" xmlns:c="http://schemas.openxmlformats.org/drawingml/2006/chart" xmlns:dgm="http://schemas.openxmlformats.org/drawingml/2006/diagram" xmlns:o="urn:schemas-microsoft-com:office:office" xmlns:v="urn:schemas-microsoft-com:vml" xmlns:pvml="urn:schemas-microsoft-com:office:powerpoint" xmlns:com="http://schemas.openxmlformats.org/drawingml/2006/compatibility" xmlns:p14="http://schemas.microsoft.com/office/powerpoint/2010/main" xmlns:p15="http://schemas.microsoft.com/office/powerpoint/2012/main" xmlns:ahyp="http://schemas.microsoft.com/office/drawing/2018/hyperlinkcolor">
+  <p:cSld>
+    <p:spTree>
+      <p:nvGrpSpPr>
+        <p:cNvPr id="405" name="Shape 405"/>
+        <p:cNvGrpSpPr/>
+        <p:nvPr/>
+      </p:nvGrpSpPr>
+      <p:grpSpPr>
+        <a:xfrm>
+          <a:off x="0" y="0"/>
+          <a:ext cx="0" cy="0"/>
+          <a:chOff x="0" y="0"/>
+          <a:chExt cx="0" cy="0"/>
+        </a:xfrm>
+      </p:grpSpPr>
+      <p:sp>
+        <p:nvSpPr>
+          <p:cNvPr id="406" name="Google Shape;406;g35cd725ba4c_2_106"/>
+          <p:cNvSpPr txBox="1"/>
+          <p:nvPr>
+            <p:ph type="title"/>
+          </p:nvPr>
+        </p:nvSpPr>
+        <p:spPr>
+          <a:xfrm>
+            <a:off x="196754" y="214127"/>
+            <a:ext cx="11820099" cy="924588"/>
+          </a:xfrm>
+          <a:prstGeom prst="rect">
+            <a:avLst/>
+          </a:prstGeom>
+          <a:noFill/>
+          <a:ln>
+            <a:noFill/>
+          </a:ln>
+        </p:spPr>
+        <p:txBody>
+          <a:bodyPr anchorCtr="0" anchor="ctr" bIns="45700" lIns="91425" spcFirstLastPara="1" rIns="91425" wrap="square" tIns="45700">
+            <a:normAutofit/>
+          </a:bodyPr>
+          <a:lstStyle/>
+          <a:p>
+            <a:pPr indent="0" lvl="0" marL="0" rtl="0" algn="l">
+              <a:lnSpc>
+                <a:spcPct val="90000"/>
+              </a:lnSpc>
+              <a:spcBef>
+                <a:spcPts val="0"/>
+              </a:spcBef>
+              <a:spcAft>
+                <a:spcPts val="0"/>
+              </a:spcAft>
+              <a:buSzPts val="4400"/>
+              <a:buNone/>
+            </a:pPr>
+            <a:r>
+              <a:rPr lang="en-US"/>
+              <a:t>Advanced Workshop: Multi-Agent Workflow</a:t>
+            </a:r>
+            <a:endParaRPr/>
+          </a:p>
+        </p:txBody>
+      </p:sp>
+      <p:grpSp>
+        <p:nvGrpSpPr>
+          <p:cNvPr id="407" name="Google Shape;407;g35cd725ba4c_2_106"/>
+          <p:cNvGrpSpPr/>
+          <p:nvPr/>
+        </p:nvGrpSpPr>
+        <p:grpSpPr>
+          <a:xfrm>
+            <a:off x="1745256" y="2507251"/>
+            <a:ext cx="6897275" cy="3638207"/>
+            <a:chOff x="1922040" y="2190259"/>
+            <a:chExt cx="6897275" cy="3638207"/>
+          </a:xfrm>
+        </p:grpSpPr>
+        <p:sp>
+          <p:nvSpPr>
+            <p:cNvPr id="408" name="Google Shape;408;g35cd725ba4c_2_106"/>
+            <p:cNvSpPr/>
+            <p:nvPr/>
+          </p:nvSpPr>
+          <p:spPr>
+            <a:xfrm>
+              <a:off x="5863235" y="2287336"/>
+              <a:ext cx="174266" cy="174266"/>
+            </a:xfrm>
+            <a:prstGeom prst="ellipse">
+              <a:avLst/>
+            </a:prstGeom>
+            <a:noFill/>
+            <a:ln>
+              <a:noFill/>
+            </a:ln>
+          </p:spPr>
+          <p:txBody>
+            <a:bodyPr anchorCtr="0" anchor="ctr" bIns="45700" lIns="91425" spcFirstLastPara="1" rIns="91425" wrap="square" tIns="45700">
+              <a:noAutofit/>
+            </a:bodyPr>
+            <a:lstStyle/>
+            <a:p>
+              <a:pPr indent="0" lvl="0" marL="0" marR="0" rtl="0" algn="ctr">
+                <a:lnSpc>
+                  <a:spcPct val="100000"/>
+                </a:lnSpc>
+                <a:spcBef>
+                  <a:spcPts val="0"/>
+                </a:spcBef>
+                <a:spcAft>
+                  <a:spcPts val="0"/>
+                </a:spcAft>
+                <a:buClr>
+                  <a:srgbClr val="000000"/>
+                </a:buClr>
+                <a:buSzPts val="1400"/>
+                <a:buFont typeface="Arial"/>
+                <a:buNone/>
+              </a:pPr>
+              <a:r>
+                <a:t/>
+              </a:r>
+              <a:endParaRPr b="0" i="0" sz="1400" u="none" cap="none" strike="noStrike">
+                <a:solidFill>
+                  <a:schemeClr val="lt1"/>
+                </a:solidFill>
+                <a:latin typeface="Space Grotesk"/>
+                <a:ea typeface="Space Grotesk"/>
+                <a:cs typeface="Space Grotesk"/>
+                <a:sym typeface="Space Grotesk"/>
+              </a:endParaRPr>
+            </a:p>
+          </p:txBody>
+        </p:sp>
+        <p:grpSp>
+          <p:nvGrpSpPr>
+            <p:cNvPr id="409" name="Google Shape;409;g35cd725ba4c_2_106"/>
+            <p:cNvGrpSpPr/>
+            <p:nvPr/>
+          </p:nvGrpSpPr>
+          <p:grpSpPr>
+            <a:xfrm>
+              <a:off x="1922040" y="2190259"/>
+              <a:ext cx="6897275" cy="3638207"/>
+              <a:chOff x="1922040" y="2190259"/>
+              <a:chExt cx="6897275" cy="3638207"/>
+            </a:xfrm>
+          </p:grpSpPr>
+          <p:sp>
+            <p:nvSpPr>
+              <p:cNvPr id="410" name="Google Shape;410;g35cd725ba4c_2_106"/>
+              <p:cNvSpPr txBox="1"/>
+              <p:nvPr/>
+            </p:nvSpPr>
+            <p:spPr>
+              <a:xfrm>
+                <a:off x="1922040" y="2190259"/>
+                <a:ext cx="1149446" cy="307736"/>
+              </a:xfrm>
+              <a:prstGeom prst="rect">
+                <a:avLst/>
+              </a:prstGeom>
+              <a:noFill/>
+              <a:ln>
+                <a:noFill/>
+              </a:ln>
+            </p:spPr>
+            <p:txBody>
+              <a:bodyPr anchorCtr="0" anchor="t" bIns="45700" lIns="91425" spcFirstLastPara="1" rIns="91425" wrap="square" tIns="45700">
+                <a:spAutoFit/>
+              </a:bodyPr>
+              <a:lstStyle/>
+              <a:p>
+                <a:pPr indent="0" lvl="0" marL="0" marR="0" rtl="0" algn="ctr">
+                  <a:lnSpc>
+                    <a:spcPct val="100000"/>
+                  </a:lnSpc>
+                  <a:spcBef>
+                    <a:spcPts val="0"/>
+                  </a:spcBef>
+                  <a:spcAft>
+                    <a:spcPts val="0"/>
+                  </a:spcAft>
+                  <a:buClr>
+                    <a:srgbClr val="000000"/>
+                  </a:buClr>
+                  <a:buSzPts val="1400"/>
+                  <a:buFont typeface="Arial"/>
+                  <a:buNone/>
+                </a:pPr>
+                <a:r>
+                  <a:rPr b="1" i="0" lang="en-US" sz="1400" u="none" cap="none" strike="noStrike">
+                    <a:solidFill>
+                      <a:schemeClr val="lt1"/>
+                    </a:solidFill>
+                    <a:latin typeface="Space Grotesk"/>
+                    <a:ea typeface="Space Grotesk"/>
+                    <a:cs typeface="Space Grotesk"/>
+                    <a:sym typeface="Space Grotesk"/>
+                  </a:rPr>
+                  <a:t>App label</a:t>
+                </a:r>
+                <a:endParaRPr b="1" i="0" sz="1400" u="none" cap="none" strike="noStrike">
+                  <a:solidFill>
+                    <a:schemeClr val="lt1"/>
+                  </a:solidFill>
+                  <a:latin typeface="Space Grotesk"/>
+                  <a:ea typeface="Space Grotesk"/>
+                  <a:cs typeface="Space Grotesk"/>
+                  <a:sym typeface="Space Grotesk"/>
+                </a:endParaRPr>
+              </a:p>
+            </p:txBody>
+          </p:sp>
+          <p:grpSp>
+            <p:nvGrpSpPr>
+              <p:cNvPr id="411" name="Google Shape;411;g35cd725ba4c_2_106"/>
+              <p:cNvGrpSpPr/>
+              <p:nvPr/>
+            </p:nvGrpSpPr>
+            <p:grpSpPr>
+              <a:xfrm>
+                <a:off x="5111556" y="5051790"/>
+                <a:ext cx="1800000" cy="776676"/>
+                <a:chOff x="5111556" y="5051790"/>
+                <a:chExt cx="1800000" cy="776676"/>
+              </a:xfrm>
+            </p:grpSpPr>
+            <p:pic>
+              <p:nvPicPr>
+                <p:cNvPr id="412" name="Google Shape;412;g35cd725ba4c_2_106"/>
+                <p:cNvPicPr preferRelativeResize="0"/>
+                <p:nvPr/>
+              </p:nvPicPr>
+              <p:blipFill rotWithShape="1">
+                <a:blip r:embed="rId3">
+                  <a:alphaModFix/>
+                </a:blip>
+                <a:srcRect b="0" l="0" r="0" t="0"/>
+                <a:stretch/>
+              </p:blipFill>
+              <p:spPr>
+                <a:xfrm>
+                  <a:off x="5111556" y="5051790"/>
+                  <a:ext cx="1800000" cy="776676"/>
+                </a:xfrm>
+                <a:prstGeom prst="rect">
+                  <a:avLst/>
+                </a:prstGeom>
+                <a:noFill/>
+                <a:ln>
+                  <a:noFill/>
+                </a:ln>
+              </p:spPr>
+            </p:pic>
+            <p:sp>
+              <p:nvSpPr>
+                <p:cNvPr id="413" name="Google Shape;413;g35cd725ba4c_2_106"/>
+                <p:cNvSpPr txBox="1"/>
+                <p:nvPr/>
+              </p:nvSpPr>
+              <p:spPr>
+                <a:xfrm>
+                  <a:off x="5219805" y="5141475"/>
+                  <a:ext cx="1215827" cy="646290"/>
+                </a:xfrm>
+                <a:prstGeom prst="rect">
+                  <a:avLst/>
+                </a:prstGeom>
+                <a:noFill/>
+                <a:ln>
+                  <a:noFill/>
+                </a:ln>
+              </p:spPr>
+              <p:txBody>
+                <a:bodyPr anchorCtr="0" anchor="t" bIns="45700" lIns="91425" spcFirstLastPara="1" rIns="91425" wrap="square" tIns="45700">
+                  <a:spAutoFit/>
+                </a:bodyPr>
+                <a:lstStyle/>
+                <a:p>
+                  <a:pPr indent="0" lvl="0" marL="0" marR="0" rtl="0" algn="ctr">
+                    <a:lnSpc>
+                      <a:spcPct val="100000"/>
+                    </a:lnSpc>
+                    <a:spcBef>
+                      <a:spcPts val="0"/>
+                    </a:spcBef>
+                    <a:spcAft>
+                      <a:spcPts val="0"/>
+                    </a:spcAft>
+                    <a:buClr>
+                      <a:srgbClr val="000000"/>
+                    </a:buClr>
+                    <a:buSzPts val="1400"/>
+                    <a:buFont typeface="Arial"/>
+                    <a:buNone/>
+                  </a:pPr>
+                  <a:r>
+                    <a:rPr b="1" i="0" lang="en-US" sz="1200" u="none" cap="none" strike="noStrike">
+                      <a:solidFill>
+                        <a:srgbClr val="121C29"/>
+                      </a:solidFill>
+                      <a:latin typeface="Space Grotesk"/>
+                      <a:ea typeface="Space Grotesk"/>
+                      <a:cs typeface="Space Grotesk"/>
+                      <a:sym typeface="Space Grotesk"/>
+                    </a:rPr>
+                    <a:t>Message </a:t>
+                  </a:r>
+                  <a:endParaRPr b="0" i="0" sz="1200" u="none" cap="none" strike="noStrike">
+                    <a:solidFill>
+                      <a:srgbClr val="000000"/>
+                    </a:solidFill>
+                    <a:latin typeface="Space Grotesk"/>
+                    <a:ea typeface="Space Grotesk"/>
+                    <a:cs typeface="Space Grotesk"/>
+                    <a:sym typeface="Space Grotesk"/>
+                  </a:endParaRPr>
+                </a:p>
+                <a:p>
+                  <a:pPr indent="0" lvl="0" marL="0" marR="0" rtl="0" algn="ctr">
+                    <a:lnSpc>
+                      <a:spcPct val="100000"/>
+                    </a:lnSpc>
+                    <a:spcBef>
+                      <a:spcPts val="0"/>
+                    </a:spcBef>
+                    <a:spcAft>
+                      <a:spcPts val="0"/>
+                    </a:spcAft>
+                    <a:buClr>
+                      <a:srgbClr val="000000"/>
+                    </a:buClr>
+                    <a:buSzPts val="1400"/>
+                    <a:buFont typeface="Arial"/>
+                    <a:buNone/>
+                  </a:pPr>
+                  <a:r>
+                    <a:rPr b="1" i="0" lang="en-US" sz="1200" u="none" cap="none" strike="noStrike">
+                      <a:solidFill>
+                        <a:srgbClr val="121C29"/>
+                      </a:solidFill>
+                      <a:latin typeface="Space Grotesk"/>
+                      <a:ea typeface="Space Grotesk"/>
+                      <a:cs typeface="Space Grotesk"/>
+                      <a:sym typeface="Space Grotesk"/>
+                    </a:rPr>
+                    <a:t>Broker (pub/sub)</a:t>
+                  </a:r>
+                  <a:endParaRPr b="1" i="0" sz="1200" u="none" cap="none" strike="noStrike">
+                    <a:solidFill>
+                      <a:srgbClr val="121C29"/>
+                    </a:solidFill>
+                    <a:latin typeface="Space Grotesk"/>
+                    <a:ea typeface="Space Grotesk"/>
+                    <a:cs typeface="Space Grotesk"/>
+                    <a:sym typeface="Space Grotesk"/>
+                  </a:endParaRPr>
+                </a:p>
+              </p:txBody>
+            </p:sp>
+          </p:grpSp>
+          <p:cxnSp>
+            <p:nvCxnSpPr>
+              <p:cNvPr id="414" name="Google Shape;414;g35cd725ba4c_2_106"/>
+              <p:cNvCxnSpPr>
+                <a:endCxn id="412" idx="1"/>
+              </p:cNvCxnSpPr>
+              <p:nvPr/>
+            </p:nvCxnSpPr>
+            <p:spPr>
+              <a:xfrm>
+                <a:off x="3414756" y="5440128"/>
+                <a:ext cx="1696800" cy="0"/>
+              </a:xfrm>
+              <a:prstGeom prst="straightConnector1">
+                <a:avLst/>
+              </a:prstGeom>
+              <a:noFill/>
+              <a:ln cap="flat" cmpd="sng" w="19050">
+                <a:solidFill>
+                  <a:schemeClr val="dk1"/>
+                </a:solidFill>
+                <a:prstDash val="solid"/>
+                <a:miter lim="800000"/>
+                <a:headEnd len="sm" w="sm" type="none"/>
+                <a:tailEnd len="lg" w="lg" type="triangle"/>
+              </a:ln>
+            </p:spPr>
+          </p:cxnSp>
+          <p:sp>
+            <p:nvSpPr>
+              <p:cNvPr id="415" name="Google Shape;415;g35cd725ba4c_2_106"/>
+              <p:cNvSpPr/>
+              <p:nvPr/>
+            </p:nvSpPr>
+            <p:spPr>
+              <a:xfrm>
+                <a:off x="3178026" y="5092214"/>
+                <a:ext cx="174266" cy="174266"/>
+              </a:xfrm>
+              <a:prstGeom prst="ellipse">
+                <a:avLst/>
+              </a:prstGeom>
+              <a:noFill/>
+              <a:ln>
+                <a:noFill/>
+              </a:ln>
+            </p:spPr>
+            <p:txBody>
+              <a:bodyPr anchorCtr="0" anchor="ctr" bIns="45700" lIns="91425" spcFirstLastPara="1" rIns="91425" wrap="square" tIns="45700">
+                <a:noAutofit/>
+              </a:bodyPr>
+              <a:lstStyle/>
+              <a:p>
+                <a:pPr indent="0" lvl="0" marL="0" marR="0" rtl="0" algn="ctr">
+                  <a:lnSpc>
+                    <a:spcPct val="100000"/>
+                  </a:lnSpc>
+                  <a:spcBef>
+                    <a:spcPts val="0"/>
+                  </a:spcBef>
+                  <a:spcAft>
+                    <a:spcPts val="0"/>
+                  </a:spcAft>
+                  <a:buClr>
+                    <a:srgbClr val="000000"/>
+                  </a:buClr>
+                  <a:buSzPts val="1400"/>
+                  <a:buFont typeface="Arial"/>
+                  <a:buNone/>
+                </a:pPr>
+                <a:r>
+                  <a:t/>
+                </a:r>
+                <a:endParaRPr b="0" i="0" sz="1400" u="none" cap="none" strike="noStrike">
+                  <a:solidFill>
+                    <a:schemeClr val="lt1"/>
+                  </a:solidFill>
+                  <a:latin typeface="Space Grotesk"/>
+                  <a:ea typeface="Space Grotesk"/>
+                  <a:cs typeface="Space Grotesk"/>
+                  <a:sym typeface="Space Grotesk"/>
+                </a:endParaRPr>
+              </a:p>
+            </p:txBody>
+          </p:sp>
+          <p:sp>
+            <p:nvSpPr>
+              <p:cNvPr id="416" name="Google Shape;416;g35cd725ba4c_2_106"/>
+              <p:cNvSpPr/>
+              <p:nvPr/>
+            </p:nvSpPr>
+            <p:spPr>
+              <a:xfrm>
+                <a:off x="8645049" y="5092531"/>
+                <a:ext cx="174266" cy="174266"/>
+              </a:xfrm>
+              <a:prstGeom prst="ellipse">
+                <a:avLst/>
+              </a:prstGeom>
+              <a:noFill/>
+              <a:ln>
+                <a:noFill/>
+              </a:ln>
+            </p:spPr>
+            <p:txBody>
+              <a:bodyPr anchorCtr="0" anchor="ctr" bIns="45700" lIns="91425" spcFirstLastPara="1" rIns="91425" wrap="square" tIns="45700">
+                <a:noAutofit/>
+              </a:bodyPr>
+              <a:lstStyle/>
+              <a:p>
+                <a:pPr indent="0" lvl="0" marL="0" marR="0" rtl="0" algn="ctr">
+                  <a:lnSpc>
+                    <a:spcPct val="100000"/>
+                  </a:lnSpc>
+                  <a:spcBef>
+                    <a:spcPts val="0"/>
+                  </a:spcBef>
+                  <a:spcAft>
+                    <a:spcPts val="0"/>
+                  </a:spcAft>
+                  <a:buClr>
+                    <a:srgbClr val="000000"/>
+                  </a:buClr>
+                  <a:buSzPts val="1400"/>
+                  <a:buFont typeface="Arial"/>
+                  <a:buNone/>
+                </a:pPr>
+                <a:r>
+                  <a:t/>
+                </a:r>
+                <a:endParaRPr b="0" i="0" sz="1400" u="none" cap="none" strike="noStrike">
+                  <a:solidFill>
+                    <a:schemeClr val="lt1"/>
+                  </a:solidFill>
+                  <a:latin typeface="Space Grotesk"/>
+                  <a:ea typeface="Space Grotesk"/>
+                  <a:cs typeface="Space Grotesk"/>
+                  <a:sym typeface="Space Grotesk"/>
+                </a:endParaRPr>
+              </a:p>
+            </p:txBody>
+          </p:sp>
+        </p:grpSp>
+      </p:grpSp>
+      <p:pic>
+        <p:nvPicPr>
+          <p:cNvPr id="417" name="Google Shape;417;g35cd725ba4c_2_106"/>
+          <p:cNvPicPr preferRelativeResize="0"/>
+          <p:nvPr/>
+        </p:nvPicPr>
+        <p:blipFill rotWithShape="1">
+          <a:blip r:embed="rId4">
+            <a:alphaModFix/>
+          </a:blip>
+          <a:srcRect b="0" l="0" r="0" t="0"/>
+          <a:stretch/>
+        </p:blipFill>
+        <p:spPr>
+          <a:xfrm>
+            <a:off x="1430840" y="4817632"/>
+            <a:ext cx="1780927" cy="1710839"/>
+          </a:xfrm>
+          <a:prstGeom prst="rect">
+            <a:avLst/>
+          </a:prstGeom>
+          <a:noFill/>
+          <a:ln>
+            <a:noFill/>
+          </a:ln>
+        </p:spPr>
+      </p:pic>
+      <p:sp>
+        <p:nvSpPr>
+          <p:cNvPr id="418" name="Google Shape;418;g35cd725ba4c_2_106"/>
+          <p:cNvSpPr txBox="1"/>
+          <p:nvPr/>
+        </p:nvSpPr>
+        <p:spPr>
+          <a:xfrm>
+            <a:off x="1916336" y="5342471"/>
+            <a:ext cx="1215827" cy="307736"/>
+          </a:xfrm>
+          <a:prstGeom prst="rect">
+            <a:avLst/>
+          </a:prstGeom>
+          <a:noFill/>
+          <a:ln>
+            <a:noFill/>
+          </a:ln>
+        </p:spPr>
+        <p:txBody>
+          <a:bodyPr anchorCtr="0" anchor="t" bIns="45700" lIns="91425" spcFirstLastPara="1" rIns="91425" wrap="square" tIns="45700">
+            <a:spAutoFit/>
+          </a:bodyPr>
+          <a:lstStyle/>
+          <a:p>
+            <a:pPr indent="0" lvl="0" marL="0" marR="0" rtl="0" algn="ctr">
+              <a:lnSpc>
+                <a:spcPct val="100000"/>
+              </a:lnSpc>
+              <a:spcBef>
+                <a:spcPts val="0"/>
+              </a:spcBef>
+              <a:spcAft>
+                <a:spcPts val="0"/>
+              </a:spcAft>
+              <a:buClr>
+                <a:srgbClr val="000000"/>
+              </a:buClr>
+              <a:buSzPts val="1400"/>
+              <a:buFont typeface="Arial"/>
+              <a:buNone/>
+            </a:pPr>
+            <a:r>
+              <a:rPr b="1" i="0" lang="en-US" sz="1400" u="none" cap="none" strike="noStrike">
+                <a:solidFill>
+                  <a:srgbClr val="121C29"/>
+                </a:solidFill>
+                <a:latin typeface="Space Grotesk"/>
+                <a:ea typeface="Space Grotesk"/>
+                <a:cs typeface="Space Grotesk"/>
+                <a:sym typeface="Space Grotesk"/>
+              </a:rPr>
+              <a:t>Agent</a:t>
+            </a:r>
+            <a:endParaRPr b="1" i="0" sz="1400" u="none" cap="none" strike="noStrike">
+              <a:solidFill>
+                <a:srgbClr val="121C29"/>
+              </a:solidFill>
+              <a:latin typeface="Space Grotesk"/>
+              <a:ea typeface="Space Grotesk"/>
+              <a:cs typeface="Space Grotesk"/>
+              <a:sym typeface="Space Grotesk"/>
+            </a:endParaRPr>
+          </a:p>
+        </p:txBody>
+      </p:sp>
+      <p:sp>
+        <p:nvSpPr>
+          <p:cNvPr id="419" name="Google Shape;419;g35cd725ba4c_2_106"/>
+          <p:cNvSpPr/>
+          <p:nvPr/>
+        </p:nvSpPr>
+        <p:spPr>
+          <a:xfrm>
+            <a:off x="1208314" y="4474030"/>
+            <a:ext cx="2547257" cy="2169835"/>
+          </a:xfrm>
+          <a:prstGeom prst="roundRect">
+            <a:avLst>
+              <a:gd fmla="val 10417" name="adj"/>
+            </a:avLst>
+          </a:prstGeom>
+          <a:noFill/>
+          <a:ln cap="flat" cmpd="sng" w="19050">
+            <a:solidFill>
+              <a:schemeClr val="accent2"/>
+            </a:solidFill>
+            <a:prstDash val="dash"/>
+            <a:round/>
+            <a:headEnd len="sm" w="sm" type="none"/>
+            <a:tailEnd len="sm" w="sm" type="none"/>
+          </a:ln>
+        </p:spPr>
+        <p:txBody>
+          <a:bodyPr anchorCtr="0" anchor="ctr" bIns="45700" lIns="91425" spcFirstLastPara="1" rIns="91425" wrap="square" tIns="45700">
+            <a:noAutofit/>
+          </a:bodyPr>
+          <a:lstStyle/>
+          <a:p>
+            <a:pPr indent="0" lvl="0" marL="0" marR="0" rtl="0" algn="ctr">
+              <a:lnSpc>
+                <a:spcPct val="100000"/>
+              </a:lnSpc>
+              <a:spcBef>
+                <a:spcPts val="0"/>
+              </a:spcBef>
+              <a:spcAft>
+                <a:spcPts val="0"/>
+              </a:spcAft>
+              <a:buNone/>
+            </a:pPr>
+            <a:r>
+              <a:t/>
+            </a:r>
+            <a:endParaRPr b="0" i="0" sz="1400" u="none" cap="none" strike="noStrike">
+              <a:solidFill>
+                <a:schemeClr val="lt1"/>
+              </a:solidFill>
+              <a:latin typeface="Space Grotesk"/>
+              <a:ea typeface="Space Grotesk"/>
+              <a:cs typeface="Space Grotesk"/>
+              <a:sym typeface="Space Grotesk"/>
+            </a:endParaRPr>
+          </a:p>
+        </p:txBody>
+      </p:sp>
+      <p:cxnSp>
+        <p:nvCxnSpPr>
+          <p:cNvPr id="420" name="Google Shape;420;g35cd725ba4c_2_106"/>
+          <p:cNvCxnSpPr>
+            <a:endCxn id="412" idx="0"/>
+          </p:cNvCxnSpPr>
+          <p:nvPr/>
+        </p:nvCxnSpPr>
+        <p:spPr>
+          <a:xfrm flipH="1">
+            <a:off x="5834772" y="3466782"/>
+            <a:ext cx="3311100" cy="1902000"/>
+          </a:xfrm>
+          <a:prstGeom prst="bentConnector2">
+            <a:avLst/>
+          </a:prstGeom>
+          <a:noFill/>
+          <a:ln cap="flat" cmpd="sng" w="19050">
+            <a:solidFill>
+              <a:schemeClr val="dk1"/>
+            </a:solidFill>
+            <a:prstDash val="solid"/>
+            <a:miter lim="800000"/>
+            <a:headEnd len="lg" w="lg" type="triangle"/>
+            <a:tailEnd len="sm" w="sm" type="none"/>
+          </a:ln>
+        </p:spPr>
+      </p:cxnSp>
+      <p:cxnSp>
+        <p:nvCxnSpPr>
+          <p:cNvPr id="421" name="Google Shape;421;g35cd725ba4c_2_106"/>
+          <p:cNvCxnSpPr>
+            <a:endCxn id="412" idx="0"/>
+          </p:cNvCxnSpPr>
+          <p:nvPr/>
+        </p:nvCxnSpPr>
+        <p:spPr>
+          <a:xfrm flipH="1">
+            <a:off x="5834772" y="4817682"/>
+            <a:ext cx="3311100" cy="551100"/>
+          </a:xfrm>
+          <a:prstGeom prst="bentConnector2">
+            <a:avLst/>
+          </a:prstGeom>
+          <a:noFill/>
+          <a:ln cap="flat" cmpd="sng" w="19050">
+            <a:solidFill>
+              <a:schemeClr val="dk1"/>
+            </a:solidFill>
+            <a:prstDash val="solid"/>
+            <a:miter lim="800000"/>
+            <a:headEnd len="lg" w="lg" type="triangle"/>
+            <a:tailEnd len="sm" w="sm" type="none"/>
+          </a:ln>
+        </p:spPr>
+      </p:cxnSp>
+      <p:grpSp>
+        <p:nvGrpSpPr>
+          <p:cNvPr id="422" name="Google Shape;422;g35cd725ba4c_2_106"/>
+          <p:cNvGrpSpPr/>
+          <p:nvPr/>
+        </p:nvGrpSpPr>
+        <p:grpSpPr>
+          <a:xfrm>
+            <a:off x="8810481" y="1147626"/>
+            <a:ext cx="2724265" cy="4180457"/>
+            <a:chOff x="8435609" y="1100880"/>
+            <a:chExt cx="3352969" cy="4989162"/>
+          </a:xfrm>
+        </p:grpSpPr>
+        <p:grpSp>
+          <p:nvGrpSpPr>
+            <p:cNvPr id="423" name="Google Shape;423;g35cd725ba4c_2_106"/>
+            <p:cNvGrpSpPr/>
+            <p:nvPr/>
+          </p:nvGrpSpPr>
+          <p:grpSpPr>
+            <a:xfrm>
+              <a:off x="8468265" y="1100880"/>
+              <a:ext cx="2885536" cy="1406371"/>
+              <a:chOff x="8468265" y="1100880"/>
+              <a:chExt cx="2885536" cy="1406371"/>
+            </a:xfrm>
+          </p:grpSpPr>
+          <p:grpSp>
+            <p:nvGrpSpPr>
+              <p:cNvPr id="424" name="Google Shape;424;g35cd725ba4c_2_106"/>
+              <p:cNvGrpSpPr/>
+              <p:nvPr/>
+            </p:nvGrpSpPr>
+            <p:grpSpPr>
+              <a:xfrm>
+                <a:off x="8835942" y="1317172"/>
+                <a:ext cx="1360093" cy="1190079"/>
+                <a:chOff x="8835942" y="1317172"/>
+                <a:chExt cx="1360093" cy="1190079"/>
+              </a:xfrm>
+            </p:grpSpPr>
+            <p:pic>
+              <p:nvPicPr>
+                <p:cNvPr id="425" name="Google Shape;425;g35cd725ba4c_2_106"/>
+                <p:cNvPicPr preferRelativeResize="0"/>
+                <p:nvPr/>
+              </p:nvPicPr>
+              <p:blipFill rotWithShape="1">
+                <a:blip r:embed="rId4">
+                  <a:alphaModFix/>
+                </a:blip>
+                <a:srcRect b="0" l="0" r="0" t="0"/>
+                <a:stretch/>
+              </p:blipFill>
+              <p:spPr>
+                <a:xfrm>
+                  <a:off x="8835942" y="1317172"/>
+                  <a:ext cx="1251236" cy="1190079"/>
+                </a:xfrm>
+                <a:prstGeom prst="rect">
+                  <a:avLst/>
+                </a:prstGeom>
+                <a:noFill/>
+                <a:ln>
+                  <a:noFill/>
+                </a:ln>
+              </p:spPr>
+            </p:pic>
+            <p:sp>
+              <p:nvSpPr>
+                <p:cNvPr id="426" name="Google Shape;426;g35cd725ba4c_2_106"/>
+                <p:cNvSpPr txBox="1"/>
+                <p:nvPr/>
+              </p:nvSpPr>
+              <p:spPr>
+                <a:xfrm>
+                  <a:off x="8980208" y="1635060"/>
+                  <a:ext cx="1215827" cy="307736"/>
+                </a:xfrm>
+                <a:prstGeom prst="rect">
+                  <a:avLst/>
+                </a:prstGeom>
+                <a:noFill/>
+                <a:ln>
+                  <a:noFill/>
+                </a:ln>
+              </p:spPr>
+              <p:txBody>
+                <a:bodyPr anchorCtr="0" anchor="t" bIns="45700" lIns="91425" spcFirstLastPara="1" rIns="91425" wrap="square" tIns="45700">
+                  <a:spAutoFit/>
+                </a:bodyPr>
+                <a:lstStyle/>
+                <a:p>
+                  <a:pPr indent="0" lvl="0" marL="0" marR="0" rtl="0" algn="ctr">
+                    <a:lnSpc>
+                      <a:spcPct val="100000"/>
+                    </a:lnSpc>
+                    <a:spcBef>
+                      <a:spcPts val="0"/>
+                    </a:spcBef>
+                    <a:spcAft>
+                      <a:spcPts val="0"/>
+                    </a:spcAft>
+                    <a:buClr>
+                      <a:srgbClr val="000000"/>
+                    </a:buClr>
+                    <a:buSzPts val="1400"/>
+                    <a:buFont typeface="Arial"/>
+                    <a:buNone/>
+                  </a:pPr>
+                  <a:r>
+                    <a:rPr b="1" i="0" lang="en-US" sz="1400" u="none" cap="none" strike="noStrike">
+                      <a:solidFill>
+                        <a:srgbClr val="121C29"/>
+                      </a:solidFill>
+                      <a:latin typeface="Space Grotesk"/>
+                      <a:ea typeface="Space Grotesk"/>
+                      <a:cs typeface="Space Grotesk"/>
+                      <a:sym typeface="Space Grotesk"/>
+                    </a:rPr>
+                    <a:t>Agent</a:t>
+                  </a:r>
+                  <a:endParaRPr b="1" i="0" sz="1400" u="none" cap="none" strike="noStrike">
+                    <a:solidFill>
+                      <a:srgbClr val="121C29"/>
+                    </a:solidFill>
+                    <a:latin typeface="Space Grotesk"/>
+                    <a:ea typeface="Space Grotesk"/>
+                    <a:cs typeface="Space Grotesk"/>
+                    <a:sym typeface="Space Grotesk"/>
+                  </a:endParaRPr>
+                </a:p>
+              </p:txBody>
+            </p:sp>
+          </p:grpSp>
+          <p:grpSp>
+            <p:nvGrpSpPr>
+              <p:cNvPr id="427" name="Google Shape;427;g35cd725ba4c_2_106"/>
+              <p:cNvGrpSpPr/>
+              <p:nvPr/>
+            </p:nvGrpSpPr>
+            <p:grpSpPr>
+              <a:xfrm>
+                <a:off x="10149267" y="1396676"/>
+                <a:ext cx="1022704" cy="883572"/>
+                <a:chOff x="6627989" y="1689907"/>
+                <a:chExt cx="1548676" cy="1440000"/>
+              </a:xfrm>
+            </p:grpSpPr>
+            <p:pic>
+              <p:nvPicPr>
+                <p:cNvPr id="428" name="Google Shape;428;g35cd725ba4c_2_106"/>
+                <p:cNvPicPr preferRelativeResize="0"/>
+                <p:nvPr/>
+              </p:nvPicPr>
+              <p:blipFill rotWithShape="1">
+                <a:blip r:embed="rId5">
+                  <a:alphaModFix/>
+                </a:blip>
+                <a:srcRect b="0" l="0" r="0" t="0"/>
+                <a:stretch/>
+              </p:blipFill>
+              <p:spPr>
+                <a:xfrm>
+                  <a:off x="6682327" y="1689907"/>
+                  <a:ext cx="1440000" cy="1440000"/>
+                </a:xfrm>
+                <a:prstGeom prst="rect">
+                  <a:avLst/>
+                </a:prstGeom>
+                <a:noFill/>
+                <a:ln>
+                  <a:noFill/>
+                </a:ln>
+              </p:spPr>
+            </p:pic>
+            <p:sp>
+              <p:nvSpPr>
+                <p:cNvPr id="429" name="Google Shape;429;g35cd725ba4c_2_106"/>
+                <p:cNvSpPr txBox="1"/>
+                <p:nvPr/>
+              </p:nvSpPr>
+              <p:spPr>
+                <a:xfrm>
+                  <a:off x="6627989" y="2099593"/>
+                  <a:ext cx="1548676" cy="1017596"/>
+                </a:xfrm>
+                <a:prstGeom prst="rect">
+                  <a:avLst/>
+                </a:prstGeom>
+                <a:noFill/>
+                <a:ln>
+                  <a:noFill/>
+                </a:ln>
+              </p:spPr>
+              <p:txBody>
+                <a:bodyPr anchorCtr="0" anchor="t" bIns="45700" lIns="91425" spcFirstLastPara="1" rIns="91425" wrap="square" tIns="45700">
+                  <a:spAutoFit/>
+                </a:bodyPr>
+                <a:lstStyle/>
+                <a:p>
+                  <a:pPr indent="0" lvl="0" marL="0" marR="0" rtl="0" algn="ctr">
+                    <a:lnSpc>
+                      <a:spcPct val="100000"/>
+                    </a:lnSpc>
+                    <a:spcBef>
+                      <a:spcPts val="0"/>
+                    </a:spcBef>
+                    <a:spcAft>
+                      <a:spcPts val="0"/>
+                    </a:spcAft>
+                    <a:buClr>
+                      <a:srgbClr val="000000"/>
+                    </a:buClr>
+                    <a:buSzPts val="1400"/>
+                    <a:buFont typeface="Arial"/>
+                    <a:buNone/>
+                  </a:pPr>
+                  <a:r>
+                    <a:rPr b="1" i="0" lang="en-US" sz="1400" u="none" cap="none" strike="noStrike">
+                      <a:solidFill>
+                        <a:schemeClr val="dk1"/>
+                      </a:solidFill>
+                      <a:latin typeface="Space Grotesk"/>
+                      <a:ea typeface="Space Grotesk"/>
+                      <a:cs typeface="Space Grotesk"/>
+                      <a:sym typeface="Space Grotesk"/>
+                    </a:rPr>
+                    <a:t>State store</a:t>
+                  </a:r>
+                  <a:endParaRPr b="1" i="0" sz="1400" u="none" cap="none" strike="noStrike">
+                    <a:solidFill>
+                      <a:schemeClr val="dk1"/>
+                    </a:solidFill>
+                    <a:latin typeface="Space Grotesk"/>
+                    <a:ea typeface="Space Grotesk"/>
+                    <a:cs typeface="Space Grotesk"/>
+                    <a:sym typeface="Space Grotesk"/>
+                  </a:endParaRPr>
+                </a:p>
+              </p:txBody>
+            </p:sp>
+          </p:grpSp>
+          <p:sp>
+            <p:nvSpPr>
+              <p:cNvPr id="430" name="Google Shape;430;g35cd725ba4c_2_106"/>
+              <p:cNvSpPr/>
+              <p:nvPr/>
+            </p:nvSpPr>
+            <p:spPr>
+              <a:xfrm>
+                <a:off x="8468265" y="1100880"/>
+                <a:ext cx="2885536" cy="1406371"/>
+              </a:xfrm>
+              <a:prstGeom prst="roundRect">
+                <a:avLst>
+                  <a:gd fmla="val 10417" name="adj"/>
+                </a:avLst>
+              </a:prstGeom>
+              <a:noFill/>
+              <a:ln cap="flat" cmpd="sng" w="19050">
+                <a:solidFill>
+                  <a:schemeClr val="accent2"/>
+                </a:solidFill>
+                <a:prstDash val="dash"/>
+                <a:round/>
+                <a:headEnd len="sm" w="sm" type="none"/>
+                <a:tailEnd len="sm" w="sm" type="none"/>
+              </a:ln>
+            </p:spPr>
+            <p:txBody>
+              <a:bodyPr anchorCtr="0" anchor="ctr" bIns="45700" lIns="91425" spcFirstLastPara="1" rIns="91425" wrap="square" tIns="45700">
+                <a:noAutofit/>
+              </a:bodyPr>
+              <a:lstStyle/>
+              <a:p>
+                <a:pPr indent="0" lvl="0" marL="0" marR="0" rtl="0" algn="ctr">
+                  <a:lnSpc>
+                    <a:spcPct val="100000"/>
+                  </a:lnSpc>
+                  <a:spcBef>
+                    <a:spcPts val="0"/>
+                  </a:spcBef>
+                  <a:spcAft>
+                    <a:spcPts val="0"/>
+                  </a:spcAft>
+                  <a:buNone/>
+                </a:pPr>
+                <a:r>
+                  <a:t/>
+                </a:r>
+                <a:endParaRPr b="0" i="0" sz="1400" u="none" cap="none" strike="noStrike">
+                  <a:solidFill>
+                    <a:schemeClr val="lt1"/>
+                  </a:solidFill>
+                  <a:latin typeface="Space Grotesk"/>
+                  <a:ea typeface="Space Grotesk"/>
+                  <a:cs typeface="Space Grotesk"/>
+                  <a:sym typeface="Space Grotesk"/>
+                </a:endParaRPr>
+              </a:p>
+            </p:txBody>
+          </p:sp>
+        </p:grpSp>
+        <p:pic>
+          <p:nvPicPr>
+            <p:cNvPr descr="Gandalf emoji | AI Emoji Generator" id="431" name="Google Shape;431;g35cd725ba4c_2_106"/>
+            <p:cNvPicPr preferRelativeResize="0"/>
+            <p:nvPr/>
+          </p:nvPicPr>
+          <p:blipFill rotWithShape="1">
+            <a:blip r:embed="rId6">
+              <a:alphaModFix/>
+            </a:blip>
+            <a:srcRect b="0" l="0" r="0" t="0"/>
+            <a:stretch/>
+          </p:blipFill>
+          <p:spPr>
+            <a:xfrm>
+              <a:off x="11076036" y="1948577"/>
+              <a:ext cx="712542" cy="712542"/>
+            </a:xfrm>
+            <a:prstGeom prst="rect">
+              <a:avLst/>
+            </a:prstGeom>
+            <a:noFill/>
+            <a:ln>
+              <a:noFill/>
+            </a:ln>
+          </p:spPr>
+        </p:pic>
+        <p:grpSp>
+          <p:nvGrpSpPr>
+            <p:cNvPr id="432" name="Google Shape;432;g35cd725ba4c_2_106"/>
+            <p:cNvGrpSpPr/>
+            <p:nvPr/>
+          </p:nvGrpSpPr>
+          <p:grpSpPr>
+            <a:xfrm>
+              <a:off x="8436431" y="2765212"/>
+              <a:ext cx="2885536" cy="1406371"/>
+              <a:chOff x="8468265" y="1100880"/>
+              <a:chExt cx="2885536" cy="1406371"/>
+            </a:xfrm>
+          </p:grpSpPr>
+          <p:grpSp>
+            <p:nvGrpSpPr>
+              <p:cNvPr id="433" name="Google Shape;433;g35cd725ba4c_2_106"/>
+              <p:cNvGrpSpPr/>
+              <p:nvPr/>
+            </p:nvGrpSpPr>
+            <p:grpSpPr>
+              <a:xfrm>
+                <a:off x="8835942" y="1317172"/>
+                <a:ext cx="1360093" cy="1190079"/>
+                <a:chOff x="8835942" y="1317172"/>
+                <a:chExt cx="1360093" cy="1190079"/>
+              </a:xfrm>
+            </p:grpSpPr>
+            <p:pic>
+              <p:nvPicPr>
+                <p:cNvPr id="434" name="Google Shape;434;g35cd725ba4c_2_106"/>
+                <p:cNvPicPr preferRelativeResize="0"/>
+                <p:nvPr/>
+              </p:nvPicPr>
+              <p:blipFill rotWithShape="1">
+                <a:blip r:embed="rId4">
+                  <a:alphaModFix/>
+                </a:blip>
+                <a:srcRect b="0" l="0" r="0" t="0"/>
+                <a:stretch/>
+              </p:blipFill>
+              <p:spPr>
+                <a:xfrm>
+                  <a:off x="8835942" y="1317172"/>
+                  <a:ext cx="1251236" cy="1190079"/>
+                </a:xfrm>
+                <a:prstGeom prst="rect">
+                  <a:avLst/>
+                </a:prstGeom>
+                <a:noFill/>
+                <a:ln>
+                  <a:noFill/>
+                </a:ln>
+              </p:spPr>
+            </p:pic>
+            <p:sp>
+              <p:nvSpPr>
+                <p:cNvPr id="435" name="Google Shape;435;g35cd725ba4c_2_106"/>
+                <p:cNvSpPr txBox="1"/>
+                <p:nvPr/>
+              </p:nvSpPr>
+              <p:spPr>
+                <a:xfrm>
+                  <a:off x="8980208" y="1635060"/>
+                  <a:ext cx="1215827" cy="307736"/>
+                </a:xfrm>
+                <a:prstGeom prst="rect">
+                  <a:avLst/>
+                </a:prstGeom>
+                <a:noFill/>
+                <a:ln>
+                  <a:noFill/>
+                </a:ln>
+              </p:spPr>
+              <p:txBody>
+                <a:bodyPr anchorCtr="0" anchor="t" bIns="45700" lIns="91425" spcFirstLastPara="1" rIns="91425" wrap="square" tIns="45700">
+                  <a:spAutoFit/>
+                </a:bodyPr>
+                <a:lstStyle/>
+                <a:p>
+                  <a:pPr indent="0" lvl="0" marL="0" marR="0" rtl="0" algn="ctr">
+                    <a:lnSpc>
+                      <a:spcPct val="100000"/>
+                    </a:lnSpc>
+                    <a:spcBef>
+                      <a:spcPts val="0"/>
+                    </a:spcBef>
+                    <a:spcAft>
+                      <a:spcPts val="0"/>
+                    </a:spcAft>
+                    <a:buClr>
+                      <a:srgbClr val="000000"/>
+                    </a:buClr>
+                    <a:buSzPts val="1400"/>
+                    <a:buFont typeface="Arial"/>
+                    <a:buNone/>
+                  </a:pPr>
+                  <a:r>
+                    <a:rPr b="1" i="0" lang="en-US" sz="1400" u="none" cap="none" strike="noStrike">
+                      <a:solidFill>
+                        <a:srgbClr val="121C29"/>
+                      </a:solidFill>
+                      <a:latin typeface="Space Grotesk"/>
+                      <a:ea typeface="Space Grotesk"/>
+                      <a:cs typeface="Space Grotesk"/>
+                      <a:sym typeface="Space Grotesk"/>
+                    </a:rPr>
+                    <a:t>Agent</a:t>
+                  </a:r>
+                  <a:endParaRPr b="1" i="0" sz="1400" u="none" cap="none" strike="noStrike">
+                    <a:solidFill>
+                      <a:srgbClr val="121C29"/>
+                    </a:solidFill>
+                    <a:latin typeface="Space Grotesk"/>
+                    <a:ea typeface="Space Grotesk"/>
+                    <a:cs typeface="Space Grotesk"/>
+                    <a:sym typeface="Space Grotesk"/>
+                  </a:endParaRPr>
+                </a:p>
+              </p:txBody>
+            </p:sp>
+          </p:grpSp>
+          <p:grpSp>
+            <p:nvGrpSpPr>
+              <p:cNvPr id="436" name="Google Shape;436;g35cd725ba4c_2_106"/>
+              <p:cNvGrpSpPr/>
+              <p:nvPr/>
+            </p:nvGrpSpPr>
+            <p:grpSpPr>
+              <a:xfrm>
+                <a:off x="10185149" y="1396676"/>
+                <a:ext cx="950937" cy="883572"/>
+                <a:chOff x="6682327" y="1689907"/>
+                <a:chExt cx="1440000" cy="1440000"/>
+              </a:xfrm>
+            </p:grpSpPr>
+            <p:pic>
+              <p:nvPicPr>
+                <p:cNvPr id="437" name="Google Shape;437;g35cd725ba4c_2_106"/>
+                <p:cNvPicPr preferRelativeResize="0"/>
+                <p:nvPr/>
+              </p:nvPicPr>
+              <p:blipFill rotWithShape="1">
+                <a:blip r:embed="rId5">
+                  <a:alphaModFix/>
+                </a:blip>
+                <a:srcRect b="0" l="0" r="0" t="0"/>
+                <a:stretch/>
+              </p:blipFill>
+              <p:spPr>
+                <a:xfrm>
+                  <a:off x="6682327" y="1689907"/>
+                  <a:ext cx="1440000" cy="1440000"/>
+                </a:xfrm>
+                <a:prstGeom prst="rect">
+                  <a:avLst/>
+                </a:prstGeom>
+                <a:noFill/>
+                <a:ln>
+                  <a:noFill/>
+                </a:ln>
+              </p:spPr>
+            </p:pic>
+            <p:sp>
+              <p:nvSpPr>
+                <p:cNvPr id="438" name="Google Shape;438;g35cd725ba4c_2_106"/>
+                <p:cNvSpPr txBox="1"/>
+                <p:nvPr/>
+              </p:nvSpPr>
+              <p:spPr>
+                <a:xfrm>
+                  <a:off x="6720763" y="2139506"/>
+                  <a:ext cx="1360635" cy="307735"/>
+                </a:xfrm>
+                <a:prstGeom prst="rect">
+                  <a:avLst/>
+                </a:prstGeom>
+                <a:noFill/>
+                <a:ln>
+                  <a:noFill/>
+                </a:ln>
+              </p:spPr>
+              <p:txBody>
+                <a:bodyPr anchorCtr="0" anchor="t" bIns="45700" lIns="91425" spcFirstLastPara="1" rIns="91425" wrap="square" tIns="45700">
+                  <a:spAutoFit/>
+                </a:bodyPr>
+                <a:lstStyle/>
+                <a:p>
+                  <a:pPr indent="0" lvl="0" marL="0" marR="0" rtl="0" algn="ctr">
+                    <a:lnSpc>
+                      <a:spcPct val="100000"/>
+                    </a:lnSpc>
+                    <a:spcBef>
+                      <a:spcPts val="0"/>
+                    </a:spcBef>
+                    <a:spcAft>
+                      <a:spcPts val="0"/>
+                    </a:spcAft>
+                    <a:buClr>
+                      <a:srgbClr val="000000"/>
+                    </a:buClr>
+                    <a:buSzPts val="1400"/>
+                    <a:buFont typeface="Arial"/>
+                    <a:buNone/>
+                  </a:pPr>
+                  <a:r>
+                    <a:rPr b="1" i="0" lang="en-US" sz="1400" u="none" cap="none" strike="noStrike">
+                      <a:solidFill>
+                        <a:schemeClr val="dk1"/>
+                      </a:solidFill>
+                      <a:latin typeface="Space Grotesk"/>
+                      <a:ea typeface="Space Grotesk"/>
+                      <a:cs typeface="Space Grotesk"/>
+                      <a:sym typeface="Space Grotesk"/>
+                    </a:rPr>
+                    <a:t>State store</a:t>
+                  </a:r>
+                  <a:endParaRPr b="1" i="0" sz="1400" u="none" cap="none" strike="noStrike">
+                    <a:solidFill>
+                      <a:schemeClr val="dk1"/>
+                    </a:solidFill>
+                    <a:latin typeface="Space Grotesk"/>
+                    <a:ea typeface="Space Grotesk"/>
+                    <a:cs typeface="Space Grotesk"/>
+                    <a:sym typeface="Space Grotesk"/>
+                  </a:endParaRPr>
+                </a:p>
+              </p:txBody>
+            </p:sp>
+          </p:grpSp>
+          <p:sp>
+            <p:nvSpPr>
+              <p:cNvPr id="439" name="Google Shape;439;g35cd725ba4c_2_106"/>
+              <p:cNvSpPr/>
+              <p:nvPr/>
+            </p:nvSpPr>
+            <p:spPr>
+              <a:xfrm>
+                <a:off x="8468265" y="1100880"/>
+                <a:ext cx="2885536" cy="1406371"/>
+              </a:xfrm>
+              <a:prstGeom prst="roundRect">
+                <a:avLst>
+                  <a:gd fmla="val 10417" name="adj"/>
+                </a:avLst>
+              </a:prstGeom>
+              <a:noFill/>
+              <a:ln cap="flat" cmpd="sng" w="19050">
+                <a:solidFill>
+                  <a:schemeClr val="accent2"/>
+                </a:solidFill>
+                <a:prstDash val="dash"/>
+                <a:round/>
+                <a:headEnd len="sm" w="sm" type="none"/>
+                <a:tailEnd len="sm" w="sm" type="none"/>
+              </a:ln>
+            </p:spPr>
+            <p:txBody>
+              <a:bodyPr anchorCtr="0" anchor="ctr" bIns="45700" lIns="91425" spcFirstLastPara="1" rIns="91425" wrap="square" tIns="45700">
+                <a:noAutofit/>
+              </a:bodyPr>
+              <a:lstStyle/>
+              <a:p>
+                <a:pPr indent="0" lvl="0" marL="0" marR="0" rtl="0" algn="ctr">
+                  <a:lnSpc>
+                    <a:spcPct val="100000"/>
+                  </a:lnSpc>
+                  <a:spcBef>
+                    <a:spcPts val="0"/>
+                  </a:spcBef>
+                  <a:spcAft>
+                    <a:spcPts val="0"/>
+                  </a:spcAft>
+                  <a:buNone/>
+                </a:pPr>
+                <a:r>
+                  <a:t/>
+                </a:r>
+                <a:endParaRPr b="0" i="0" sz="1400" u="none" cap="none" strike="noStrike">
+                  <a:solidFill>
+                    <a:schemeClr val="lt1"/>
+                  </a:solidFill>
+                  <a:latin typeface="Space Grotesk"/>
+                  <a:ea typeface="Space Grotesk"/>
+                  <a:cs typeface="Space Grotesk"/>
+                  <a:sym typeface="Space Grotesk"/>
+                </a:endParaRPr>
+              </a:p>
+            </p:txBody>
+          </p:sp>
+        </p:grpSp>
+        <p:grpSp>
+          <p:nvGrpSpPr>
+            <p:cNvPr id="440" name="Google Shape;440;g35cd725ba4c_2_106"/>
+            <p:cNvGrpSpPr/>
+            <p:nvPr/>
+          </p:nvGrpSpPr>
+          <p:grpSpPr>
+            <a:xfrm>
+              <a:off x="8435609" y="4387875"/>
+              <a:ext cx="2885536" cy="1406371"/>
+              <a:chOff x="8468265" y="1100880"/>
+              <a:chExt cx="2885536" cy="1406371"/>
+            </a:xfrm>
+          </p:grpSpPr>
+          <p:grpSp>
+            <p:nvGrpSpPr>
+              <p:cNvPr id="441" name="Google Shape;441;g35cd725ba4c_2_106"/>
+              <p:cNvGrpSpPr/>
+              <p:nvPr/>
+            </p:nvGrpSpPr>
+            <p:grpSpPr>
+              <a:xfrm>
+                <a:off x="8835942" y="1317172"/>
+                <a:ext cx="1360093" cy="1190079"/>
+                <a:chOff x="8835942" y="1317172"/>
+                <a:chExt cx="1360093" cy="1190079"/>
+              </a:xfrm>
+            </p:grpSpPr>
+            <p:pic>
+              <p:nvPicPr>
+                <p:cNvPr id="442" name="Google Shape;442;g35cd725ba4c_2_106"/>
+                <p:cNvPicPr preferRelativeResize="0"/>
+                <p:nvPr/>
+              </p:nvPicPr>
+              <p:blipFill rotWithShape="1">
+                <a:blip r:embed="rId4">
+                  <a:alphaModFix/>
+                </a:blip>
+                <a:srcRect b="0" l="0" r="0" t="0"/>
+                <a:stretch/>
+              </p:blipFill>
+              <p:spPr>
+                <a:xfrm>
+                  <a:off x="8835942" y="1317172"/>
+                  <a:ext cx="1251236" cy="1190079"/>
+                </a:xfrm>
+                <a:prstGeom prst="rect">
+                  <a:avLst/>
+                </a:prstGeom>
+                <a:noFill/>
+                <a:ln>
+                  <a:noFill/>
+                </a:ln>
+              </p:spPr>
+            </p:pic>
+            <p:sp>
+              <p:nvSpPr>
+                <p:cNvPr id="443" name="Google Shape;443;g35cd725ba4c_2_106"/>
+                <p:cNvSpPr txBox="1"/>
+                <p:nvPr/>
+              </p:nvSpPr>
+              <p:spPr>
+                <a:xfrm>
+                  <a:off x="8980208" y="1635060"/>
+                  <a:ext cx="1215827" cy="307736"/>
+                </a:xfrm>
+                <a:prstGeom prst="rect">
+                  <a:avLst/>
+                </a:prstGeom>
+                <a:noFill/>
+                <a:ln>
+                  <a:noFill/>
+                </a:ln>
+              </p:spPr>
+              <p:txBody>
+                <a:bodyPr anchorCtr="0" anchor="t" bIns="45700" lIns="91425" spcFirstLastPara="1" rIns="91425" wrap="square" tIns="45700">
+                  <a:spAutoFit/>
+                </a:bodyPr>
+                <a:lstStyle/>
+                <a:p>
+                  <a:pPr indent="0" lvl="0" marL="0" marR="0" rtl="0" algn="ctr">
+                    <a:lnSpc>
+                      <a:spcPct val="100000"/>
+                    </a:lnSpc>
+                    <a:spcBef>
+                      <a:spcPts val="0"/>
+                    </a:spcBef>
+                    <a:spcAft>
+                      <a:spcPts val="0"/>
+                    </a:spcAft>
+                    <a:buClr>
+                      <a:srgbClr val="000000"/>
+                    </a:buClr>
+                    <a:buSzPts val="1400"/>
+                    <a:buFont typeface="Arial"/>
+                    <a:buNone/>
+                  </a:pPr>
+                  <a:r>
+                    <a:rPr b="1" i="0" lang="en-US" sz="1400" u="none" cap="none" strike="noStrike">
+                      <a:solidFill>
+                        <a:srgbClr val="121C29"/>
+                      </a:solidFill>
+                      <a:latin typeface="Space Grotesk"/>
+                      <a:ea typeface="Space Grotesk"/>
+                      <a:cs typeface="Space Grotesk"/>
+                      <a:sym typeface="Space Grotesk"/>
+                    </a:rPr>
+                    <a:t>Agent</a:t>
+                  </a:r>
+                  <a:endParaRPr b="1" i="0" sz="1400" u="none" cap="none" strike="noStrike">
+                    <a:solidFill>
+                      <a:srgbClr val="121C29"/>
+                    </a:solidFill>
+                    <a:latin typeface="Space Grotesk"/>
+                    <a:ea typeface="Space Grotesk"/>
+                    <a:cs typeface="Space Grotesk"/>
+                    <a:sym typeface="Space Grotesk"/>
+                  </a:endParaRPr>
+                </a:p>
+              </p:txBody>
+            </p:sp>
+          </p:grpSp>
+          <p:grpSp>
+            <p:nvGrpSpPr>
+              <p:cNvPr id="444" name="Google Shape;444;g35cd725ba4c_2_106"/>
+              <p:cNvGrpSpPr/>
+              <p:nvPr/>
+            </p:nvGrpSpPr>
+            <p:grpSpPr>
+              <a:xfrm>
+                <a:off x="10185149" y="1396676"/>
+                <a:ext cx="950937" cy="883572"/>
+                <a:chOff x="6682327" y="1689907"/>
+                <a:chExt cx="1440000" cy="1440000"/>
+              </a:xfrm>
+            </p:grpSpPr>
+            <p:pic>
+              <p:nvPicPr>
+                <p:cNvPr id="445" name="Google Shape;445;g35cd725ba4c_2_106"/>
+                <p:cNvPicPr preferRelativeResize="0"/>
+                <p:nvPr/>
+              </p:nvPicPr>
+              <p:blipFill rotWithShape="1">
+                <a:blip r:embed="rId5">
+                  <a:alphaModFix/>
+                </a:blip>
+                <a:srcRect b="0" l="0" r="0" t="0"/>
+                <a:stretch/>
+              </p:blipFill>
+              <p:spPr>
+                <a:xfrm>
+                  <a:off x="6682327" y="1689907"/>
+                  <a:ext cx="1440000" cy="1440000"/>
+                </a:xfrm>
+                <a:prstGeom prst="rect">
+                  <a:avLst/>
+                </a:prstGeom>
+                <a:noFill/>
+                <a:ln>
+                  <a:noFill/>
+                </a:ln>
+              </p:spPr>
+            </p:pic>
+            <p:sp>
+              <p:nvSpPr>
+                <p:cNvPr id="446" name="Google Shape;446;g35cd725ba4c_2_106"/>
+                <p:cNvSpPr txBox="1"/>
+                <p:nvPr/>
+              </p:nvSpPr>
+              <p:spPr>
+                <a:xfrm>
+                  <a:off x="6722008" y="2167209"/>
+                  <a:ext cx="1360635" cy="307735"/>
+                </a:xfrm>
+                <a:prstGeom prst="rect">
+                  <a:avLst/>
+                </a:prstGeom>
+                <a:noFill/>
+                <a:ln>
+                  <a:noFill/>
+                </a:ln>
+              </p:spPr>
+              <p:txBody>
+                <a:bodyPr anchorCtr="0" anchor="t" bIns="45700" lIns="91425" spcFirstLastPara="1" rIns="91425" wrap="square" tIns="45700">
+                  <a:spAutoFit/>
+                </a:bodyPr>
+                <a:lstStyle/>
+                <a:p>
+                  <a:pPr indent="0" lvl="0" marL="0" marR="0" rtl="0" algn="ctr">
+                    <a:lnSpc>
+                      <a:spcPct val="100000"/>
+                    </a:lnSpc>
+                    <a:spcBef>
+                      <a:spcPts val="0"/>
+                    </a:spcBef>
+                    <a:spcAft>
+                      <a:spcPts val="0"/>
+                    </a:spcAft>
+                    <a:buClr>
+                      <a:srgbClr val="000000"/>
+                    </a:buClr>
+                    <a:buSzPts val="1400"/>
+                    <a:buFont typeface="Arial"/>
+                    <a:buNone/>
+                  </a:pPr>
+                  <a:r>
+                    <a:rPr b="1" i="0" lang="en-US" sz="1400" u="none" cap="none" strike="noStrike">
+                      <a:solidFill>
+                        <a:schemeClr val="dk1"/>
+                      </a:solidFill>
+                      <a:latin typeface="Space Grotesk"/>
+                      <a:ea typeface="Space Grotesk"/>
+                      <a:cs typeface="Space Grotesk"/>
+                      <a:sym typeface="Space Grotesk"/>
+                    </a:rPr>
+                    <a:t>State store</a:t>
+                  </a:r>
+                  <a:endParaRPr b="1" i="0" sz="1400" u="none" cap="none" strike="noStrike">
+                    <a:solidFill>
+                      <a:schemeClr val="dk1"/>
+                    </a:solidFill>
+                    <a:latin typeface="Space Grotesk"/>
+                    <a:ea typeface="Space Grotesk"/>
+                    <a:cs typeface="Space Grotesk"/>
+                    <a:sym typeface="Space Grotesk"/>
+                  </a:endParaRPr>
+                </a:p>
+              </p:txBody>
+            </p:sp>
+          </p:grpSp>
+          <p:sp>
+            <p:nvSpPr>
+              <p:cNvPr id="447" name="Google Shape;447;g35cd725ba4c_2_106"/>
+              <p:cNvSpPr/>
+              <p:nvPr/>
+            </p:nvSpPr>
+            <p:spPr>
+              <a:xfrm>
+                <a:off x="8468265" y="1100880"/>
+                <a:ext cx="2885536" cy="1406371"/>
+              </a:xfrm>
+              <a:prstGeom prst="roundRect">
+                <a:avLst>
+                  <a:gd fmla="val 10417" name="adj"/>
+                </a:avLst>
+              </a:prstGeom>
+              <a:noFill/>
+              <a:ln cap="flat" cmpd="sng" w="19050">
+                <a:solidFill>
+                  <a:schemeClr val="accent2"/>
+                </a:solidFill>
+                <a:prstDash val="dash"/>
+                <a:round/>
+                <a:headEnd len="sm" w="sm" type="none"/>
+                <a:tailEnd len="sm" w="sm" type="none"/>
+              </a:ln>
+            </p:spPr>
+            <p:txBody>
+              <a:bodyPr anchorCtr="0" anchor="ctr" bIns="45700" lIns="91425" spcFirstLastPara="1" rIns="91425" wrap="square" tIns="45700">
+                <a:noAutofit/>
+              </a:bodyPr>
+              <a:lstStyle/>
+              <a:p>
+                <a:pPr indent="0" lvl="0" marL="0" marR="0" rtl="0" algn="ctr">
+                  <a:lnSpc>
+                    <a:spcPct val="100000"/>
+                  </a:lnSpc>
+                  <a:spcBef>
+                    <a:spcPts val="0"/>
+                  </a:spcBef>
+                  <a:spcAft>
+                    <a:spcPts val="0"/>
+                  </a:spcAft>
+                  <a:buNone/>
+                </a:pPr>
+                <a:r>
+                  <a:t/>
+                </a:r>
+                <a:endParaRPr b="0" i="0" sz="1400" u="none" cap="none" strike="noStrike">
+                  <a:solidFill>
+                    <a:schemeClr val="lt1"/>
+                  </a:solidFill>
+                  <a:latin typeface="Space Grotesk"/>
+                  <a:ea typeface="Space Grotesk"/>
+                  <a:cs typeface="Space Grotesk"/>
+                  <a:sym typeface="Space Grotesk"/>
+                </a:endParaRPr>
+              </a:p>
+            </p:txBody>
+          </p:sp>
+        </p:grpSp>
+        <p:pic>
+          <p:nvPicPr>
+            <p:cNvPr descr="Legolas elf emoji | AI Emoji Generator" id="448" name="Google Shape;448;g35cd725ba4c_2_106"/>
+            <p:cNvPicPr preferRelativeResize="0"/>
+            <p:nvPr/>
+          </p:nvPicPr>
+          <p:blipFill rotWithShape="1">
+            <a:blip r:embed="rId7">
+              <a:alphaModFix/>
+            </a:blip>
+            <a:srcRect b="0" l="0" r="0" t="0"/>
+            <a:stretch/>
+          </p:blipFill>
+          <p:spPr>
+            <a:xfrm flipH="1">
+              <a:off x="11050470" y="3594841"/>
+              <a:ext cx="623808" cy="623808"/>
+            </a:xfrm>
+            <a:prstGeom prst="rect">
+              <a:avLst/>
+            </a:prstGeom>
+            <a:noFill/>
+            <a:ln>
+              <a:noFill/>
+            </a:ln>
+          </p:spPr>
+        </p:pic>
+        <p:pic>
+          <p:nvPicPr>
+            <p:cNvPr descr="Hobbit emoji | AI Emoji Generator" id="449" name="Google Shape;449;g35cd725ba4c_2_106"/>
+            <p:cNvPicPr preferRelativeResize="0"/>
+            <p:nvPr/>
+          </p:nvPicPr>
+          <p:blipFill rotWithShape="1">
+            <a:blip r:embed="rId8">
+              <a:alphaModFix/>
+            </a:blip>
+            <a:srcRect b="0" l="0" r="0" t="0"/>
+            <a:stretch/>
+          </p:blipFill>
+          <p:spPr>
+            <a:xfrm>
+              <a:off x="11013860" y="5409206"/>
+              <a:ext cx="680836" cy="680836"/>
+            </a:xfrm>
+            <a:prstGeom prst="rect">
+              <a:avLst/>
+            </a:prstGeom>
+            <a:noFill/>
+            <a:ln>
+              <a:noFill/>
+            </a:ln>
+          </p:spPr>
+        </p:pic>
+      </p:grpSp>
+      <p:sp>
+        <p:nvSpPr>
+          <p:cNvPr id="450" name="Google Shape;450;g35cd725ba4c_2_106"/>
+          <p:cNvSpPr/>
+          <p:nvPr/>
+        </p:nvSpPr>
+        <p:spPr>
+          <a:xfrm>
+            <a:off x="1332824" y="4275185"/>
+            <a:ext cx="1561878" cy="343603"/>
+          </a:xfrm>
+          <a:prstGeom prst="roundRect">
+            <a:avLst>
+              <a:gd fmla="val 30559" name="adj"/>
+            </a:avLst>
+          </a:prstGeom>
+          <a:solidFill>
+            <a:schemeClr val="lt1"/>
+          </a:solidFill>
+          <a:ln cap="flat" cmpd="sng" w="19050">
+            <a:solidFill>
+              <a:schemeClr val="accent2"/>
+            </a:solidFill>
+            <a:prstDash val="solid"/>
+            <a:round/>
+            <a:headEnd len="sm" w="sm" type="none"/>
+            <a:tailEnd len="sm" w="sm" type="none"/>
+          </a:ln>
+        </p:spPr>
+        <p:txBody>
+          <a:bodyPr anchorCtr="0" anchor="ctr" bIns="45700" lIns="91425" spcFirstLastPara="1" rIns="91425" wrap="square" tIns="45700">
+            <a:noAutofit/>
+          </a:bodyPr>
+          <a:lstStyle/>
+          <a:p>
+            <a:pPr indent="0" lvl="0" marL="0" marR="0" rtl="0" algn="ctr">
+              <a:lnSpc>
+                <a:spcPct val="100000"/>
+              </a:lnSpc>
+              <a:spcBef>
+                <a:spcPts val="0"/>
+              </a:spcBef>
+              <a:spcAft>
+                <a:spcPts val="0"/>
+              </a:spcAft>
+              <a:buClr>
+                <a:srgbClr val="000000"/>
+              </a:buClr>
+              <a:buSzPts val="1400"/>
+              <a:buFont typeface="Arial"/>
+              <a:buNone/>
+            </a:pPr>
+            <a:r>
+              <a:t/>
+            </a:r>
+            <a:endParaRPr b="0" i="0" sz="1400" u="none" cap="none" strike="noStrike">
+              <a:solidFill>
+                <a:schemeClr val="lt1"/>
+              </a:solidFill>
+              <a:latin typeface="Space Grotesk"/>
+              <a:ea typeface="Space Grotesk"/>
+              <a:cs typeface="Space Grotesk"/>
+              <a:sym typeface="Space Grotesk"/>
+            </a:endParaRPr>
+          </a:p>
+        </p:txBody>
+      </p:sp>
+      <p:sp>
+        <p:nvSpPr>
+          <p:cNvPr id="451" name="Google Shape;451;g35cd725ba4c_2_106"/>
+          <p:cNvSpPr txBox="1"/>
+          <p:nvPr/>
+        </p:nvSpPr>
+        <p:spPr>
+          <a:xfrm>
+            <a:off x="1496174" y="4293118"/>
+            <a:ext cx="1341718" cy="307736"/>
+          </a:xfrm>
+          <a:prstGeom prst="rect">
+            <a:avLst/>
+          </a:prstGeom>
+          <a:noFill/>
+          <a:ln>
+            <a:noFill/>
+          </a:ln>
+        </p:spPr>
+        <p:txBody>
+          <a:bodyPr anchorCtr="0" anchor="t" bIns="45700" lIns="91425" spcFirstLastPara="1" rIns="91425" wrap="square" tIns="45700">
+            <a:spAutoFit/>
+          </a:bodyPr>
+          <a:lstStyle/>
+          <a:p>
+            <a:pPr indent="0" lvl="0" marL="0" marR="0" rtl="0" algn="ctr">
+              <a:lnSpc>
+                <a:spcPct val="100000"/>
+              </a:lnSpc>
+              <a:spcBef>
+                <a:spcPts val="0"/>
+              </a:spcBef>
+              <a:spcAft>
+                <a:spcPts val="0"/>
+              </a:spcAft>
+              <a:buClr>
+                <a:srgbClr val="000000"/>
+              </a:buClr>
+              <a:buSzPts val="1400"/>
+              <a:buFont typeface="Arial"/>
+              <a:buNone/>
+            </a:pPr>
+            <a:r>
+              <a:rPr b="0" i="0" lang="en-US" sz="1400" u="none" cap="none" strike="noStrike">
+                <a:solidFill>
+                  <a:srgbClr val="121C29"/>
+                </a:solidFill>
+                <a:latin typeface="Space Grotesk"/>
+                <a:ea typeface="Space Grotesk"/>
+                <a:cs typeface="Space Grotesk"/>
+                <a:sym typeface="Space Grotesk"/>
+              </a:rPr>
+              <a:t>Orchestrator</a:t>
+            </a:r>
+            <a:endParaRPr b="0" i="0" sz="1400" u="none" cap="none" strike="noStrike">
+              <a:solidFill>
+                <a:srgbClr val="121C29"/>
+              </a:solidFill>
+              <a:latin typeface="Space Grotesk"/>
+              <a:ea typeface="Space Grotesk"/>
+              <a:cs typeface="Space Grotesk"/>
+              <a:sym typeface="Space Grotesk"/>
+            </a:endParaRPr>
+          </a:p>
+        </p:txBody>
+      </p:sp>
+      <p:pic>
+        <p:nvPicPr>
+          <p:cNvPr id="452" name="Google Shape;452;g35cd725ba4c_2_106"/>
+          <p:cNvPicPr preferRelativeResize="0"/>
+          <p:nvPr/>
+        </p:nvPicPr>
+        <p:blipFill rotWithShape="1">
+          <a:blip r:embed="rId9">
+            <a:alphaModFix/>
+          </a:blip>
+          <a:srcRect b="0" l="0" r="0" t="0"/>
+          <a:stretch/>
+        </p:blipFill>
+        <p:spPr>
+          <a:xfrm>
+            <a:off x="7988293" y="1469871"/>
+            <a:ext cx="639629" cy="646290"/>
+          </a:xfrm>
+          <a:prstGeom prst="rect">
+            <a:avLst/>
+          </a:prstGeom>
+          <a:noFill/>
+          <a:ln>
+            <a:noFill/>
+          </a:ln>
+        </p:spPr>
+      </p:pic>
+      <p:pic>
+        <p:nvPicPr>
+          <p:cNvPr id="453" name="Google Shape;453;g35cd725ba4c_2_106"/>
+          <p:cNvPicPr preferRelativeResize="0"/>
+          <p:nvPr/>
+        </p:nvPicPr>
+        <p:blipFill rotWithShape="1">
+          <a:blip r:embed="rId9">
+            <a:alphaModFix/>
+          </a:blip>
+          <a:srcRect b="0" l="0" r="0" t="0"/>
+          <a:stretch/>
+        </p:blipFill>
+        <p:spPr>
+          <a:xfrm>
+            <a:off x="7978386" y="2763529"/>
+            <a:ext cx="639629" cy="646290"/>
+          </a:xfrm>
+          <a:prstGeom prst="rect">
+            <a:avLst/>
+          </a:prstGeom>
+          <a:noFill/>
+          <a:ln>
+            <a:noFill/>
+          </a:ln>
+        </p:spPr>
+      </p:pic>
+      <p:pic>
+        <p:nvPicPr>
+          <p:cNvPr id="454" name="Google Shape;454;g35cd725ba4c_2_106"/>
+          <p:cNvPicPr preferRelativeResize="0"/>
+          <p:nvPr/>
+        </p:nvPicPr>
+        <p:blipFill rotWithShape="1">
+          <a:blip r:embed="rId9">
+            <a:alphaModFix/>
+          </a:blip>
+          <a:srcRect b="0" l="0" r="0" t="0"/>
+          <a:stretch/>
+        </p:blipFill>
+        <p:spPr>
+          <a:xfrm>
+            <a:off x="7988292" y="4183714"/>
+            <a:ext cx="639629" cy="646290"/>
+          </a:xfrm>
+          <a:prstGeom prst="rect">
+            <a:avLst/>
+          </a:prstGeom>
+          <a:noFill/>
+          <a:ln>
+            <a:noFill/>
+          </a:ln>
+        </p:spPr>
+      </p:pic>
+      <p:pic>
+        <p:nvPicPr>
+          <p:cNvPr id="455" name="Google Shape;455;g35cd725ba4c_2_106"/>
+          <p:cNvPicPr preferRelativeResize="0"/>
+          <p:nvPr/>
+        </p:nvPicPr>
+        <p:blipFill rotWithShape="1">
+          <a:blip r:embed="rId9">
+            <a:alphaModFix/>
+          </a:blip>
+          <a:srcRect b="0" l="0" r="0" t="0"/>
+          <a:stretch/>
+        </p:blipFill>
+        <p:spPr>
+          <a:xfrm>
+            <a:off x="4211405" y="5086061"/>
+            <a:ext cx="639629" cy="646290"/>
+          </a:xfrm>
+          <a:prstGeom prst="rect">
+            <a:avLst/>
+          </a:prstGeom>
+          <a:noFill/>
+          <a:ln>
+            <a:noFill/>
+          </a:ln>
+        </p:spPr>
+      </p:pic>
+      <p:pic>
+        <p:nvPicPr>
+          <p:cNvPr id="456" name="Google Shape;456;g35cd725ba4c_2_106"/>
+          <p:cNvPicPr preferRelativeResize="0"/>
+          <p:nvPr/>
+        </p:nvPicPr>
+        <p:blipFill rotWithShape="1">
+          <a:blip r:embed="rId10">
+            <a:alphaModFix/>
+          </a:blip>
+          <a:srcRect b="0" l="0" r="0" t="0"/>
+          <a:stretch/>
+        </p:blipFill>
+        <p:spPr>
+          <a:xfrm>
+            <a:off x="1243115" y="1680913"/>
+            <a:ext cx="731520" cy="731520"/>
+          </a:xfrm>
+          <a:prstGeom prst="rect">
+            <a:avLst/>
+          </a:prstGeom>
+          <a:noFill/>
+          <a:ln>
+            <a:noFill/>
+          </a:ln>
+        </p:spPr>
+      </p:pic>
+      <p:sp>
+        <p:nvSpPr>
+          <p:cNvPr id="457" name="Google Shape;457;g35cd725ba4c_2_106"/>
+          <p:cNvSpPr txBox="1"/>
+          <p:nvPr/>
+        </p:nvSpPr>
+        <p:spPr>
+          <a:xfrm>
+            <a:off x="1032126" y="2336233"/>
+            <a:ext cx="1153500" cy="400200"/>
+          </a:xfrm>
+          <a:prstGeom prst="rect">
+            <a:avLst/>
+          </a:prstGeom>
+          <a:noFill/>
+          <a:ln>
+            <a:noFill/>
+          </a:ln>
+        </p:spPr>
+        <p:txBody>
+          <a:bodyPr anchorCtr="0" anchor="t" bIns="91425" lIns="91425" spcFirstLastPara="1" rIns="91425" wrap="square" tIns="91425">
+            <a:spAutoFit/>
+          </a:bodyPr>
+          <a:lstStyle/>
+          <a:p>
+            <a:pPr indent="0" lvl="0" marL="0" marR="0" rtl="0" algn="ctr">
+              <a:lnSpc>
+                <a:spcPct val="100000"/>
+              </a:lnSpc>
+              <a:spcBef>
+                <a:spcPts val="0"/>
+              </a:spcBef>
+              <a:spcAft>
+                <a:spcPts val="0"/>
+              </a:spcAft>
+              <a:buClr>
+                <a:srgbClr val="000000"/>
+              </a:buClr>
+              <a:buSzPts val="1400"/>
+              <a:buFont typeface="Arial"/>
+              <a:buNone/>
+            </a:pPr>
+            <a:r>
+              <a:rPr b="0" i="0" lang="en-US" sz="1400" u="none" cap="none" strike="noStrike">
+                <a:solidFill>
+                  <a:schemeClr val="dk1"/>
+                </a:solidFill>
+                <a:latin typeface="Space Grotesk Light"/>
+                <a:ea typeface="Space Grotesk Light"/>
+                <a:cs typeface="Space Grotesk Light"/>
+                <a:sym typeface="Space Grotesk Light"/>
+              </a:rPr>
+              <a:t>User</a:t>
+            </a:r>
+            <a:endParaRPr b="0" i="0" sz="1400" u="none" cap="none" strike="noStrike">
+              <a:solidFill>
+                <a:schemeClr val="dk1"/>
+              </a:solidFill>
+              <a:latin typeface="Space Grotesk Light"/>
+              <a:ea typeface="Space Grotesk Light"/>
+              <a:cs typeface="Space Grotesk Light"/>
+              <a:sym typeface="Space Grotesk Light"/>
+            </a:endParaRPr>
+          </a:p>
+        </p:txBody>
+      </p:sp>
+      <p:sp>
+        <p:nvSpPr>
+          <p:cNvPr id="458" name="Google Shape;458;g35cd725ba4c_2_106"/>
+          <p:cNvSpPr txBox="1"/>
+          <p:nvPr/>
+        </p:nvSpPr>
+        <p:spPr>
+          <a:xfrm>
+            <a:off x="2019386" y="1952382"/>
+            <a:ext cx="2799733" cy="451406"/>
+          </a:xfrm>
+          <a:prstGeom prst="rect">
+            <a:avLst/>
+          </a:prstGeom>
+          <a:noFill/>
+          <a:ln>
+            <a:noFill/>
+          </a:ln>
+        </p:spPr>
+        <p:txBody>
+          <a:bodyPr anchorCtr="0" anchor="t" bIns="45700" lIns="91425" spcFirstLastPara="1" rIns="91425" wrap="square" tIns="45700">
+            <a:spAutoFit/>
+          </a:bodyPr>
+          <a:lstStyle/>
+          <a:p>
+            <a:pPr indent="0" lvl="0" marL="0" marR="0" rtl="0" algn="l">
+              <a:lnSpc>
+                <a:spcPct val="96428"/>
+              </a:lnSpc>
+              <a:spcBef>
+                <a:spcPts val="0"/>
+              </a:spcBef>
+              <a:spcAft>
+                <a:spcPts val="0"/>
+              </a:spcAft>
+              <a:buNone/>
+            </a:pPr>
+            <a:r>
+              <a:rPr b="0" i="0" lang="en-US" sz="1400" u="none" cap="none" strike="noStrike">
+                <a:solidFill>
+                  <a:srgbClr val="CE9178"/>
+                </a:solidFill>
+                <a:latin typeface="Arial"/>
+                <a:ea typeface="Arial"/>
+                <a:cs typeface="Arial"/>
+                <a:sym typeface="Arial"/>
+              </a:rPr>
+              <a:t>How to get to Mordor? </a:t>
+            </a:r>
+            <a:br>
+              <a:rPr b="0" i="0" lang="en-US" sz="1400" u="none" cap="none" strike="noStrike">
+                <a:solidFill>
+                  <a:srgbClr val="CE9178"/>
+                </a:solidFill>
+                <a:latin typeface="Arial"/>
+                <a:ea typeface="Arial"/>
+                <a:cs typeface="Arial"/>
+                <a:sym typeface="Arial"/>
+              </a:rPr>
+            </a:br>
+            <a:r>
+              <a:rPr b="0" i="0" lang="en-US" sz="1400" u="none" cap="none" strike="noStrike">
+                <a:solidFill>
+                  <a:srgbClr val="CE9178"/>
+                </a:solidFill>
+                <a:latin typeface="Arial"/>
+                <a:ea typeface="Arial"/>
+                <a:cs typeface="Arial"/>
+                <a:sym typeface="Arial"/>
+              </a:rPr>
+              <a:t>We all need to help!</a:t>
+            </a:r>
+            <a:endParaRPr b="0" i="0" sz="1400" u="none" cap="none" strike="noStrike">
+              <a:solidFill>
+                <a:srgbClr val="CCCCCC"/>
+              </a:solidFill>
+              <a:latin typeface="Arial"/>
+              <a:ea typeface="Arial"/>
+              <a:cs typeface="Arial"/>
+              <a:sym typeface="Arial"/>
+            </a:endParaRPr>
+          </a:p>
+        </p:txBody>
+      </p:sp>
+      <p:sp>
+        <p:nvSpPr>
+          <p:cNvPr id="459" name="Google Shape;459;g35cd725ba4c_2_106"/>
+          <p:cNvSpPr/>
+          <p:nvPr/>
+        </p:nvSpPr>
+        <p:spPr>
+          <a:xfrm>
+            <a:off x="1176480" y="1482317"/>
+            <a:ext cx="3391669" cy="1296278"/>
+          </a:xfrm>
+          <a:prstGeom prst="roundRect">
+            <a:avLst>
+              <a:gd fmla="val 10417" name="adj"/>
+            </a:avLst>
+          </a:prstGeom>
+          <a:noFill/>
+          <a:ln cap="flat" cmpd="sng" w="19050">
+            <a:solidFill>
+              <a:schemeClr val="accent2"/>
+            </a:solidFill>
+            <a:prstDash val="dash"/>
+            <a:round/>
+            <a:headEnd len="sm" w="sm" type="none"/>
+            <a:tailEnd len="sm" w="sm" type="none"/>
+          </a:ln>
+        </p:spPr>
+        <p:txBody>
+          <a:bodyPr anchorCtr="0" anchor="ctr" bIns="45700" lIns="91425" spcFirstLastPara="1" rIns="91425" wrap="square" tIns="45700">
+            <a:noAutofit/>
+          </a:bodyPr>
+          <a:lstStyle/>
+          <a:p>
+            <a:pPr indent="0" lvl="0" marL="0" marR="0" rtl="0" algn="ctr">
+              <a:lnSpc>
+                <a:spcPct val="100000"/>
+              </a:lnSpc>
+              <a:spcBef>
+                <a:spcPts val="0"/>
+              </a:spcBef>
+              <a:spcAft>
+                <a:spcPts val="0"/>
+              </a:spcAft>
+              <a:buNone/>
+            </a:pPr>
+            <a:r>
+              <a:t/>
+            </a:r>
+            <a:endParaRPr b="0" i="0" sz="1400" u="none" cap="none" strike="noStrike">
+              <a:solidFill>
+                <a:schemeClr val="lt1"/>
+              </a:solidFill>
+              <a:latin typeface="Space Grotesk"/>
+              <a:ea typeface="Space Grotesk"/>
+              <a:cs typeface="Space Grotesk"/>
+              <a:sym typeface="Space Grotesk"/>
+            </a:endParaRPr>
+          </a:p>
+        </p:txBody>
+      </p:sp>
+      <p:cxnSp>
+        <p:nvCxnSpPr>
+          <p:cNvPr id="460" name="Google Shape;460;g35cd725ba4c_2_106"/>
+          <p:cNvCxnSpPr>
+            <a:endCxn id="459" idx="3"/>
+          </p:cNvCxnSpPr>
+          <p:nvPr/>
+        </p:nvCxnSpPr>
+        <p:spPr>
+          <a:xfrm flipH="1" rot="5400000">
+            <a:off x="3448549" y="3250056"/>
+            <a:ext cx="3197700" cy="958500"/>
+          </a:xfrm>
+          <a:prstGeom prst="bentConnector2">
+            <a:avLst/>
+          </a:prstGeom>
+          <a:noFill/>
+          <a:ln cap="flat" cmpd="sng" w="19050">
+            <a:solidFill>
+              <a:schemeClr val="dk1"/>
+            </a:solidFill>
+            <a:prstDash val="solid"/>
+            <a:miter lim="800000"/>
+            <a:headEnd len="lg" w="lg" type="triangle"/>
+            <a:tailEnd len="sm" w="sm" type="none"/>
+          </a:ln>
+        </p:spPr>
+      </p:cxnSp>
+      <p:cxnSp>
+        <p:nvCxnSpPr>
+          <p:cNvPr id="461" name="Google Shape;461;g35cd725ba4c_2_106"/>
+          <p:cNvCxnSpPr>
+            <a:endCxn id="412" idx="0"/>
+          </p:cNvCxnSpPr>
+          <p:nvPr/>
+        </p:nvCxnSpPr>
+        <p:spPr>
+          <a:xfrm flipH="1">
+            <a:off x="5834772" y="2073882"/>
+            <a:ext cx="3366000" cy="3294900"/>
+          </a:xfrm>
+          <a:prstGeom prst="bentConnector2">
+            <a:avLst/>
+          </a:prstGeom>
+          <a:noFill/>
+          <a:ln cap="flat" cmpd="sng" w="19050">
+            <a:solidFill>
+              <a:schemeClr val="dk1"/>
+            </a:solidFill>
+            <a:prstDash val="solid"/>
+            <a:miter lim="800000"/>
+            <a:headEnd len="lg" w="lg" type="triangle"/>
+            <a:tailEnd len="sm" w="sm" type="none"/>
+          </a:ln>
+        </p:spPr>
+      </p:cxnSp>
+      <p:sp>
+        <p:nvSpPr>
+          <p:cNvPr id="462" name="Google Shape;462;g35cd725ba4c_2_106"/>
+          <p:cNvSpPr/>
+          <p:nvPr/>
+        </p:nvSpPr>
+        <p:spPr>
+          <a:xfrm flipH="1" rot="10800000">
+            <a:off x="2994585" y="3062015"/>
+            <a:ext cx="1888703" cy="689082"/>
+          </a:xfrm>
+          <a:prstGeom prst="wedgeRoundRectCallout">
+            <a:avLst>
+              <a:gd fmla="val -53028" name="adj1"/>
+              <a:gd fmla="val -138387" name="adj2"/>
+              <a:gd fmla="val 16667" name="adj3"/>
+            </a:avLst>
+          </a:prstGeom>
+          <a:solidFill>
+            <a:schemeClr val="lt1"/>
+          </a:solidFill>
+          <a:ln cap="flat" cmpd="sng" w="19050">
+            <a:solidFill>
+              <a:schemeClr val="accent2"/>
+            </a:solidFill>
+            <a:prstDash val="solid"/>
+            <a:round/>
+            <a:headEnd len="sm" w="sm" type="none"/>
+            <a:tailEnd len="sm" w="sm" type="none"/>
+          </a:ln>
+        </p:spPr>
+        <p:txBody>
+          <a:bodyPr anchorCtr="0" anchor="ctr" bIns="45700" lIns="91425" spcFirstLastPara="1" rIns="91425" wrap="square" tIns="45700">
+            <a:noAutofit/>
+          </a:bodyPr>
+          <a:lstStyle/>
+          <a:p>
+            <a:pPr indent="0" lvl="0" marL="0" marR="0" rtl="0" algn="ctr">
+              <a:lnSpc>
+                <a:spcPct val="100000"/>
+              </a:lnSpc>
+              <a:spcBef>
+                <a:spcPts val="0"/>
+              </a:spcBef>
+              <a:spcAft>
+                <a:spcPts val="0"/>
+              </a:spcAft>
+              <a:buClr>
+                <a:srgbClr val="000000"/>
+              </a:buClr>
+              <a:buSzPts val="1200"/>
+              <a:buFont typeface="Arial"/>
+              <a:buNone/>
+            </a:pPr>
+            <a:r>
+              <a:t/>
+            </a:r>
+            <a:endParaRPr b="0" i="0" sz="1400" u="none" cap="none" strike="noStrike">
+              <a:solidFill>
+                <a:schemeClr val="dk1"/>
+              </a:solidFill>
+              <a:latin typeface="Space Grotesk"/>
+              <a:ea typeface="Space Grotesk"/>
+              <a:cs typeface="Space Grotesk"/>
+              <a:sym typeface="Space Grotesk"/>
+            </a:endParaRPr>
+          </a:p>
+        </p:txBody>
+      </p:sp>
+      <p:sp>
+        <p:nvSpPr>
+          <p:cNvPr id="463" name="Google Shape;463;g35cd725ba4c_2_106"/>
+          <p:cNvSpPr txBox="1"/>
+          <p:nvPr/>
+        </p:nvSpPr>
+        <p:spPr>
+          <a:xfrm>
+            <a:off x="2668752" y="3042216"/>
+            <a:ext cx="2540367" cy="738623"/>
+          </a:xfrm>
+          <a:prstGeom prst="rect">
+            <a:avLst/>
+          </a:prstGeom>
+          <a:noFill/>
+          <a:ln>
+            <a:noFill/>
+          </a:ln>
+        </p:spPr>
+        <p:txBody>
+          <a:bodyPr anchorCtr="0" anchor="t" bIns="45700" lIns="91425" spcFirstLastPara="1" rIns="91425" wrap="square" tIns="45700">
+            <a:spAutoFit/>
+          </a:bodyPr>
+          <a:lstStyle/>
+          <a:p>
+            <a:pPr indent="0" lvl="0" marL="0" marR="0" rtl="0" algn="ctr">
+              <a:lnSpc>
+                <a:spcPct val="100000"/>
+              </a:lnSpc>
+              <a:spcBef>
+                <a:spcPts val="0"/>
+              </a:spcBef>
+              <a:spcAft>
+                <a:spcPts val="0"/>
+              </a:spcAft>
+              <a:buClr>
+                <a:srgbClr val="000000"/>
+              </a:buClr>
+              <a:buSzPts val="1400"/>
+              <a:buFont typeface="Arial"/>
+              <a:buNone/>
+            </a:pPr>
+            <a:r>
+              <a:rPr b="0" i="0" lang="en-US" sz="1400" u="none" cap="none" strike="noStrike">
+                <a:solidFill>
+                  <a:srgbClr val="121C29"/>
+                </a:solidFill>
+                <a:latin typeface="Space Grotesk"/>
+                <a:ea typeface="Space Grotesk"/>
+                <a:cs typeface="Space Grotesk"/>
+                <a:sym typeface="Space Grotesk"/>
+              </a:rPr>
+              <a:t>LLM</a:t>
+            </a:r>
+            <a:br>
+              <a:rPr b="0" i="0" lang="en-US" sz="1400" u="none" cap="none" strike="noStrike">
+                <a:solidFill>
+                  <a:srgbClr val="121C29"/>
+                </a:solidFill>
+                <a:latin typeface="Space Grotesk"/>
+                <a:ea typeface="Space Grotesk"/>
+                <a:cs typeface="Space Grotesk"/>
+                <a:sym typeface="Space Grotesk"/>
+              </a:rPr>
+            </a:br>
+            <a:r>
+              <a:rPr b="0" i="0" lang="en-US" sz="1400" u="none" cap="none" strike="noStrike">
+                <a:solidFill>
+                  <a:srgbClr val="121C29"/>
+                </a:solidFill>
+                <a:latin typeface="Space Grotesk"/>
+                <a:ea typeface="Space Grotesk"/>
+                <a:cs typeface="Space Grotesk"/>
+                <a:sym typeface="Space Grotesk"/>
+              </a:rPr>
+              <a:t>Random</a:t>
+            </a:r>
+            <a:br>
+              <a:rPr b="0" i="0" lang="en-US" sz="1400" u="none" cap="none" strike="noStrike">
+                <a:solidFill>
+                  <a:srgbClr val="121C29"/>
+                </a:solidFill>
+                <a:latin typeface="Space Grotesk"/>
+                <a:ea typeface="Space Grotesk"/>
+                <a:cs typeface="Space Grotesk"/>
+                <a:sym typeface="Space Grotesk"/>
+              </a:rPr>
+            </a:br>
+            <a:r>
+              <a:rPr b="0" i="0" lang="en-US" sz="1400" u="none" cap="none" strike="noStrike">
+                <a:solidFill>
+                  <a:srgbClr val="121C29"/>
+                </a:solidFill>
+                <a:latin typeface="Space Grotesk"/>
+                <a:ea typeface="Space Grotesk"/>
+                <a:cs typeface="Space Grotesk"/>
+                <a:sym typeface="Space Grotesk"/>
+              </a:rPr>
+              <a:t>Round Robin</a:t>
+            </a:r>
+            <a:endParaRPr b="0" i="0" sz="1400" u="none" cap="none" strike="noStrike">
+              <a:solidFill>
+                <a:srgbClr val="121C29"/>
+              </a:solidFill>
+              <a:latin typeface="Space Grotesk"/>
+              <a:ea typeface="Space Grotesk"/>
+              <a:cs typeface="Space Grotesk"/>
+              <a:sym typeface="Space Grotesk"/>
+            </a:endParaRPr>
+          </a:p>
+        </p:txBody>
+      </p:sp>
+      <p:sp>
+        <p:nvSpPr>
+          <p:cNvPr id="464" name="Google Shape;464;g35cd725ba4c_2_106"/>
+          <p:cNvSpPr/>
+          <p:nvPr/>
+        </p:nvSpPr>
+        <p:spPr>
+          <a:xfrm>
+            <a:off x="8891368" y="5550014"/>
+            <a:ext cx="2497419" cy="1192718"/>
+          </a:xfrm>
+          <a:prstGeom prst="roundRect">
+            <a:avLst>
+              <a:gd fmla="val 10417" name="adj"/>
+            </a:avLst>
+          </a:prstGeom>
+          <a:noFill/>
+          <a:ln cap="flat" cmpd="sng" w="19050">
+            <a:solidFill>
+              <a:schemeClr val="accent2"/>
+            </a:solidFill>
+            <a:prstDash val="dash"/>
+            <a:round/>
+            <a:headEnd len="sm" w="sm" type="none"/>
+            <a:tailEnd len="sm" w="sm" type="none"/>
+          </a:ln>
+        </p:spPr>
+        <p:txBody>
+          <a:bodyPr anchorCtr="0" anchor="ctr" bIns="45700" lIns="91425" spcFirstLastPara="1" rIns="91425" wrap="square" tIns="45700">
+            <a:noAutofit/>
+          </a:bodyPr>
+          <a:lstStyle/>
+          <a:p>
+            <a:pPr indent="0" lvl="0" marL="0" marR="0" rtl="0" algn="ctr">
+              <a:lnSpc>
+                <a:spcPct val="100000"/>
+              </a:lnSpc>
+              <a:spcBef>
+                <a:spcPts val="0"/>
+              </a:spcBef>
+              <a:spcAft>
+                <a:spcPts val="0"/>
+              </a:spcAft>
+              <a:buNone/>
+            </a:pPr>
+            <a:r>
+              <a:t/>
+            </a:r>
+            <a:endParaRPr b="0" i="0" sz="1400" u="none" cap="none" strike="noStrike">
+              <a:solidFill>
+                <a:schemeClr val="lt1"/>
+              </a:solidFill>
+              <a:latin typeface="Space Grotesk"/>
+              <a:ea typeface="Space Grotesk"/>
+              <a:cs typeface="Space Grotesk"/>
+              <a:sym typeface="Space Grotesk"/>
+            </a:endParaRPr>
+          </a:p>
+        </p:txBody>
+      </p:sp>
+      <p:sp>
+        <p:nvSpPr>
+          <p:cNvPr id="465" name="Google Shape;465;g35cd725ba4c_2_106"/>
+          <p:cNvSpPr txBox="1"/>
+          <p:nvPr/>
+        </p:nvSpPr>
+        <p:spPr>
+          <a:xfrm>
+            <a:off x="9120429" y="5651945"/>
+            <a:ext cx="2034531" cy="307777"/>
+          </a:xfrm>
+          <a:prstGeom prst="rect">
+            <a:avLst/>
+          </a:prstGeom>
+          <a:noFill/>
+          <a:ln>
+            <a:noFill/>
+          </a:ln>
+        </p:spPr>
+        <p:txBody>
+          <a:bodyPr anchorCtr="0" anchor="t" bIns="45700" lIns="91425" spcFirstLastPara="1" rIns="91425" wrap="square" tIns="45700">
+            <a:spAutoFit/>
+          </a:bodyPr>
+          <a:lstStyle/>
+          <a:p>
+            <a:pPr indent="0" lvl="0" marL="0" marR="0" rtl="0" algn="l">
+              <a:lnSpc>
+                <a:spcPct val="100000"/>
+              </a:lnSpc>
+              <a:spcBef>
+                <a:spcPts val="0"/>
+              </a:spcBef>
+              <a:spcAft>
+                <a:spcPts val="0"/>
+              </a:spcAft>
+              <a:buNone/>
+            </a:pPr>
+            <a:r>
+              <a:rPr b="0" i="0" lang="en-US" sz="1400" u="none" cap="none" strike="noStrike">
+                <a:solidFill>
+                  <a:srgbClr val="000000"/>
+                </a:solidFill>
+                <a:latin typeface="Arial"/>
+                <a:ea typeface="Arial"/>
+                <a:cs typeface="Arial"/>
+                <a:sym typeface="Arial"/>
+              </a:rPr>
+              <a:t>Task: Add more agents</a:t>
+            </a:r>
+            <a:endParaRPr/>
+          </a:p>
+        </p:txBody>
+      </p:sp>
+      <p:sp>
+        <p:nvSpPr>
+          <p:cNvPr id="466" name="Google Shape;466;g35cd725ba4c_2_106"/>
+          <p:cNvSpPr txBox="1"/>
+          <p:nvPr/>
+        </p:nvSpPr>
+        <p:spPr>
+          <a:xfrm>
+            <a:off x="9672945" y="5041729"/>
+            <a:ext cx="511679" cy="400110"/>
+          </a:xfrm>
+          <a:prstGeom prst="rect">
+            <a:avLst/>
+          </a:prstGeom>
+          <a:noFill/>
+          <a:ln>
+            <a:noFill/>
+          </a:ln>
+        </p:spPr>
+        <p:txBody>
+          <a:bodyPr anchorCtr="0" anchor="t" bIns="45700" lIns="91425" spcFirstLastPara="1" rIns="91425" wrap="square" tIns="45700">
+            <a:spAutoFit/>
+          </a:bodyPr>
+          <a:lstStyle/>
+          <a:p>
+            <a:pPr indent="0" lvl="0" marL="0" marR="0" rtl="0" algn="l">
+              <a:lnSpc>
+                <a:spcPct val="100000"/>
+              </a:lnSpc>
+              <a:spcBef>
+                <a:spcPts val="0"/>
+              </a:spcBef>
+              <a:spcAft>
+                <a:spcPts val="0"/>
+              </a:spcAft>
+              <a:buNone/>
+            </a:pPr>
+            <a:r>
+              <a:rPr b="1" i="0" lang="en-US" sz="2000" u="none" cap="none" strike="noStrike">
+                <a:solidFill>
+                  <a:srgbClr val="000000"/>
+                </a:solidFill>
+                <a:latin typeface="Arial"/>
+                <a:ea typeface="Arial"/>
+                <a:cs typeface="Arial"/>
+                <a:sym typeface="Arial"/>
+              </a:rPr>
+              <a:t>….</a:t>
+            </a:r>
+            <a:endParaRPr/>
+          </a:p>
+        </p:txBody>
+      </p:sp>
+      <p:pic>
+        <p:nvPicPr>
+          <p:cNvPr descr="🦅 Eagle Emoji: Meaning &amp; Usage" id="467" name="Google Shape;467;g35cd725ba4c_2_106"/>
+          <p:cNvPicPr preferRelativeResize="0"/>
+          <p:nvPr/>
+        </p:nvPicPr>
+        <p:blipFill rotWithShape="1">
+          <a:blip r:embed="rId11">
+            <a:alphaModFix/>
+          </a:blip>
+          <a:srcRect b="0" l="0" r="0" t="0"/>
+          <a:stretch/>
+        </p:blipFill>
+        <p:spPr>
+          <a:xfrm>
+            <a:off x="9059438" y="5943401"/>
+            <a:ext cx="755188" cy="755188"/>
+          </a:xfrm>
+          <a:prstGeom prst="rect">
+            <a:avLst/>
+          </a:prstGeom>
+          <a:noFill/>
+          <a:ln>
+            <a:noFill/>
+          </a:ln>
+        </p:spPr>
+      </p:pic>
+      <p:pic>
+        <p:nvPicPr>
+          <p:cNvPr descr="lord of the rings emoji | AI Emoji Generator" id="468" name="Google Shape;468;g35cd725ba4c_2_106"/>
+          <p:cNvPicPr preferRelativeResize="0"/>
+          <p:nvPr/>
+        </p:nvPicPr>
+        <p:blipFill rotWithShape="1">
+          <a:blip r:embed="rId12">
+            <a:alphaModFix/>
+          </a:blip>
+          <a:srcRect b="0" l="0" r="0" t="0"/>
+          <a:stretch/>
+        </p:blipFill>
+        <p:spPr>
+          <a:xfrm>
+            <a:off x="9782015" y="5932478"/>
+            <a:ext cx="711388" cy="711388"/>
+          </a:xfrm>
+          <a:prstGeom prst="rect">
+            <a:avLst/>
+          </a:prstGeom>
+          <a:noFill/>
+          <a:ln>
+            <a:noFill/>
+          </a:ln>
+        </p:spPr>
+      </p:pic>
+      <p:pic>
+        <p:nvPicPr>
+          <p:cNvPr descr="lord of the rings emoji | AI Emoji Generator" id="469" name="Google Shape;469;g35cd725ba4c_2_106"/>
+          <p:cNvPicPr preferRelativeResize="0"/>
+          <p:nvPr/>
+        </p:nvPicPr>
+        <p:blipFill rotWithShape="1">
+          <a:blip r:embed="rId13">
+            <a:alphaModFix/>
+          </a:blip>
+          <a:srcRect b="0" l="0" r="0" t="0"/>
+          <a:stretch/>
+        </p:blipFill>
+        <p:spPr>
+          <a:xfrm>
+            <a:off x="10493403" y="5936014"/>
+            <a:ext cx="682954" cy="682954"/>
+          </a:xfrm>
+          <a:prstGeom prst="rect">
+            <a:avLst/>
+          </a:prstGeom>
+          <a:noFill/>
+          <a:ln>
+            <a:noFill/>
+          </a:ln>
+        </p:spPr>
+      </p:pic>
+    </p:spTree>
+  </p:cSld>
+  <p:clrMapOvr>
+    <a:masterClrMapping/>
+  </p:clrMapOvr>
+</p:sld>
+</file>
+
+<file path=ppt/slides/slide19.xml><?xml version="1.0" encoding="utf-8"?>
+<p:sld xmlns:a="http://schemas.openxmlformats.org/drawingml/2006/main" xmlns:r="http://schemas.openxmlformats.org/officeDocument/2006/relationships" xmlns:mc="http://schemas.openxmlformats.org/markup-compatibility/2006" xmlns:mv="urn:schemas-microsoft-com:mac:vml" xmlns:p="http://schemas.openxmlformats.org/presentationml/2006/main" xmlns:c="http://schemas.openxmlformats.org/drawingml/2006/chart" xmlns:dgm="http://schemas.openxmlformats.org/drawingml/2006/diagram" xmlns:o="urn:schemas-microsoft-com:office:office" xmlns:v="urn:schemas-microsoft-com:vml" xmlns:pvml="urn:schemas-microsoft-com:office:powerpoint" xmlns:com="http://schemas.openxmlformats.org/drawingml/2006/compatibility" xmlns:p14="http://schemas.microsoft.com/office/powerpoint/2010/main" xmlns:p15="http://schemas.microsoft.com/office/powerpoint/2012/main" xmlns:ahyp="http://schemas.microsoft.com/office/drawing/2018/hyperlinkcolor">
+  <p:cSld>
+    <p:spTree>
+      <p:nvGrpSpPr>
+        <p:cNvPr id="473" name="Shape 473"/>
+        <p:cNvGrpSpPr/>
+        <p:nvPr/>
+      </p:nvGrpSpPr>
+      <p:grpSpPr>
+        <a:xfrm>
+          <a:off x="0" y="0"/>
+          <a:ext cx="0" cy="0"/>
+          <a:chOff x="0" y="0"/>
+          <a:chExt cx="0" cy="0"/>
+        </a:xfrm>
+      </p:grpSpPr>
+      <p:sp>
+        <p:nvSpPr>
+          <p:cNvPr id="474" name="Google Shape;474;p72"/>
           <p:cNvSpPr txBox="1"/>
           <p:nvPr>
             <p:ph type="title"/>
@@ -20107,7 +26161,7 @@
       </p:sp>
       <p:pic>
         <p:nvPicPr>
-          <p:cNvPr descr="A qr code with a white background&#10;&#10;Description automatically generated" id="331" name="Google Shape;331;p72"/>
+          <p:cNvPr descr="A qr code with a white background&#10;&#10;Description automatically generated" id="475" name="Google Shape;475;p72"/>
           <p:cNvPicPr preferRelativeResize="0"/>
           <p:nvPr/>
         </p:nvPicPr>
@@ -20134,7 +26188,7 @@
       </p:pic>
       <p:sp>
         <p:nvSpPr>
-          <p:cNvPr id="332" name="Google Shape;332;p72">
+          <p:cNvPr id="476" name="Google Shape;476;p72">
             <a:hlinkClick r:id="rId4"/>
           </p:cNvPr>
           <p:cNvSpPr txBox="1"/>
@@ -20202,7 +26256,7 @@
       </p:sp>
       <p:grpSp>
         <p:nvGrpSpPr>
-          <p:cNvPr id="333" name="Google Shape;333;p72"/>
+          <p:cNvPr id="477" name="Google Shape;477;p72"/>
           <p:cNvGrpSpPr/>
           <p:nvPr/>
         </p:nvGrpSpPr>
@@ -20216,7 +26270,7 @@
         </p:grpSpPr>
         <p:pic>
           <p:nvPicPr>
-            <p:cNvPr id="334" name="Google Shape;334;p72"/>
+            <p:cNvPr id="478" name="Google Shape;478;p72"/>
             <p:cNvPicPr preferRelativeResize="0"/>
             <p:nvPr/>
           </p:nvPicPr>
@@ -20243,7 +26297,7 @@
         </p:pic>
         <p:pic>
           <p:nvPicPr>
-            <p:cNvPr id="335" name="Google Shape;335;p72"/>
+            <p:cNvPr id="479" name="Google Shape;479;p72"/>
             <p:cNvPicPr preferRelativeResize="0"/>
             <p:nvPr/>
           </p:nvPicPr>
@@ -20270,7 +26324,7 @@
         </p:pic>
         <p:pic>
           <p:nvPicPr>
-            <p:cNvPr id="336" name="Google Shape;336;p72"/>
+            <p:cNvPr id="480" name="Google Shape;480;p72"/>
             <p:cNvPicPr preferRelativeResize="0"/>
             <p:nvPr/>
           </p:nvPicPr>
@@ -20297,7 +26351,7 @@
         </p:pic>
         <p:pic>
           <p:nvPicPr>
-            <p:cNvPr id="337" name="Google Shape;337;p72"/>
+            <p:cNvPr id="481" name="Google Shape;481;p72"/>
             <p:cNvPicPr preferRelativeResize="0"/>
             <p:nvPr/>
           </p:nvPicPr>
@@ -20324,7 +26378,7 @@
         </p:pic>
         <p:pic>
           <p:nvPicPr>
-            <p:cNvPr id="338" name="Google Shape;338;p72"/>
+            <p:cNvPr id="482" name="Google Shape;482;p72"/>
             <p:cNvPicPr preferRelativeResize="0"/>
             <p:nvPr/>
           </p:nvPicPr>
@@ -20351,7 +26405,7 @@
         </p:pic>
         <p:sp>
           <p:nvSpPr>
-            <p:cNvPr id="339" name="Google Shape;339;p72">
+            <p:cNvPr id="483" name="Google Shape;483;p72">
               <a:hlinkClick r:id="rId10"/>
             </p:cNvPr>
             <p:cNvSpPr txBox="1"/>
@@ -20419,7 +26473,7 @@
         </p:sp>
         <p:sp>
           <p:nvSpPr>
-            <p:cNvPr id="340" name="Google Shape;340;p72">
+            <p:cNvPr id="484" name="Google Shape;484;p72">
               <a:hlinkClick r:id="rId11"/>
             </p:cNvPr>
             <p:cNvSpPr txBox="1"/>
@@ -20487,7 +26541,7 @@
         </p:sp>
         <p:sp>
           <p:nvSpPr>
-            <p:cNvPr id="341" name="Google Shape;341;p72">
+            <p:cNvPr id="485" name="Google Shape;485;p72">
               <a:hlinkClick r:id="rId12"/>
             </p:cNvPr>
             <p:cNvSpPr txBox="1"/>
@@ -20555,7 +26609,7 @@
         </p:sp>
         <p:sp>
           <p:nvSpPr>
-            <p:cNvPr id="342" name="Google Shape;342;p72">
+            <p:cNvPr id="486" name="Google Shape;486;p72">
               <a:hlinkClick r:id="rId13"/>
             </p:cNvPr>
             <p:cNvSpPr txBox="1"/>
@@ -20623,7 +26677,7 @@
         </p:sp>
         <p:sp>
           <p:nvSpPr>
-            <p:cNvPr id="343" name="Google Shape;343;p72">
+            <p:cNvPr id="487" name="Google Shape;487;p72">
               <a:hlinkClick r:id="rId14"/>
             </p:cNvPr>
             <p:cNvSpPr txBox="1"/>
@@ -20691,7 +26745,7 @@
         </p:sp>
         <p:sp>
           <p:nvSpPr>
-            <p:cNvPr id="344" name="Google Shape;344;p72">
+            <p:cNvPr id="488" name="Google Shape;488;p72">
               <a:hlinkClick r:id="rId15"/>
             </p:cNvPr>
             <p:cNvSpPr txBox="1"/>
@@ -20759,7 +26813,7 @@
         </p:sp>
         <p:pic>
           <p:nvPicPr>
-            <p:cNvPr id="345" name="Google Shape;345;p72"/>
+            <p:cNvPr id="489" name="Google Shape;489;p72"/>
             <p:cNvPicPr preferRelativeResize="0"/>
             <p:nvPr/>
           </p:nvPicPr>
@@ -20785,201 +26839,6 @@
           </p:spPr>
         </p:pic>
       </p:grpSp>
-    </p:spTree>
-  </p:cSld>
-  <p:clrMapOvr>
-    <a:masterClrMapping/>
-  </p:clrMapOvr>
-</p:sld>
-</file>
-
-<file path=ppt/slides/slide17.xml><?xml version="1.0" encoding="utf-8"?>
-<p:sld xmlns:a="http://schemas.openxmlformats.org/drawingml/2006/main" xmlns:r="http://schemas.openxmlformats.org/officeDocument/2006/relationships" xmlns:mc="http://schemas.openxmlformats.org/markup-compatibility/2006" xmlns:mv="urn:schemas-microsoft-com:mac:vml" xmlns:p="http://schemas.openxmlformats.org/presentationml/2006/main" xmlns:c="http://schemas.openxmlformats.org/drawingml/2006/chart" xmlns:dgm="http://schemas.openxmlformats.org/drawingml/2006/diagram" xmlns:o="urn:schemas-microsoft-com:office:office" xmlns:v="urn:schemas-microsoft-com:vml" xmlns:pvml="urn:schemas-microsoft-com:office:powerpoint" xmlns:com="http://schemas.openxmlformats.org/drawingml/2006/compatibility" xmlns:p14="http://schemas.microsoft.com/office/powerpoint/2010/main" xmlns:p15="http://schemas.microsoft.com/office/powerpoint/2012/main" xmlns:ahyp="http://schemas.microsoft.com/office/drawing/2018/hyperlinkcolor">
-  <p:cSld>
-    <p:spTree>
-      <p:nvGrpSpPr>
-        <p:cNvPr id="349" name="Shape 349"/>
-        <p:cNvGrpSpPr/>
-        <p:nvPr/>
-      </p:nvGrpSpPr>
-      <p:grpSpPr>
-        <a:xfrm>
-          <a:off x="0" y="0"/>
-          <a:ext cx="0" cy="0"/>
-          <a:chOff x="0" y="0"/>
-          <a:chExt cx="0" cy="0"/>
-        </a:xfrm>
-      </p:grpSpPr>
-      <p:pic>
-        <p:nvPicPr>
-          <p:cNvPr descr="A qr code with a white background&#10;&#10;Description automatically generated" id="350" name="Google Shape;350;p73"/>
-          <p:cNvPicPr preferRelativeResize="0"/>
-          <p:nvPr/>
-        </p:nvPicPr>
-        <p:blipFill rotWithShape="1">
-          <a:blip r:embed="rId3">
-            <a:alphaModFix/>
-          </a:blip>
-          <a:srcRect b="0" l="0" r="0" t="0"/>
-          <a:stretch/>
-        </p:blipFill>
-        <p:spPr>
-          <a:xfrm>
-            <a:off x="6900720" y="1296609"/>
-            <a:ext cx="4464000" cy="4464000"/>
-          </a:xfrm>
-          <a:prstGeom prst="rect">
-            <a:avLst/>
-          </a:prstGeom>
-          <a:noFill/>
-          <a:ln>
-            <a:noFill/>
-          </a:ln>
-        </p:spPr>
-      </p:pic>
-      <p:sp>
-        <p:nvSpPr>
-          <p:cNvPr id="351" name="Google Shape;351;p73"/>
-          <p:cNvSpPr txBox="1"/>
-          <p:nvPr>
-            <p:ph type="title"/>
-          </p:nvPr>
-        </p:nvSpPr>
-        <p:spPr>
-          <a:xfrm>
-            <a:off x="196754" y="215001"/>
-            <a:ext cx="11820099" cy="924588"/>
-          </a:xfrm>
-          <a:prstGeom prst="rect">
-            <a:avLst/>
-          </a:prstGeom>
-          <a:noFill/>
-          <a:ln>
-            <a:noFill/>
-          </a:ln>
-        </p:spPr>
-        <p:txBody>
-          <a:bodyPr anchorCtr="0" anchor="ctr" bIns="45700" lIns="91425" spcFirstLastPara="1" rIns="91425" wrap="square" tIns="45700">
-            <a:normAutofit/>
-          </a:bodyPr>
-          <a:lstStyle/>
-          <a:p>
-            <a:pPr indent="0" lvl="0" marL="0" rtl="0" algn="l">
-              <a:lnSpc>
-                <a:spcPct val="90000"/>
-              </a:lnSpc>
-              <a:spcBef>
-                <a:spcPts val="0"/>
-              </a:spcBef>
-              <a:spcAft>
-                <a:spcPts val="0"/>
-              </a:spcAft>
-              <a:buSzPts val="4400"/>
-              <a:buNone/>
-            </a:pPr>
-            <a:r>
-              <a:rPr lang="en-US"/>
-              <a:t>Claim the Dapr Community Supporter badge!</a:t>
-            </a:r>
-            <a:endParaRPr/>
-          </a:p>
-        </p:txBody>
-      </p:sp>
-      <p:sp>
-        <p:nvSpPr>
-          <p:cNvPr id="352" name="Google Shape;352;p73">
-            <a:hlinkClick r:id="rId4"/>
-          </p:cNvPr>
-          <p:cNvSpPr txBox="1"/>
-          <p:nvPr/>
-        </p:nvSpPr>
-        <p:spPr>
-          <a:xfrm>
-            <a:off x="6583830" y="5659216"/>
-            <a:ext cx="5097780" cy="646331"/>
-          </a:xfrm>
-          <a:prstGeom prst="rect">
-            <a:avLst/>
-          </a:prstGeom>
-          <a:noFill/>
-          <a:ln>
-            <a:noFill/>
-          </a:ln>
-        </p:spPr>
-        <p:txBody>
-          <a:bodyPr anchorCtr="0" anchor="t" bIns="45700" lIns="91425" spcFirstLastPara="1" rIns="91425" wrap="square" tIns="45700">
-            <a:spAutoFit/>
-          </a:bodyPr>
-          <a:lstStyle/>
-          <a:p>
-            <a:pPr indent="0" lvl="0" marL="0" marR="0" rtl="0" algn="l">
-              <a:lnSpc>
-                <a:spcPct val="100000"/>
-              </a:lnSpc>
-              <a:spcBef>
-                <a:spcPts val="0"/>
-              </a:spcBef>
-              <a:spcAft>
-                <a:spcPts val="0"/>
-              </a:spcAft>
-              <a:buClr>
-                <a:srgbClr val="000000"/>
-              </a:buClr>
-              <a:buSzPts val="3600"/>
-              <a:buFont typeface="Arial"/>
-              <a:buNone/>
-            </a:pPr>
-            <a:r>
-              <a:rPr b="0" i="0" lang="en-US" sz="3600" u="none" cap="none" strike="noStrike">
-                <a:solidFill>
-                  <a:srgbClr val="000000"/>
-                </a:solidFill>
-                <a:latin typeface="Space Grotesk"/>
-                <a:ea typeface="Space Grotesk"/>
-                <a:cs typeface="Space Grotesk"/>
-                <a:sym typeface="Space Grotesk"/>
-              </a:rPr>
-              <a:t>bit.ly/dapr-supporter</a:t>
-            </a:r>
-            <a:endParaRPr b="0" i="0" sz="1400" u="none" cap="none" strike="noStrike">
-              <a:solidFill>
-                <a:srgbClr val="000000"/>
-              </a:solidFill>
-              <a:latin typeface="Space Grotesk"/>
-              <a:ea typeface="Space Grotesk"/>
-              <a:cs typeface="Space Grotesk"/>
-              <a:sym typeface="Space Grotesk"/>
-            </a:endParaRPr>
-          </a:p>
-        </p:txBody>
-      </p:sp>
-      <p:pic>
-        <p:nvPicPr>
-          <p:cNvPr descr="A hexagon with a cartoon face and text&#10;&#10;Description automatically generated" id="353" name="Google Shape;353;p73"/>
-          <p:cNvPicPr preferRelativeResize="0"/>
-          <p:nvPr/>
-        </p:nvPicPr>
-        <p:blipFill rotWithShape="1">
-          <a:blip r:embed="rId5">
-            <a:alphaModFix/>
-          </a:blip>
-          <a:srcRect b="0" l="0" r="0" t="0"/>
-          <a:stretch/>
-        </p:blipFill>
-        <p:spPr>
-          <a:xfrm>
-            <a:off x="888000" y="1438277"/>
-            <a:ext cx="4319999" cy="4319999"/>
-          </a:xfrm>
-          <a:prstGeom prst="rect">
-            <a:avLst/>
-          </a:prstGeom>
-          <a:noFill/>
-          <a:ln>
-            <a:noFill/>
-          </a:ln>
-        </p:spPr>
-      </p:pic>
     </p:spTree>
   </p:cSld>
   <p:clrMapOvr>
@@ -21574,6 +27433,201 @@
           <a:xfrm>
             <a:off x="517107" y="4456746"/>
             <a:ext cx="720000" cy="720000"/>
+          </a:xfrm>
+          <a:prstGeom prst="rect">
+            <a:avLst/>
+          </a:prstGeom>
+          <a:noFill/>
+          <a:ln>
+            <a:noFill/>
+          </a:ln>
+        </p:spPr>
+      </p:pic>
+    </p:spTree>
+  </p:cSld>
+  <p:clrMapOvr>
+    <a:masterClrMapping/>
+  </p:clrMapOvr>
+</p:sld>
+</file>
+
+<file path=ppt/slides/slide20.xml><?xml version="1.0" encoding="utf-8"?>
+<p:sld xmlns:a="http://schemas.openxmlformats.org/drawingml/2006/main" xmlns:r="http://schemas.openxmlformats.org/officeDocument/2006/relationships" xmlns:mc="http://schemas.openxmlformats.org/markup-compatibility/2006" xmlns:mv="urn:schemas-microsoft-com:mac:vml" xmlns:p="http://schemas.openxmlformats.org/presentationml/2006/main" xmlns:c="http://schemas.openxmlformats.org/drawingml/2006/chart" xmlns:dgm="http://schemas.openxmlformats.org/drawingml/2006/diagram" xmlns:o="urn:schemas-microsoft-com:office:office" xmlns:v="urn:schemas-microsoft-com:vml" xmlns:pvml="urn:schemas-microsoft-com:office:powerpoint" xmlns:com="http://schemas.openxmlformats.org/drawingml/2006/compatibility" xmlns:p14="http://schemas.microsoft.com/office/powerpoint/2010/main" xmlns:p15="http://schemas.microsoft.com/office/powerpoint/2012/main" xmlns:ahyp="http://schemas.microsoft.com/office/drawing/2018/hyperlinkcolor">
+  <p:cSld>
+    <p:spTree>
+      <p:nvGrpSpPr>
+        <p:cNvPr id="493" name="Shape 493"/>
+        <p:cNvGrpSpPr/>
+        <p:nvPr/>
+      </p:nvGrpSpPr>
+      <p:grpSpPr>
+        <a:xfrm>
+          <a:off x="0" y="0"/>
+          <a:ext cx="0" cy="0"/>
+          <a:chOff x="0" y="0"/>
+          <a:chExt cx="0" cy="0"/>
+        </a:xfrm>
+      </p:grpSpPr>
+      <p:pic>
+        <p:nvPicPr>
+          <p:cNvPr descr="A qr code with a white background&#10;&#10;Description automatically generated" id="494" name="Google Shape;494;p73"/>
+          <p:cNvPicPr preferRelativeResize="0"/>
+          <p:nvPr/>
+        </p:nvPicPr>
+        <p:blipFill rotWithShape="1">
+          <a:blip r:embed="rId3">
+            <a:alphaModFix/>
+          </a:blip>
+          <a:srcRect b="0" l="0" r="0" t="0"/>
+          <a:stretch/>
+        </p:blipFill>
+        <p:spPr>
+          <a:xfrm>
+            <a:off x="6900720" y="1296609"/>
+            <a:ext cx="4464000" cy="4464000"/>
+          </a:xfrm>
+          <a:prstGeom prst="rect">
+            <a:avLst/>
+          </a:prstGeom>
+          <a:noFill/>
+          <a:ln>
+            <a:noFill/>
+          </a:ln>
+        </p:spPr>
+      </p:pic>
+      <p:sp>
+        <p:nvSpPr>
+          <p:cNvPr id="495" name="Google Shape;495;p73"/>
+          <p:cNvSpPr txBox="1"/>
+          <p:nvPr>
+            <p:ph type="title"/>
+          </p:nvPr>
+        </p:nvSpPr>
+        <p:spPr>
+          <a:xfrm>
+            <a:off x="196754" y="215001"/>
+            <a:ext cx="11820099" cy="924588"/>
+          </a:xfrm>
+          <a:prstGeom prst="rect">
+            <a:avLst/>
+          </a:prstGeom>
+          <a:noFill/>
+          <a:ln>
+            <a:noFill/>
+          </a:ln>
+        </p:spPr>
+        <p:txBody>
+          <a:bodyPr anchorCtr="0" anchor="ctr" bIns="45700" lIns="91425" spcFirstLastPara="1" rIns="91425" wrap="square" tIns="45700">
+            <a:normAutofit/>
+          </a:bodyPr>
+          <a:lstStyle/>
+          <a:p>
+            <a:pPr indent="0" lvl="0" marL="0" rtl="0" algn="l">
+              <a:lnSpc>
+                <a:spcPct val="90000"/>
+              </a:lnSpc>
+              <a:spcBef>
+                <a:spcPts val="0"/>
+              </a:spcBef>
+              <a:spcAft>
+                <a:spcPts val="0"/>
+              </a:spcAft>
+              <a:buSzPts val="4400"/>
+              <a:buNone/>
+            </a:pPr>
+            <a:r>
+              <a:rPr lang="en-US"/>
+              <a:t>Claim the Dapr Community Supporter badge!</a:t>
+            </a:r>
+            <a:endParaRPr/>
+          </a:p>
+        </p:txBody>
+      </p:sp>
+      <p:sp>
+        <p:nvSpPr>
+          <p:cNvPr id="496" name="Google Shape;496;p73">
+            <a:hlinkClick r:id="rId4"/>
+          </p:cNvPr>
+          <p:cNvSpPr txBox="1"/>
+          <p:nvPr/>
+        </p:nvSpPr>
+        <p:spPr>
+          <a:xfrm>
+            <a:off x="6583830" y="5659216"/>
+            <a:ext cx="5097780" cy="646331"/>
+          </a:xfrm>
+          <a:prstGeom prst="rect">
+            <a:avLst/>
+          </a:prstGeom>
+          <a:noFill/>
+          <a:ln>
+            <a:noFill/>
+          </a:ln>
+        </p:spPr>
+        <p:txBody>
+          <a:bodyPr anchorCtr="0" anchor="t" bIns="45700" lIns="91425" spcFirstLastPara="1" rIns="91425" wrap="square" tIns="45700">
+            <a:spAutoFit/>
+          </a:bodyPr>
+          <a:lstStyle/>
+          <a:p>
+            <a:pPr indent="0" lvl="0" marL="0" marR="0" rtl="0" algn="l">
+              <a:lnSpc>
+                <a:spcPct val="100000"/>
+              </a:lnSpc>
+              <a:spcBef>
+                <a:spcPts val="0"/>
+              </a:spcBef>
+              <a:spcAft>
+                <a:spcPts val="0"/>
+              </a:spcAft>
+              <a:buClr>
+                <a:srgbClr val="000000"/>
+              </a:buClr>
+              <a:buSzPts val="3600"/>
+              <a:buFont typeface="Arial"/>
+              <a:buNone/>
+            </a:pPr>
+            <a:r>
+              <a:rPr b="0" i="0" lang="en-US" sz="3600" u="none" cap="none" strike="noStrike">
+                <a:solidFill>
+                  <a:srgbClr val="000000"/>
+                </a:solidFill>
+                <a:latin typeface="Space Grotesk"/>
+                <a:ea typeface="Space Grotesk"/>
+                <a:cs typeface="Space Grotesk"/>
+                <a:sym typeface="Space Grotesk"/>
+              </a:rPr>
+              <a:t>bit.ly/dapr-supporter</a:t>
+            </a:r>
+            <a:endParaRPr b="0" i="0" sz="1400" u="none" cap="none" strike="noStrike">
+              <a:solidFill>
+                <a:srgbClr val="000000"/>
+              </a:solidFill>
+              <a:latin typeface="Space Grotesk"/>
+              <a:ea typeface="Space Grotesk"/>
+              <a:cs typeface="Space Grotesk"/>
+              <a:sym typeface="Space Grotesk"/>
+            </a:endParaRPr>
+          </a:p>
+        </p:txBody>
+      </p:sp>
+      <p:pic>
+        <p:nvPicPr>
+          <p:cNvPr descr="A hexagon with a cartoon face and text&#10;&#10;Description automatically generated" id="497" name="Google Shape;497;p73"/>
+          <p:cNvPicPr preferRelativeResize="0"/>
+          <p:nvPr/>
+        </p:nvPicPr>
+        <p:blipFill rotWithShape="1">
+          <a:blip r:embed="rId5">
+            <a:alphaModFix/>
+          </a:blip>
+          <a:srcRect b="0" l="0" r="0" t="0"/>
+          <a:stretch/>
+        </p:blipFill>
+        <p:spPr>
+          <a:xfrm>
+            <a:off x="888000" y="1438277"/>
+            <a:ext cx="4319999" cy="4319999"/>
           </a:xfrm>
           <a:prstGeom prst="rect">
             <a:avLst/>
